--- a/Mathematical_Models/cdt_presentation_thurs_july_8th.pptx
+++ b/Mathematical_Models/cdt_presentation_thurs_july_8th.pptx
@@ -5,22 +5,23 @@
     <p:sldMasterId id="2147483731" r:id="rId1"/>
   </p:sldMasterIdLst>
   <p:notesMasterIdLst>
-    <p:notesMasterId r:id="rId15"/>
+    <p:notesMasterId r:id="rId16"/>
   </p:notesMasterIdLst>
   <p:sldIdLst>
     <p:sldId id="256" r:id="rId2"/>
     <p:sldId id="286" r:id="rId3"/>
-    <p:sldId id="302" r:id="rId4"/>
-    <p:sldId id="291" r:id="rId5"/>
-    <p:sldId id="304" r:id="rId6"/>
-    <p:sldId id="300" r:id="rId7"/>
-    <p:sldId id="289" r:id="rId8"/>
-    <p:sldId id="299" r:id="rId9"/>
-    <p:sldId id="298" r:id="rId10"/>
-    <p:sldId id="293" r:id="rId11"/>
-    <p:sldId id="303" r:id="rId12"/>
-    <p:sldId id="288" r:id="rId13"/>
-    <p:sldId id="301" r:id="rId14"/>
+    <p:sldId id="287" r:id="rId4"/>
+    <p:sldId id="294" r:id="rId5"/>
+    <p:sldId id="302" r:id="rId6"/>
+    <p:sldId id="291" r:id="rId7"/>
+    <p:sldId id="300" r:id="rId8"/>
+    <p:sldId id="289" r:id="rId9"/>
+    <p:sldId id="299" r:id="rId10"/>
+    <p:sldId id="298" r:id="rId11"/>
+    <p:sldId id="293" r:id="rId12"/>
+    <p:sldId id="297" r:id="rId13"/>
+    <p:sldId id="288" r:id="rId14"/>
+    <p:sldId id="301" r:id="rId15"/>
   </p:sldIdLst>
   <p:sldSz cx="12192000" cy="6858000"/>
   <p:notesSz cx="6858000" cy="9144000"/>
@@ -209,7 +210,7 @@
           <a:p>
             <a:fld id="{8F7E32F0-930A-44E6-8941-235E88E9C716}" type="datetimeFigureOut">
               <a:rPr lang="en-IE" smtClean="0"/>
-              <a:t>01/07/2021</a:t>
+              <a:t>14/07/2021</a:t>
             </a:fld>
             <a:endParaRPr lang="en-IE"/>
           </a:p>
@@ -523,127 +524,26 @@
           <a:p>
             <a:r>
               <a:rPr lang="en-IE" dirty="0" smtClean="0"/>
-              <a:t>Hi everyone, thanks for taking</a:t>
+              <a:t>Analytical solution.</a:t>
+            </a:r>
+          </a:p>
+          <a:p>
+            <a:r>
+              <a:rPr lang="en-IE" dirty="0" smtClean="0"/>
+              <a:t>Closed</a:t>
             </a:r>
             <a:r>
               <a:rPr lang="en-IE" baseline="0" dirty="0" smtClean="0"/>
-              <a:t> the time out today.</a:t>
-            </a:r>
-          </a:p>
-          <a:p>
-            <a:endParaRPr lang="en-IE" baseline="0" dirty="0" smtClean="0"/>
-          </a:p>
-          <a:p>
+              <a:t> form solution to the posterior given the </a:t>
+            </a:r>
+            <a:r>
+              <a:rPr lang="en-IE" baseline="0" dirty="0" err="1" smtClean="0"/>
+              <a:t>poisson</a:t>
+            </a:r>
             <a:r>
               <a:rPr lang="en-IE" baseline="0" dirty="0" smtClean="0"/>
-              <a:t>So I’m working under the sup of Simon &amp; Xavier &amp; working on Epidemic modelling.</a:t>
-            </a:r>
-          </a:p>
-          <a:p>
-            <a:endParaRPr lang="en-IE" baseline="0" dirty="0" smtClean="0"/>
-          </a:p>
-          <a:p>
-            <a:r>
-              <a:rPr lang="en-IE" baseline="0" dirty="0" smtClean="0"/>
-              <a:t>So just to give an overview of what I’ll talk through today.</a:t>
-            </a:r>
-          </a:p>
-          <a:p>
-            <a:endParaRPr lang="en-IE" baseline="0" dirty="0" smtClean="0"/>
-          </a:p>
-          <a:p>
-            <a:r>
-              <a:rPr lang="en-IE" baseline="0" dirty="0" smtClean="0"/>
-              <a:t>We have started building up the models starting with a simple baseline model so I’ll firstly talk you through that. MCMC scheme </a:t>
-            </a:r>
-          </a:p>
-          <a:p>
-            <a:r>
-              <a:rPr lang="en-IE" baseline="0" dirty="0" smtClean="0"/>
-              <a:t> and recently looking into super-spreading models. </a:t>
-            </a:r>
-          </a:p>
-          <a:p>
-            <a:endParaRPr lang="en-IE" baseline="0" dirty="0" smtClean="0"/>
-          </a:p>
-          <a:p>
-            <a:r>
-              <a:rPr lang="en-IE" baseline="0" dirty="0" smtClean="0"/>
-              <a:t>The real aim is to look into the influence of certain </a:t>
-            </a:r>
-            <a:r>
-              <a:rPr lang="en-IE" baseline="0" dirty="0" err="1" smtClean="0"/>
-              <a:t>datapoints</a:t>
-            </a:r>
-            <a:r>
-              <a:rPr lang="en-IE" baseline="0" dirty="0" smtClean="0"/>
-              <a:t> individuals or </a:t>
-            </a:r>
-            <a:r>
-              <a:rPr lang="en-IE" baseline="0" dirty="0" err="1" smtClean="0"/>
-              <a:t>ss</a:t>
-            </a:r>
-            <a:r>
-              <a:rPr lang="en-IE" baseline="0" dirty="0" smtClean="0"/>
-              <a:t> events. </a:t>
-            </a:r>
-          </a:p>
-          <a:p>
-            <a:endParaRPr lang="en-IE" baseline="0" dirty="0" smtClean="0"/>
-          </a:p>
-          <a:p>
-            <a:r>
-              <a:rPr lang="en-IE" baseline="0" dirty="0" smtClean="0"/>
-              <a:t>Recent </a:t>
-            </a:r>
-            <a:r>
-              <a:rPr lang="en-IE" baseline="0" dirty="0" err="1" smtClean="0"/>
-              <a:t>covid</a:t>
-            </a:r>
-            <a:r>
-              <a:rPr lang="en-IE" baseline="0" dirty="0" smtClean="0"/>
-              <a:t> pandemic has really shone light on the importance of epidemic modelling,  and as you are all aware there are </a:t>
-            </a:r>
-          </a:p>
-          <a:p>
-            <a:r>
-              <a:rPr lang="en-IE" baseline="0" dirty="0" smtClean="0"/>
-              <a:t>the data &amp; </a:t>
-            </a:r>
-            <a:r>
-              <a:rPr lang="en-IE" baseline="0" dirty="0" err="1" smtClean="0"/>
-              <a:t>scenariors</a:t>
-            </a:r>
-            <a:r>
-              <a:rPr lang="en-IE" baseline="0" dirty="0" smtClean="0"/>
-              <a:t> are constantly changing and we think it would be nice to be able to quantify what effect these changes are having on the model parameters </a:t>
-            </a:r>
-          </a:p>
-          <a:p>
-            <a:endParaRPr lang="en-IE" baseline="0" dirty="0" smtClean="0"/>
-          </a:p>
-          <a:p>
-            <a:r>
-              <a:rPr lang="en-IE" baseline="0" dirty="0" smtClean="0"/>
-              <a:t>To do</a:t>
-            </a:r>
-          </a:p>
-          <a:p>
-            <a:r>
-              <a:rPr lang="en-IE" baseline="0" dirty="0" smtClean="0"/>
-              <a:t>Format presentation?</a:t>
-            </a:r>
-          </a:p>
-          <a:p>
-            <a:endParaRPr lang="en-IE" baseline="0" dirty="0" smtClean="0"/>
-          </a:p>
-          <a:p>
-            <a:r>
-              <a:rPr lang="en-IE" baseline="0" dirty="0" smtClean="0"/>
-              <a:t>Plots == orange</a:t>
-            </a:r>
-          </a:p>
-          <a:p>
+              <a:t>-gamma conjugacy. </a:t>
+            </a:r>
             <a:endParaRPr lang="en-IE" dirty="0"/>
           </a:p>
         </p:txBody>
@@ -665,1085 +565,7 @@
           <a:p>
             <a:fld id="{F559CD70-93A7-41A1-9B03-754D54A8F9E8}" type="slidenum">
               <a:rPr lang="en-IE" smtClean="0"/>
-              <a:t>1</a:t>
-            </a:fld>
-            <a:endParaRPr lang="en-IE"/>
-          </a:p>
-        </p:txBody>
-      </p:sp>
-    </p:spTree>
-    <p:extLst>
-      <p:ext uri="{BB962C8B-B14F-4D97-AF65-F5344CB8AC3E}">
-        <p14:creationId xmlns:p14="http://schemas.microsoft.com/office/powerpoint/2010/main" val="1501354921"/>
-      </p:ext>
-    </p:extLst>
-  </p:cSld>
-  <p:clrMapOvr>
-    <a:masterClrMapping/>
-  </p:clrMapOvr>
-</p:notes>
-</file>
-
-<file path=ppt/notesSlides/notesSlide10.xml><?xml version="1.0" encoding="utf-8"?>
-<p:notes xmlns:a="http://schemas.openxmlformats.org/drawingml/2006/main" xmlns:r="http://schemas.openxmlformats.org/officeDocument/2006/relationships" xmlns:p="http://schemas.openxmlformats.org/presentationml/2006/main">
-  <p:cSld>
-    <p:spTree>
-      <p:nvGrpSpPr>
-        <p:cNvPr id="1" name=""/>
-        <p:cNvGrpSpPr/>
-        <p:nvPr/>
-      </p:nvGrpSpPr>
-      <p:grpSpPr>
-        <a:xfrm>
-          <a:off x="0" y="0"/>
-          <a:ext cx="0" cy="0"/>
-          <a:chOff x="0" y="0"/>
-          <a:chExt cx="0" cy="0"/>
-        </a:xfrm>
-      </p:grpSpPr>
-      <p:sp>
-        <p:nvSpPr>
-          <p:cNvPr id="2" name="Slide Image Placeholder 1"/>
-          <p:cNvSpPr>
-            <a:spLocks noGrp="1" noRot="1" noChangeAspect="1"/>
-          </p:cNvSpPr>
-          <p:nvPr>
-            <p:ph type="sldImg"/>
-          </p:nvPr>
-        </p:nvSpPr>
-        <p:spPr/>
-      </p:sp>
-      <p:sp>
-        <p:nvSpPr>
-          <p:cNvPr id="3" name="Notes Placeholder 2"/>
-          <p:cNvSpPr>
-            <a:spLocks noGrp="1"/>
-          </p:cNvSpPr>
-          <p:nvPr>
-            <p:ph type="body" idx="1"/>
-          </p:nvPr>
-        </p:nvSpPr>
-        <p:spPr/>
-        <p:txBody>
-          <a:bodyPr/>
-          <a:lstStyle/>
-          <a:p>
-            <a:r>
-              <a:rPr lang="en-IE" dirty="0" smtClean="0"/>
-              <a:t>SS</a:t>
-            </a:r>
-            <a:r>
-              <a:rPr lang="en-IE" baseline="0" dirty="0" smtClean="0"/>
-              <a:t> as before </a:t>
-            </a:r>
-          </a:p>
-          <a:p>
-            <a:endParaRPr lang="en-IE" baseline="0" dirty="0" smtClean="0"/>
-          </a:p>
-          <a:p>
-            <a:r>
-              <a:rPr lang="en-IE" baseline="0" dirty="0" smtClean="0"/>
-              <a:t>Replaced r0 with alpha </a:t>
-            </a:r>
-          </a:p>
-          <a:p>
-            <a:endParaRPr lang="en-IE" baseline="0" dirty="0" smtClean="0"/>
-          </a:p>
-          <a:p>
-            <a:r>
-              <a:rPr lang="en-IE" baseline="0" dirty="0" smtClean="0"/>
-              <a:t>Prop to </a:t>
-            </a:r>
-            <a:r>
-              <a:rPr lang="en-IE" baseline="0" dirty="0" err="1" smtClean="0"/>
-              <a:t>num</a:t>
-            </a:r>
-            <a:r>
-              <a:rPr lang="en-IE" baseline="0" dirty="0" smtClean="0"/>
-              <a:t> of infections </a:t>
-            </a:r>
-          </a:p>
-          <a:p>
-            <a:endParaRPr lang="en-IE" baseline="0" dirty="0" smtClean="0"/>
-          </a:p>
-          <a:p>
-            <a:r>
-              <a:rPr lang="en-IE" baseline="0" dirty="0" err="1" smtClean="0"/>
-              <a:t>Neyman</a:t>
-            </a:r>
-            <a:r>
-              <a:rPr lang="en-IE" baseline="0" dirty="0" smtClean="0"/>
-              <a:t> type A</a:t>
-            </a:r>
-            <a:endParaRPr lang="en-IE" dirty="0"/>
-          </a:p>
-        </p:txBody>
-      </p:sp>
-      <p:sp>
-        <p:nvSpPr>
-          <p:cNvPr id="4" name="Slide Number Placeholder 3"/>
-          <p:cNvSpPr>
-            <a:spLocks noGrp="1"/>
-          </p:cNvSpPr>
-          <p:nvPr>
-            <p:ph type="sldNum" sz="quarter" idx="10"/>
-          </p:nvPr>
-        </p:nvSpPr>
-        <p:spPr/>
-        <p:txBody>
-          <a:bodyPr/>
-          <a:lstStyle/>
-          <a:p>
-            <a:fld id="{F559CD70-93A7-41A1-9B03-754D54A8F9E8}" type="slidenum">
-              <a:rPr lang="en-IE" smtClean="0"/>
-              <a:t>10</a:t>
-            </a:fld>
-            <a:endParaRPr lang="en-IE"/>
-          </a:p>
-        </p:txBody>
-      </p:sp>
-    </p:spTree>
-    <p:extLst>
-      <p:ext uri="{BB962C8B-B14F-4D97-AF65-F5344CB8AC3E}">
-        <p14:creationId xmlns:p14="http://schemas.microsoft.com/office/powerpoint/2010/main" val="908381422"/>
-      </p:ext>
-    </p:extLst>
-  </p:cSld>
-  <p:clrMapOvr>
-    <a:masterClrMapping/>
-  </p:clrMapOvr>
-</p:notes>
-</file>
-
-<file path=ppt/notesSlides/notesSlide11.xml><?xml version="1.0" encoding="utf-8"?>
-<p:notes xmlns:a="http://schemas.openxmlformats.org/drawingml/2006/main" xmlns:r="http://schemas.openxmlformats.org/officeDocument/2006/relationships" xmlns:p="http://schemas.openxmlformats.org/presentationml/2006/main">
-  <p:cSld>
-    <p:spTree>
-      <p:nvGrpSpPr>
-        <p:cNvPr id="1" name=""/>
-        <p:cNvGrpSpPr/>
-        <p:nvPr/>
-      </p:nvGrpSpPr>
-      <p:grpSpPr>
-        <a:xfrm>
-          <a:off x="0" y="0"/>
-          <a:ext cx="0" cy="0"/>
-          <a:chOff x="0" y="0"/>
-          <a:chExt cx="0" cy="0"/>
-        </a:xfrm>
-      </p:grpSpPr>
-      <p:sp>
-        <p:nvSpPr>
-          <p:cNvPr id="2" name="Slide Image Placeholder 1"/>
-          <p:cNvSpPr>
-            <a:spLocks noGrp="1" noRot="1" noChangeAspect="1"/>
-          </p:cNvSpPr>
-          <p:nvPr>
-            <p:ph type="sldImg"/>
-          </p:nvPr>
-        </p:nvSpPr>
-        <p:spPr/>
-      </p:sp>
-      <p:sp>
-        <p:nvSpPr>
-          <p:cNvPr id="3" name="Notes Placeholder 2"/>
-          <p:cNvSpPr>
-            <a:spLocks noGrp="1"/>
-          </p:cNvSpPr>
-          <p:nvPr>
-            <p:ph type="body" idx="1"/>
-          </p:nvPr>
-        </p:nvSpPr>
-        <p:spPr/>
-        <p:txBody>
-          <a:bodyPr/>
-          <a:lstStyle/>
-          <a:p>
-            <a:r>
-              <a:rPr lang="en-IE" dirty="0" smtClean="0"/>
-              <a:t>SS –</a:t>
-            </a:r>
-            <a:r>
-              <a:rPr lang="en-IE" baseline="0" dirty="0" smtClean="0"/>
-              <a:t> orange, a, b, r0?? </a:t>
-            </a:r>
-          </a:p>
-          <a:p>
-            <a:endParaRPr lang="en-IE" baseline="0" dirty="0" smtClean="0"/>
-          </a:p>
-          <a:p>
-            <a:r>
-              <a:rPr lang="en-IE" baseline="0" dirty="0" smtClean="0"/>
-              <a:t>See the numbers jump up</a:t>
-            </a:r>
-            <a:endParaRPr lang="en-IE" dirty="0"/>
-          </a:p>
-        </p:txBody>
-      </p:sp>
-      <p:sp>
-        <p:nvSpPr>
-          <p:cNvPr id="4" name="Slide Number Placeholder 3"/>
-          <p:cNvSpPr>
-            <a:spLocks noGrp="1"/>
-          </p:cNvSpPr>
-          <p:nvPr>
-            <p:ph type="sldNum" sz="quarter" idx="10"/>
-          </p:nvPr>
-        </p:nvSpPr>
-        <p:spPr/>
-        <p:txBody>
-          <a:bodyPr/>
-          <a:lstStyle/>
-          <a:p>
-            <a:fld id="{F559CD70-93A7-41A1-9B03-754D54A8F9E8}" type="slidenum">
-              <a:rPr lang="en-IE" smtClean="0"/>
-              <a:t>11</a:t>
-            </a:fld>
-            <a:endParaRPr lang="en-IE"/>
-          </a:p>
-        </p:txBody>
-      </p:sp>
-    </p:spTree>
-    <p:extLst>
-      <p:ext uri="{BB962C8B-B14F-4D97-AF65-F5344CB8AC3E}">
-        <p14:creationId xmlns:p14="http://schemas.microsoft.com/office/powerpoint/2010/main" val="2941484772"/>
-      </p:ext>
-    </p:extLst>
-  </p:cSld>
-  <p:clrMapOvr>
-    <a:masterClrMapping/>
-  </p:clrMapOvr>
-</p:notes>
-</file>
-
-<file path=ppt/notesSlides/notesSlide12.xml><?xml version="1.0" encoding="utf-8"?>
-<p:notes xmlns:a="http://schemas.openxmlformats.org/drawingml/2006/main" xmlns:r="http://schemas.openxmlformats.org/officeDocument/2006/relationships" xmlns:p="http://schemas.openxmlformats.org/presentationml/2006/main">
-  <p:cSld>
-    <p:spTree>
-      <p:nvGrpSpPr>
-        <p:cNvPr id="1" name=""/>
-        <p:cNvGrpSpPr/>
-        <p:nvPr/>
-      </p:nvGrpSpPr>
-      <p:grpSpPr>
-        <a:xfrm>
-          <a:off x="0" y="0"/>
-          <a:ext cx="0" cy="0"/>
-          <a:chOff x="0" y="0"/>
-          <a:chExt cx="0" cy="0"/>
-        </a:xfrm>
-      </p:grpSpPr>
-      <p:sp>
-        <p:nvSpPr>
-          <p:cNvPr id="2" name="Slide Image Placeholder 1"/>
-          <p:cNvSpPr>
-            <a:spLocks noGrp="1" noRot="1" noChangeAspect="1"/>
-          </p:cNvSpPr>
-          <p:nvPr>
-            <p:ph type="sldImg"/>
-          </p:nvPr>
-        </p:nvSpPr>
-        <p:spPr/>
-      </p:sp>
-      <p:sp>
-        <p:nvSpPr>
-          <p:cNvPr id="3" name="Notes Placeholder 2"/>
-          <p:cNvSpPr>
-            <a:spLocks noGrp="1"/>
-          </p:cNvSpPr>
-          <p:nvPr>
-            <p:ph type="body" idx="1"/>
-          </p:nvPr>
-        </p:nvSpPr>
-        <p:spPr/>
-        <p:txBody>
-          <a:bodyPr/>
-          <a:lstStyle/>
-          <a:p>
-            <a:r>
-              <a:rPr lang="en-IE" dirty="0" smtClean="0"/>
-              <a:t>**Reference papers </a:t>
-            </a:r>
-          </a:p>
-          <a:p>
-            <a:endParaRPr lang="en-IE" dirty="0" smtClean="0"/>
-          </a:p>
-          <a:p>
-            <a:r>
-              <a:rPr lang="en-IE" dirty="0" smtClean="0"/>
-              <a:t>As before </a:t>
-            </a:r>
-          </a:p>
-          <a:p>
-            <a:endParaRPr lang="en-IE" dirty="0" smtClean="0"/>
-          </a:p>
-          <a:p>
-            <a:r>
-              <a:rPr lang="en-IE" dirty="0" smtClean="0"/>
-              <a:t>Regression </a:t>
-            </a:r>
-          </a:p>
-          <a:p>
-            <a:r>
-              <a:rPr lang="en-IE" dirty="0" smtClean="0"/>
-              <a:t>Reweighing</a:t>
-            </a:r>
-            <a:r>
-              <a:rPr lang="en-IE" baseline="0" dirty="0" smtClean="0"/>
-              <a:t> posterior</a:t>
-            </a:r>
-          </a:p>
-          <a:p>
-            <a:endParaRPr lang="en-IE" baseline="0" dirty="0" smtClean="0"/>
-          </a:p>
-          <a:p>
-            <a:r>
-              <a:rPr lang="en-IE" baseline="0" dirty="0" smtClean="0"/>
-              <a:t>Latent residuals </a:t>
-            </a:r>
-            <a:endParaRPr lang="en-IE" dirty="0"/>
-          </a:p>
-        </p:txBody>
-      </p:sp>
-      <p:sp>
-        <p:nvSpPr>
-          <p:cNvPr id="4" name="Slide Number Placeholder 3"/>
-          <p:cNvSpPr>
-            <a:spLocks noGrp="1"/>
-          </p:cNvSpPr>
-          <p:nvPr>
-            <p:ph type="sldNum" sz="quarter" idx="10"/>
-          </p:nvPr>
-        </p:nvSpPr>
-        <p:spPr/>
-        <p:txBody>
-          <a:bodyPr/>
-          <a:lstStyle/>
-          <a:p>
-            <a:fld id="{F559CD70-93A7-41A1-9B03-754D54A8F9E8}" type="slidenum">
-              <a:rPr lang="en-IE" smtClean="0"/>
-              <a:t>12</a:t>
-            </a:fld>
-            <a:endParaRPr lang="en-IE"/>
-          </a:p>
-        </p:txBody>
-      </p:sp>
-    </p:spTree>
-    <p:extLst>
-      <p:ext uri="{BB962C8B-B14F-4D97-AF65-F5344CB8AC3E}">
-        <p14:creationId xmlns:p14="http://schemas.microsoft.com/office/powerpoint/2010/main" val="3589321314"/>
-      </p:ext>
-    </p:extLst>
-  </p:cSld>
-  <p:clrMapOvr>
-    <a:masterClrMapping/>
-  </p:clrMapOvr>
-</p:notes>
-</file>
-
-<file path=ppt/notesSlides/notesSlide2.xml><?xml version="1.0" encoding="utf-8"?>
-<p:notes xmlns:a="http://schemas.openxmlformats.org/drawingml/2006/main" xmlns:r="http://schemas.openxmlformats.org/officeDocument/2006/relationships" xmlns:p="http://schemas.openxmlformats.org/presentationml/2006/main">
-  <p:cSld>
-    <p:spTree>
-      <p:nvGrpSpPr>
-        <p:cNvPr id="1" name=""/>
-        <p:cNvGrpSpPr/>
-        <p:nvPr/>
-      </p:nvGrpSpPr>
-      <p:grpSpPr>
-        <a:xfrm>
-          <a:off x="0" y="0"/>
-          <a:ext cx="0" cy="0"/>
-          <a:chOff x="0" y="0"/>
-          <a:chExt cx="0" cy="0"/>
-        </a:xfrm>
-      </p:grpSpPr>
-      <p:sp>
-        <p:nvSpPr>
-          <p:cNvPr id="2" name="Slide Image Placeholder 1"/>
-          <p:cNvSpPr>
-            <a:spLocks noGrp="1" noRot="1" noChangeAspect="1"/>
-          </p:cNvSpPr>
-          <p:nvPr>
-            <p:ph type="sldImg"/>
-          </p:nvPr>
-        </p:nvSpPr>
-        <p:spPr/>
-      </p:sp>
-      <p:sp>
-        <p:nvSpPr>
-          <p:cNvPr id="3" name="Notes Placeholder 2"/>
-          <p:cNvSpPr>
-            <a:spLocks noGrp="1"/>
-          </p:cNvSpPr>
-          <p:nvPr>
-            <p:ph type="body" idx="1"/>
-          </p:nvPr>
-        </p:nvSpPr>
-        <p:spPr/>
-        <p:txBody>
-          <a:bodyPr/>
-          <a:lstStyle/>
-          <a:p>
-            <a:endParaRPr lang="en-IE" baseline="0" dirty="0" smtClean="0"/>
-          </a:p>
-          <a:p>
-            <a:r>
-              <a:rPr lang="en-IE" baseline="0" dirty="0" smtClean="0"/>
-              <a:t>R_0 which I think we all know is the expected number of secondary people each infected subsequently infects. </a:t>
-            </a:r>
-          </a:p>
-          <a:p>
-            <a:endParaRPr lang="en-IE" baseline="0" dirty="0" smtClean="0"/>
-          </a:p>
-          <a:p>
-            <a:endParaRPr lang="en-IE" baseline="0" dirty="0" smtClean="0"/>
-          </a:p>
-          <a:p>
-            <a:r>
-              <a:rPr lang="en-IE" baseline="0" dirty="0" smtClean="0"/>
-              <a:t>So just to give an overview of what I’ll talk through today.</a:t>
-            </a:r>
-          </a:p>
-          <a:p>
-            <a:endParaRPr lang="en-IE" baseline="0" dirty="0" smtClean="0"/>
-          </a:p>
-          <a:p>
-            <a:pPr marL="0" marR="0" indent="0" algn="l" defTabSz="914400" rtl="0" eaLnBrk="1" fontAlgn="auto" latinLnBrk="0" hangingPunct="1">
-              <a:lnSpc>
-                <a:spcPct val="100000"/>
-              </a:lnSpc>
-              <a:spcBef>
-                <a:spcPts val="0"/>
-              </a:spcBef>
-              <a:spcAft>
-                <a:spcPts val="0"/>
-              </a:spcAft>
-              <a:buClrTx/>
-              <a:buSzTx/>
-              <a:buFontTx/>
-              <a:buNone/>
-              <a:tabLst/>
-              <a:defRPr/>
-            </a:pPr>
-            <a:r>
-              <a:rPr lang="en-IE" dirty="0" smtClean="0"/>
-              <a:t>Start</a:t>
-            </a:r>
-            <a:r>
-              <a:rPr lang="en-IE" baseline="0" dirty="0" smtClean="0"/>
-              <a:t> by introducing our first baseline model, MCMC inference for R_0</a:t>
-            </a:r>
-          </a:p>
-          <a:p>
-            <a:endParaRPr lang="en-IE" baseline="0" dirty="0" smtClean="0"/>
-          </a:p>
-          <a:p>
-            <a:r>
-              <a:rPr lang="en-IE" baseline="0" dirty="0" smtClean="0"/>
-              <a:t>We have started building up the models starting with a simple baseline model so I’ll firstly talk you through that. </a:t>
-            </a:r>
-          </a:p>
-          <a:p>
-            <a:r>
-              <a:rPr lang="en-IE" baseline="0" dirty="0" smtClean="0"/>
-              <a:t>Also developed a simple MCMC scheme </a:t>
-            </a:r>
-          </a:p>
-          <a:p>
-            <a:r>
-              <a:rPr lang="en-IE" baseline="0" dirty="0" smtClean="0"/>
-              <a:t> and recently looking into super-spreading models so I’ll take you through that model</a:t>
-            </a:r>
-          </a:p>
-          <a:p>
-            <a:endParaRPr lang="en-IE" baseline="0" dirty="0" smtClean="0"/>
-          </a:p>
-          <a:p>
-            <a:r>
-              <a:rPr lang="en-IE" baseline="0" dirty="0" smtClean="0"/>
-              <a:t>The real aim is to look into the influence of certain </a:t>
-            </a:r>
-            <a:r>
-              <a:rPr lang="en-IE" baseline="0" dirty="0" err="1" smtClean="0"/>
-              <a:t>datapoints</a:t>
-            </a:r>
-            <a:r>
-              <a:rPr lang="en-IE" baseline="0" dirty="0" smtClean="0"/>
-              <a:t> individuals or </a:t>
-            </a:r>
-            <a:r>
-              <a:rPr lang="en-IE" baseline="0" dirty="0" err="1" smtClean="0"/>
-              <a:t>ss</a:t>
-            </a:r>
-            <a:r>
-              <a:rPr lang="en-IE" baseline="0" dirty="0" smtClean="0"/>
-              <a:t> events. </a:t>
-            </a:r>
-          </a:p>
-          <a:p>
-            <a:endParaRPr lang="en-IE" baseline="0" dirty="0" smtClean="0"/>
-          </a:p>
-          <a:p>
-            <a:r>
-              <a:rPr lang="en-IE" baseline="0" dirty="0" smtClean="0"/>
-              <a:t>Recent </a:t>
-            </a:r>
-            <a:r>
-              <a:rPr lang="en-IE" baseline="0" dirty="0" err="1" smtClean="0"/>
-              <a:t>covid</a:t>
-            </a:r>
-            <a:r>
-              <a:rPr lang="en-IE" baseline="0" dirty="0" smtClean="0"/>
-              <a:t> pandemic has really shone light on the importance of epidemic modelling,  and as you are all aware there are many researchers </a:t>
-            </a:r>
-            <a:r>
-              <a:rPr lang="en-IE" baseline="0" dirty="0" err="1" smtClean="0"/>
-              <a:t>tiredlessly</a:t>
-            </a:r>
-            <a:r>
-              <a:rPr lang="en-IE" baseline="0" dirty="0" smtClean="0"/>
-              <a:t> working on models.</a:t>
-            </a:r>
-          </a:p>
-          <a:p>
-            <a:endParaRPr lang="en-IE" baseline="0" dirty="0" smtClean="0"/>
-          </a:p>
-          <a:p>
-            <a:r>
-              <a:rPr lang="en-IE" baseline="0" dirty="0" smtClean="0"/>
-              <a:t>And since the data &amp; </a:t>
-            </a:r>
-            <a:r>
-              <a:rPr lang="en-IE" baseline="0" dirty="0" err="1" smtClean="0"/>
-              <a:t>scenariors</a:t>
-            </a:r>
-            <a:r>
-              <a:rPr lang="en-IE" baseline="0" dirty="0" smtClean="0"/>
-              <a:t> are constantly changing and we think it would be useful to be able to quantify what effect such changes are having on the model parameters </a:t>
-            </a:r>
-          </a:p>
-          <a:p>
-            <a:endParaRPr lang="en-IE" baseline="0" dirty="0" smtClean="0"/>
-          </a:p>
-          <a:p>
-            <a:endParaRPr lang="en-IE" dirty="0" smtClean="0"/>
-          </a:p>
-          <a:p>
-            <a:endParaRPr lang="en-IE" baseline="0" dirty="0" smtClean="0"/>
-          </a:p>
-          <a:p>
-            <a:endParaRPr lang="en-IE" baseline="0" dirty="0" smtClean="0"/>
-          </a:p>
-          <a:p>
-            <a:r>
-              <a:rPr lang="en-IE" baseline="0" dirty="0" smtClean="0"/>
-              <a:t>Results</a:t>
-            </a:r>
-          </a:p>
-          <a:p>
-            <a:endParaRPr lang="en-IE" baseline="0" dirty="0" smtClean="0"/>
-          </a:p>
-          <a:p>
-            <a:r>
-              <a:rPr lang="en-IE" baseline="0" dirty="0" err="1" smtClean="0"/>
-              <a:t>Superspreading</a:t>
-            </a:r>
-            <a:r>
-              <a:rPr lang="en-IE" baseline="0" dirty="0" smtClean="0"/>
-              <a:t> model</a:t>
-            </a:r>
-          </a:p>
-          <a:p>
-            <a:endParaRPr lang="en-IE" baseline="0" dirty="0" smtClean="0"/>
-          </a:p>
-          <a:p>
-            <a:r>
-              <a:rPr lang="en-IE" baseline="0" dirty="0" smtClean="0"/>
-              <a:t>Future directions</a:t>
-            </a:r>
-            <a:endParaRPr lang="en-IE" dirty="0"/>
-          </a:p>
-        </p:txBody>
-      </p:sp>
-      <p:sp>
-        <p:nvSpPr>
-          <p:cNvPr id="4" name="Slide Number Placeholder 3"/>
-          <p:cNvSpPr>
-            <a:spLocks noGrp="1"/>
-          </p:cNvSpPr>
-          <p:nvPr>
-            <p:ph type="sldNum" sz="quarter" idx="10"/>
-          </p:nvPr>
-        </p:nvSpPr>
-        <p:spPr/>
-        <p:txBody>
-          <a:bodyPr/>
-          <a:lstStyle/>
-          <a:p>
-            <a:fld id="{F559CD70-93A7-41A1-9B03-754D54A8F9E8}" type="slidenum">
-              <a:rPr lang="en-IE" smtClean="0"/>
-              <a:t>2</a:t>
-            </a:fld>
-            <a:endParaRPr lang="en-IE"/>
-          </a:p>
-        </p:txBody>
-      </p:sp>
-    </p:spTree>
-    <p:extLst>
-      <p:ext uri="{BB962C8B-B14F-4D97-AF65-F5344CB8AC3E}">
-        <p14:creationId xmlns:p14="http://schemas.microsoft.com/office/powerpoint/2010/main" val="3334115338"/>
-      </p:ext>
-    </p:extLst>
-  </p:cSld>
-  <p:clrMapOvr>
-    <a:masterClrMapping/>
-  </p:clrMapOvr>
-</p:notes>
-</file>
-
-<file path=ppt/notesSlides/notesSlide3.xml><?xml version="1.0" encoding="utf-8"?>
-<p:notes xmlns:a="http://schemas.openxmlformats.org/drawingml/2006/main" xmlns:r="http://schemas.openxmlformats.org/officeDocument/2006/relationships" xmlns:p="http://schemas.openxmlformats.org/presentationml/2006/main">
-  <p:cSld>
-    <p:spTree>
-      <p:nvGrpSpPr>
-        <p:cNvPr id="1" name=""/>
-        <p:cNvGrpSpPr/>
-        <p:nvPr/>
-      </p:nvGrpSpPr>
-      <p:grpSpPr>
-        <a:xfrm>
-          <a:off x="0" y="0"/>
-          <a:ext cx="0" cy="0"/>
-          <a:chOff x="0" y="0"/>
-          <a:chExt cx="0" cy="0"/>
-        </a:xfrm>
-      </p:grpSpPr>
-      <p:sp>
-        <p:nvSpPr>
-          <p:cNvPr id="2" name="Slide Image Placeholder 1"/>
-          <p:cNvSpPr>
-            <a:spLocks noGrp="1" noRot="1" noChangeAspect="1"/>
-          </p:cNvSpPr>
-          <p:nvPr>
-            <p:ph type="sldImg"/>
-          </p:nvPr>
-        </p:nvSpPr>
-        <p:spPr/>
-      </p:sp>
-      <p:sp>
-        <p:nvSpPr>
-          <p:cNvPr id="3" name="Notes Placeholder 2"/>
-          <p:cNvSpPr>
-            <a:spLocks noGrp="1"/>
-          </p:cNvSpPr>
-          <p:nvPr>
-            <p:ph type="body" idx="1"/>
-          </p:nvPr>
-        </p:nvSpPr>
-        <p:spPr/>
-        <p:txBody>
-          <a:bodyPr/>
-          <a:lstStyle/>
-          <a:p>
-            <a:r>
-              <a:rPr lang="en-IE" dirty="0" smtClean="0"/>
-              <a:t>Discrete time model with branching process characteristics (Start with one infected)</a:t>
-            </a:r>
-          </a:p>
-          <a:p>
-            <a:r>
-              <a:rPr lang="en-IE" dirty="0" smtClean="0"/>
-              <a:t>Unique model characteristic; </a:t>
-            </a:r>
-            <a:r>
-              <a:rPr lang="en-IE" b="1" dirty="0" smtClean="0"/>
-              <a:t>Time-varying infectivity </a:t>
-            </a:r>
-          </a:p>
-          <a:p>
-            <a:endParaRPr lang="en-IE" b="1" dirty="0" smtClean="0"/>
-          </a:p>
-          <a:p>
-            <a:r>
-              <a:rPr lang="en-IE" b="1" dirty="0" smtClean="0"/>
-              <a:t>More realistic</a:t>
-            </a:r>
-          </a:p>
-          <a:p>
-            <a:endParaRPr lang="en-IE" b="1" dirty="0" smtClean="0"/>
-          </a:p>
-          <a:p>
-            <a:r>
-              <a:rPr lang="en-IE" baseline="0" dirty="0" smtClean="0"/>
-              <a:t>R_0 which I think we all know is the average number of additional people each infected subsequently infects in a completely </a:t>
-            </a:r>
-            <a:r>
-              <a:rPr lang="en-IE" baseline="0" dirty="0" err="1" smtClean="0"/>
-              <a:t>susceptibe</a:t>
-            </a:r>
-            <a:r>
-              <a:rPr lang="en-IE" baseline="0" dirty="0" smtClean="0"/>
-              <a:t> population </a:t>
-            </a:r>
-            <a:endParaRPr lang="en-IE" b="0" dirty="0" smtClean="0"/>
-          </a:p>
-          <a:p>
-            <a:endParaRPr lang="en-IE" b="0" dirty="0" smtClean="0"/>
-          </a:p>
-          <a:p>
-            <a:r>
-              <a:rPr lang="en-IE" b="0" dirty="0" smtClean="0"/>
-              <a:t>But the choice</a:t>
-            </a:r>
-            <a:r>
-              <a:rPr lang="en-IE" b="0" baseline="0" dirty="0" smtClean="0"/>
-              <a:t> of gamma is flexible &amp; not restricted to a gamma distribution . Different variants </a:t>
-            </a:r>
-          </a:p>
-          <a:p>
-            <a:r>
-              <a:rPr lang="en-IE" b="0" baseline="0" dirty="0" smtClean="0"/>
-              <a:t>With 2 peaks, for example HIV. d</a:t>
-            </a:r>
-          </a:p>
-          <a:p>
-            <a:endParaRPr lang="en-IE" b="0" baseline="0" dirty="0" smtClean="0"/>
-          </a:p>
-          <a:p>
-            <a:r>
-              <a:rPr lang="en-IE" b="0" baseline="0" dirty="0" smtClean="0"/>
-              <a:t>References?</a:t>
-            </a:r>
-            <a:endParaRPr lang="en-IE" b="1" dirty="0" smtClean="0"/>
-          </a:p>
-        </p:txBody>
-      </p:sp>
-      <p:sp>
-        <p:nvSpPr>
-          <p:cNvPr id="4" name="Slide Number Placeholder 3"/>
-          <p:cNvSpPr>
-            <a:spLocks noGrp="1"/>
-          </p:cNvSpPr>
-          <p:nvPr>
-            <p:ph type="sldNum" sz="quarter" idx="10"/>
-          </p:nvPr>
-        </p:nvSpPr>
-        <p:spPr/>
-        <p:txBody>
-          <a:bodyPr/>
-          <a:lstStyle/>
-          <a:p>
-            <a:fld id="{F559CD70-93A7-41A1-9B03-754D54A8F9E8}" type="slidenum">
-              <a:rPr lang="en-IE" smtClean="0"/>
-              <a:t>3</a:t>
-            </a:fld>
-            <a:endParaRPr lang="en-IE"/>
-          </a:p>
-        </p:txBody>
-      </p:sp>
-    </p:spTree>
-    <p:extLst>
-      <p:ext uri="{BB962C8B-B14F-4D97-AF65-F5344CB8AC3E}">
-        <p14:creationId xmlns:p14="http://schemas.microsoft.com/office/powerpoint/2010/main" val="1092459296"/>
-      </p:ext>
-    </p:extLst>
-  </p:cSld>
-  <p:clrMapOvr>
-    <a:masterClrMapping/>
-  </p:clrMapOvr>
-</p:notes>
-</file>
-
-<file path=ppt/notesSlides/notesSlide4.xml><?xml version="1.0" encoding="utf-8"?>
-<p:notes xmlns:a="http://schemas.openxmlformats.org/drawingml/2006/main" xmlns:r="http://schemas.openxmlformats.org/officeDocument/2006/relationships" xmlns:p="http://schemas.openxmlformats.org/presentationml/2006/main">
-  <p:cSld>
-    <p:spTree>
-      <p:nvGrpSpPr>
-        <p:cNvPr id="1" name=""/>
-        <p:cNvGrpSpPr/>
-        <p:nvPr/>
-      </p:nvGrpSpPr>
-      <p:grpSpPr>
-        <a:xfrm>
-          <a:off x="0" y="0"/>
-          <a:ext cx="0" cy="0"/>
-          <a:chOff x="0" y="0"/>
-          <a:chExt cx="0" cy="0"/>
-        </a:xfrm>
-      </p:grpSpPr>
-      <p:sp>
-        <p:nvSpPr>
-          <p:cNvPr id="2" name="Slide Image Placeholder 1"/>
-          <p:cNvSpPr>
-            <a:spLocks noGrp="1" noRot="1" noChangeAspect="1"/>
-          </p:cNvSpPr>
-          <p:nvPr>
-            <p:ph type="sldImg"/>
-          </p:nvPr>
-        </p:nvSpPr>
-        <p:spPr/>
-      </p:sp>
-      <p:sp>
-        <p:nvSpPr>
-          <p:cNvPr id="3" name="Notes Placeholder 2"/>
-          <p:cNvSpPr>
-            <a:spLocks noGrp="1"/>
-          </p:cNvSpPr>
-          <p:nvPr>
-            <p:ph type="body" idx="1"/>
-          </p:nvPr>
-        </p:nvSpPr>
-        <p:spPr/>
-        <p:txBody>
-          <a:bodyPr/>
-          <a:lstStyle/>
-          <a:p>
-            <a:r>
-              <a:rPr lang="en-IE" dirty="0" err="1" smtClean="0"/>
-              <a:t>Mulitple</a:t>
-            </a:r>
-            <a:r>
-              <a:rPr lang="en-IE" baseline="0" dirty="0" smtClean="0"/>
-              <a:t> plots!! </a:t>
-            </a:r>
-            <a:r>
-              <a:rPr lang="en-IE" dirty="0" smtClean="0"/>
-              <a:t> – Different r0</a:t>
-            </a:r>
-            <a:endParaRPr lang="en-IE" dirty="0"/>
-          </a:p>
-        </p:txBody>
-      </p:sp>
-      <p:sp>
-        <p:nvSpPr>
-          <p:cNvPr id="4" name="Slide Number Placeholder 3"/>
-          <p:cNvSpPr>
-            <a:spLocks noGrp="1"/>
-          </p:cNvSpPr>
-          <p:nvPr>
-            <p:ph type="sldNum" sz="quarter" idx="10"/>
-          </p:nvPr>
-        </p:nvSpPr>
-        <p:spPr/>
-        <p:txBody>
-          <a:bodyPr/>
-          <a:lstStyle/>
-          <a:p>
-            <a:fld id="{F559CD70-93A7-41A1-9B03-754D54A8F9E8}" type="slidenum">
-              <a:rPr lang="en-IE" smtClean="0"/>
-              <a:t>4</a:t>
-            </a:fld>
-            <a:endParaRPr lang="en-IE"/>
-          </a:p>
-        </p:txBody>
-      </p:sp>
-    </p:spTree>
-    <p:extLst>
-      <p:ext uri="{BB962C8B-B14F-4D97-AF65-F5344CB8AC3E}">
-        <p14:creationId xmlns:p14="http://schemas.microsoft.com/office/powerpoint/2010/main" val="214003574"/>
-      </p:ext>
-    </p:extLst>
-  </p:cSld>
-  <p:clrMapOvr>
-    <a:masterClrMapping/>
-  </p:clrMapOvr>
-</p:notes>
-</file>
-
-<file path=ppt/notesSlides/notesSlide5.xml><?xml version="1.0" encoding="utf-8"?>
-<p:notes xmlns:a="http://schemas.openxmlformats.org/drawingml/2006/main" xmlns:r="http://schemas.openxmlformats.org/officeDocument/2006/relationships" xmlns:p="http://schemas.openxmlformats.org/presentationml/2006/main">
-  <p:cSld>
-    <p:spTree>
-      <p:nvGrpSpPr>
-        <p:cNvPr id="1" name=""/>
-        <p:cNvGrpSpPr/>
-        <p:nvPr/>
-      </p:nvGrpSpPr>
-      <p:grpSpPr>
-        <a:xfrm>
-          <a:off x="0" y="0"/>
-          <a:ext cx="0" cy="0"/>
-          <a:chOff x="0" y="0"/>
-          <a:chExt cx="0" cy="0"/>
-        </a:xfrm>
-      </p:grpSpPr>
-      <p:sp>
-        <p:nvSpPr>
-          <p:cNvPr id="2" name="Slide Image Placeholder 1"/>
-          <p:cNvSpPr>
-            <a:spLocks noGrp="1" noRot="1" noChangeAspect="1"/>
-          </p:cNvSpPr>
-          <p:nvPr>
-            <p:ph type="sldImg"/>
-          </p:nvPr>
-        </p:nvSpPr>
-        <p:spPr/>
-      </p:sp>
-      <p:sp>
-        <p:nvSpPr>
-          <p:cNvPr id="3" name="Notes Placeholder 2"/>
-          <p:cNvSpPr>
-            <a:spLocks noGrp="1"/>
-          </p:cNvSpPr>
-          <p:nvPr>
-            <p:ph type="body" idx="1"/>
-          </p:nvPr>
-        </p:nvSpPr>
-        <p:spPr/>
-        <p:txBody>
-          <a:bodyPr/>
-          <a:lstStyle/>
-          <a:p>
-            <a:r>
-              <a:rPr lang="en-IE" dirty="0" err="1" smtClean="0"/>
-              <a:t>Mulitple</a:t>
-            </a:r>
-            <a:r>
-              <a:rPr lang="en-IE" baseline="0" dirty="0" smtClean="0"/>
-              <a:t> plots!! </a:t>
-            </a:r>
-            <a:r>
-              <a:rPr lang="en-IE" dirty="0" smtClean="0"/>
-              <a:t> – Different r0</a:t>
-            </a:r>
-            <a:endParaRPr lang="en-IE" dirty="0"/>
-          </a:p>
-        </p:txBody>
-      </p:sp>
-      <p:sp>
-        <p:nvSpPr>
-          <p:cNvPr id="4" name="Slide Number Placeholder 3"/>
-          <p:cNvSpPr>
-            <a:spLocks noGrp="1"/>
-          </p:cNvSpPr>
-          <p:nvPr>
-            <p:ph type="sldNum" sz="quarter" idx="10"/>
-          </p:nvPr>
-        </p:nvSpPr>
-        <p:spPr/>
-        <p:txBody>
-          <a:bodyPr/>
-          <a:lstStyle/>
-          <a:p>
-            <a:fld id="{F559CD70-93A7-41A1-9B03-754D54A8F9E8}" type="slidenum">
-              <a:rPr lang="en-IE" smtClean="0"/>
-              <a:t>5</a:t>
-            </a:fld>
-            <a:endParaRPr lang="en-IE"/>
-          </a:p>
-        </p:txBody>
-      </p:sp>
-    </p:spTree>
-    <p:extLst>
-      <p:ext uri="{BB962C8B-B14F-4D97-AF65-F5344CB8AC3E}">
-        <p14:creationId xmlns:p14="http://schemas.microsoft.com/office/powerpoint/2010/main" val="987953158"/>
-      </p:ext>
-    </p:extLst>
-  </p:cSld>
-  <p:clrMapOvr>
-    <a:masterClrMapping/>
-  </p:clrMapOvr>
-</p:notes>
-</file>
-
-<file path=ppt/notesSlides/notesSlide6.xml><?xml version="1.0" encoding="utf-8"?>
-<p:notes xmlns:a="http://schemas.openxmlformats.org/drawingml/2006/main" xmlns:r="http://schemas.openxmlformats.org/officeDocument/2006/relationships" xmlns:p="http://schemas.openxmlformats.org/presentationml/2006/main">
-  <p:cSld>
-    <p:spTree>
-      <p:nvGrpSpPr>
-        <p:cNvPr id="1" name=""/>
-        <p:cNvGrpSpPr/>
-        <p:nvPr/>
-      </p:nvGrpSpPr>
-      <p:grpSpPr>
-        <a:xfrm>
-          <a:off x="0" y="0"/>
-          <a:ext cx="0" cy="0"/>
-          <a:chOff x="0" y="0"/>
-          <a:chExt cx="0" cy="0"/>
-        </a:xfrm>
-      </p:grpSpPr>
-      <p:sp>
-        <p:nvSpPr>
-          <p:cNvPr id="2" name="Slide Image Placeholder 1"/>
-          <p:cNvSpPr>
-            <a:spLocks noGrp="1" noRot="1" noChangeAspect="1"/>
-          </p:cNvSpPr>
-          <p:nvPr>
-            <p:ph type="sldImg"/>
-          </p:nvPr>
-        </p:nvSpPr>
-        <p:spPr/>
-      </p:sp>
-      <p:sp>
-        <p:nvSpPr>
-          <p:cNvPr id="3" name="Notes Placeholder 2"/>
-          <p:cNvSpPr>
-            <a:spLocks noGrp="1"/>
-          </p:cNvSpPr>
-          <p:nvPr>
-            <p:ph type="body" idx="1"/>
-          </p:nvPr>
-        </p:nvSpPr>
-        <p:spPr/>
-        <p:txBody>
-          <a:bodyPr/>
-          <a:lstStyle/>
-          <a:p>
-            <a:r>
-              <a:rPr lang="en-IE" dirty="0" smtClean="0"/>
-              <a:t>Analytical solution.</a:t>
-            </a:r>
-          </a:p>
-          <a:p>
-            <a:r>
-              <a:rPr lang="en-IE" dirty="0" smtClean="0"/>
-              <a:t>Closed</a:t>
-            </a:r>
-            <a:r>
-              <a:rPr lang="en-IE" baseline="0" dirty="0" smtClean="0"/>
-              <a:t> form solution to the posterior given the </a:t>
-            </a:r>
-            <a:r>
-              <a:rPr lang="en-IE" baseline="0" dirty="0" err="1" smtClean="0"/>
-              <a:t>poisson</a:t>
-            </a:r>
-            <a:r>
-              <a:rPr lang="en-IE" baseline="0" dirty="0" smtClean="0"/>
-              <a:t>-gamma conjugacy. </a:t>
-            </a:r>
-          </a:p>
-          <a:p>
-            <a:endParaRPr lang="en-IE" baseline="0" dirty="0" smtClean="0"/>
-          </a:p>
-          <a:p>
-            <a:r>
-              <a:rPr lang="en-IE" baseline="0" dirty="0" smtClean="0"/>
-              <a:t>Shape </a:t>
-            </a:r>
-            <a:endParaRPr lang="en-IE" dirty="0"/>
-          </a:p>
-        </p:txBody>
-      </p:sp>
-      <p:sp>
-        <p:nvSpPr>
-          <p:cNvPr id="4" name="Slide Number Placeholder 3"/>
-          <p:cNvSpPr>
-            <a:spLocks noGrp="1"/>
-          </p:cNvSpPr>
-          <p:nvPr>
-            <p:ph type="sldNum" sz="quarter" idx="10"/>
-          </p:nvPr>
-        </p:nvSpPr>
-        <p:spPr/>
-        <p:txBody>
-          <a:bodyPr/>
-          <a:lstStyle/>
-          <a:p>
-            <a:fld id="{F559CD70-93A7-41A1-9B03-754D54A8F9E8}" type="slidenum">
-              <a:rPr lang="en-IE" smtClean="0"/>
-              <a:t>6</a:t>
+              <a:t>7</a:t>
             </a:fld>
             <a:endParaRPr lang="en-IE"/>
           </a:p>
@@ -1753,329 +575,6 @@
     <p:extLst>
       <p:ext uri="{BB962C8B-B14F-4D97-AF65-F5344CB8AC3E}">
         <p14:creationId xmlns:p14="http://schemas.microsoft.com/office/powerpoint/2010/main" val="3813994415"/>
-      </p:ext>
-    </p:extLst>
-  </p:cSld>
-  <p:clrMapOvr>
-    <a:masterClrMapping/>
-  </p:clrMapOvr>
-</p:notes>
-</file>
-
-<file path=ppt/notesSlides/notesSlide7.xml><?xml version="1.0" encoding="utf-8"?>
-<p:notes xmlns:a="http://schemas.openxmlformats.org/drawingml/2006/main" xmlns:r="http://schemas.openxmlformats.org/officeDocument/2006/relationships" xmlns:p="http://schemas.openxmlformats.org/presentationml/2006/main">
-  <p:cSld>
-    <p:spTree>
-      <p:nvGrpSpPr>
-        <p:cNvPr id="1" name=""/>
-        <p:cNvGrpSpPr/>
-        <p:nvPr/>
-      </p:nvGrpSpPr>
-      <p:grpSpPr>
-        <a:xfrm>
-          <a:off x="0" y="0"/>
-          <a:ext cx="0" cy="0"/>
-          <a:chOff x="0" y="0"/>
-          <a:chExt cx="0" cy="0"/>
-        </a:xfrm>
-      </p:grpSpPr>
-      <p:sp>
-        <p:nvSpPr>
-          <p:cNvPr id="2" name="Slide Image Placeholder 1"/>
-          <p:cNvSpPr>
-            <a:spLocks noGrp="1" noRot="1" noChangeAspect="1"/>
-          </p:cNvSpPr>
-          <p:nvPr>
-            <p:ph type="sldImg"/>
-          </p:nvPr>
-        </p:nvSpPr>
-        <p:spPr/>
-      </p:sp>
-      <p:sp>
-        <p:nvSpPr>
-          <p:cNvPr id="3" name="Notes Placeholder 2"/>
-          <p:cNvSpPr>
-            <a:spLocks noGrp="1"/>
-          </p:cNvSpPr>
-          <p:nvPr>
-            <p:ph type="body" idx="1"/>
-          </p:nvPr>
-        </p:nvSpPr>
-        <p:spPr/>
-        <p:txBody>
-          <a:bodyPr/>
-          <a:lstStyle/>
-          <a:p>
-            <a:r>
-              <a:rPr lang="en-IE" dirty="0" smtClean="0"/>
-              <a:t>So</a:t>
-            </a:r>
-            <a:r>
-              <a:rPr lang="en-IE" baseline="0" dirty="0" smtClean="0"/>
-              <a:t> looking at the MCMC scheme for R0, </a:t>
-            </a:r>
-            <a:r>
-              <a:rPr lang="en-IE" baseline="0" dirty="0" err="1" smtClean="0"/>
-              <a:t>i.e</a:t>
-            </a:r>
-            <a:r>
-              <a:rPr lang="en-IE" baseline="0" dirty="0" smtClean="0"/>
-              <a:t> the Metropolis alg.</a:t>
-            </a:r>
-          </a:p>
-          <a:p>
-            <a:endParaRPr lang="en-IE" baseline="0" dirty="0" smtClean="0"/>
-          </a:p>
-          <a:p>
-            <a:r>
-              <a:rPr lang="en-IE" baseline="0" dirty="0" smtClean="0"/>
-              <a:t>Simply a computational exercise as we have </a:t>
-            </a:r>
-          </a:p>
-          <a:p>
-            <a:r>
-              <a:rPr lang="en-IE" baseline="0" dirty="0" smtClean="0"/>
-              <a:t>And this is </a:t>
-            </a:r>
-            <a:r>
-              <a:rPr lang="en-IE" baseline="0" dirty="0" err="1" smtClean="0"/>
-              <a:t>merly</a:t>
-            </a:r>
-            <a:r>
-              <a:rPr lang="en-IE" baseline="0" dirty="0" smtClean="0"/>
-              <a:t> just a comp. exercise given that we have an analytical solution for R0 already </a:t>
-            </a:r>
-          </a:p>
-          <a:p>
-            <a:r>
-              <a:rPr lang="en-IE" baseline="0" dirty="0" smtClean="0"/>
-              <a:t>Set up for the more complicated models</a:t>
-            </a:r>
-          </a:p>
-          <a:p>
-            <a:endParaRPr lang="en-IE" baseline="0" dirty="0" smtClean="0"/>
-          </a:p>
-          <a:p>
-            <a:r>
-              <a:rPr lang="en-IE" baseline="0" dirty="0" smtClean="0"/>
-              <a:t> </a:t>
-            </a:r>
-            <a:endParaRPr lang="en-IE" dirty="0"/>
-          </a:p>
-        </p:txBody>
-      </p:sp>
-      <p:sp>
-        <p:nvSpPr>
-          <p:cNvPr id="4" name="Slide Number Placeholder 3"/>
-          <p:cNvSpPr>
-            <a:spLocks noGrp="1"/>
-          </p:cNvSpPr>
-          <p:nvPr>
-            <p:ph type="sldNum" sz="quarter" idx="10"/>
-          </p:nvPr>
-        </p:nvSpPr>
-        <p:spPr/>
-        <p:txBody>
-          <a:bodyPr/>
-          <a:lstStyle/>
-          <a:p>
-            <a:fld id="{F559CD70-93A7-41A1-9B03-754D54A8F9E8}" type="slidenum">
-              <a:rPr lang="en-IE" smtClean="0"/>
-              <a:t>7</a:t>
-            </a:fld>
-            <a:endParaRPr lang="en-IE"/>
-          </a:p>
-        </p:txBody>
-      </p:sp>
-    </p:spTree>
-    <p:extLst>
-      <p:ext uri="{BB962C8B-B14F-4D97-AF65-F5344CB8AC3E}">
-        <p14:creationId xmlns:p14="http://schemas.microsoft.com/office/powerpoint/2010/main" val="1130206667"/>
-      </p:ext>
-    </p:extLst>
-  </p:cSld>
-  <p:clrMapOvr>
-    <a:masterClrMapping/>
-  </p:clrMapOvr>
-</p:notes>
-</file>
-
-<file path=ppt/notesSlides/notesSlide8.xml><?xml version="1.0" encoding="utf-8"?>
-<p:notes xmlns:a="http://schemas.openxmlformats.org/drawingml/2006/main" xmlns:r="http://schemas.openxmlformats.org/officeDocument/2006/relationships" xmlns:p="http://schemas.openxmlformats.org/presentationml/2006/main">
-  <p:cSld>
-    <p:spTree>
-      <p:nvGrpSpPr>
-        <p:cNvPr id="1" name=""/>
-        <p:cNvGrpSpPr/>
-        <p:nvPr/>
-      </p:nvGrpSpPr>
-      <p:grpSpPr>
-        <a:xfrm>
-          <a:off x="0" y="0"/>
-          <a:ext cx="0" cy="0"/>
-          <a:chOff x="0" y="0"/>
-          <a:chExt cx="0" cy="0"/>
-        </a:xfrm>
-      </p:grpSpPr>
-      <p:sp>
-        <p:nvSpPr>
-          <p:cNvPr id="2" name="Slide Image Placeholder 1"/>
-          <p:cNvSpPr>
-            <a:spLocks noGrp="1" noRot="1" noChangeAspect="1"/>
-          </p:cNvSpPr>
-          <p:nvPr>
-            <p:ph type="sldImg"/>
-          </p:nvPr>
-        </p:nvSpPr>
-        <p:spPr/>
-      </p:sp>
-      <p:sp>
-        <p:nvSpPr>
-          <p:cNvPr id="3" name="Notes Placeholder 2"/>
-          <p:cNvSpPr>
-            <a:spLocks noGrp="1"/>
-          </p:cNvSpPr>
-          <p:nvPr>
-            <p:ph type="body" idx="1"/>
-          </p:nvPr>
-        </p:nvSpPr>
-        <p:spPr/>
-        <p:txBody>
-          <a:bodyPr/>
-          <a:lstStyle/>
-          <a:p>
-            <a:r>
-              <a:rPr lang="en-IE" dirty="0" smtClean="0"/>
-              <a:t>Simple </a:t>
-            </a:r>
-            <a:endParaRPr lang="en-IE" dirty="0"/>
-          </a:p>
-        </p:txBody>
-      </p:sp>
-      <p:sp>
-        <p:nvSpPr>
-          <p:cNvPr id="4" name="Slide Number Placeholder 3"/>
-          <p:cNvSpPr>
-            <a:spLocks noGrp="1"/>
-          </p:cNvSpPr>
-          <p:nvPr>
-            <p:ph type="sldNum" sz="quarter" idx="10"/>
-          </p:nvPr>
-        </p:nvSpPr>
-        <p:spPr/>
-        <p:txBody>
-          <a:bodyPr/>
-          <a:lstStyle/>
-          <a:p>
-            <a:fld id="{F559CD70-93A7-41A1-9B03-754D54A8F9E8}" type="slidenum">
-              <a:rPr lang="en-IE" smtClean="0"/>
-              <a:t>8</a:t>
-            </a:fld>
-            <a:endParaRPr lang="en-IE"/>
-          </a:p>
-        </p:txBody>
-      </p:sp>
-    </p:spTree>
-    <p:extLst>
-      <p:ext uri="{BB962C8B-B14F-4D97-AF65-F5344CB8AC3E}">
-        <p14:creationId xmlns:p14="http://schemas.microsoft.com/office/powerpoint/2010/main" val="3645944017"/>
-      </p:ext>
-    </p:extLst>
-  </p:cSld>
-  <p:clrMapOvr>
-    <a:masterClrMapping/>
-  </p:clrMapOvr>
-</p:notes>
-</file>
-
-<file path=ppt/notesSlides/notesSlide9.xml><?xml version="1.0" encoding="utf-8"?>
-<p:notes xmlns:a="http://schemas.openxmlformats.org/drawingml/2006/main" xmlns:r="http://schemas.openxmlformats.org/officeDocument/2006/relationships" xmlns:p="http://schemas.openxmlformats.org/presentationml/2006/main">
-  <p:cSld>
-    <p:spTree>
-      <p:nvGrpSpPr>
-        <p:cNvPr id="1" name=""/>
-        <p:cNvGrpSpPr/>
-        <p:nvPr/>
-      </p:nvGrpSpPr>
-      <p:grpSpPr>
-        <a:xfrm>
-          <a:off x="0" y="0"/>
-          <a:ext cx="0" cy="0"/>
-          <a:chOff x="0" y="0"/>
-          <a:chExt cx="0" cy="0"/>
-        </a:xfrm>
-      </p:grpSpPr>
-      <p:sp>
-        <p:nvSpPr>
-          <p:cNvPr id="2" name="Slide Image Placeholder 1"/>
-          <p:cNvSpPr>
-            <a:spLocks noGrp="1" noRot="1" noChangeAspect="1"/>
-          </p:cNvSpPr>
-          <p:nvPr>
-            <p:ph type="sldImg"/>
-          </p:nvPr>
-        </p:nvSpPr>
-        <p:spPr/>
-      </p:sp>
-      <p:sp>
-        <p:nvSpPr>
-          <p:cNvPr id="3" name="Notes Placeholder 2"/>
-          <p:cNvSpPr>
-            <a:spLocks noGrp="1"/>
-          </p:cNvSpPr>
-          <p:nvPr>
-            <p:ph type="body" idx="1"/>
-          </p:nvPr>
-        </p:nvSpPr>
-        <p:spPr/>
-        <p:txBody>
-          <a:bodyPr/>
-          <a:lstStyle/>
-          <a:p>
-            <a:r>
-              <a:rPr lang="en-IE" dirty="0" smtClean="0"/>
-              <a:t>Results</a:t>
-            </a:r>
-          </a:p>
-          <a:p>
-            <a:endParaRPr lang="en-IE" dirty="0" smtClean="0"/>
-          </a:p>
-          <a:p>
-            <a:r>
-              <a:rPr lang="en-IE" dirty="0" smtClean="0"/>
-              <a:t>Trace. Nice trace – exploring the space. </a:t>
-            </a:r>
-            <a:endParaRPr lang="en-IE" dirty="0"/>
-          </a:p>
-        </p:txBody>
-      </p:sp>
-      <p:sp>
-        <p:nvSpPr>
-          <p:cNvPr id="4" name="Slide Number Placeholder 3"/>
-          <p:cNvSpPr>
-            <a:spLocks noGrp="1"/>
-          </p:cNvSpPr>
-          <p:nvPr>
-            <p:ph type="sldNum" sz="quarter" idx="10"/>
-          </p:nvPr>
-        </p:nvSpPr>
-        <p:spPr/>
-        <p:txBody>
-          <a:bodyPr/>
-          <a:lstStyle/>
-          <a:p>
-            <a:fld id="{F559CD70-93A7-41A1-9B03-754D54A8F9E8}" type="slidenum">
-              <a:rPr lang="en-IE" smtClean="0"/>
-              <a:t>9</a:t>
-            </a:fld>
-            <a:endParaRPr lang="en-IE"/>
-          </a:p>
-        </p:txBody>
-      </p:sp>
-    </p:spTree>
-    <p:extLst>
-      <p:ext uri="{BB962C8B-B14F-4D97-AF65-F5344CB8AC3E}">
-        <p14:creationId xmlns:p14="http://schemas.microsoft.com/office/powerpoint/2010/main" val="983111556"/>
       </p:ext>
     </p:extLst>
   </p:cSld>
@@ -2216,7 +715,7 @@
           <a:p>
             <a:fld id="{C697B097-996D-432D-9C37-1E937D04D218}" type="datetimeFigureOut">
               <a:rPr lang="en-IE" smtClean="0"/>
-              <a:t>01/07/2021</a:t>
+              <a:t>14/07/2021</a:t>
             </a:fld>
             <a:endParaRPr lang="en-IE"/>
           </a:p>
@@ -2386,7 +885,7 @@
           <a:p>
             <a:fld id="{C697B097-996D-432D-9C37-1E937D04D218}" type="datetimeFigureOut">
               <a:rPr lang="en-IE" smtClean="0"/>
-              <a:t>01/07/2021</a:t>
+              <a:t>14/07/2021</a:t>
             </a:fld>
             <a:endParaRPr lang="en-IE"/>
           </a:p>
@@ -2566,7 +1065,7 @@
           <a:p>
             <a:fld id="{C697B097-996D-432D-9C37-1E937D04D218}" type="datetimeFigureOut">
               <a:rPr lang="en-IE" smtClean="0"/>
-              <a:t>01/07/2021</a:t>
+              <a:t>14/07/2021</a:t>
             </a:fld>
             <a:endParaRPr lang="en-IE"/>
           </a:p>
@@ -2756,7 +1255,7 @@
           <a:p>
             <a:fld id="{C697B097-996D-432D-9C37-1E937D04D218}" type="datetimeFigureOut">
               <a:rPr lang="en-IE" smtClean="0"/>
-              <a:t>01/07/2021</a:t>
+              <a:t>14/07/2021</a:t>
             </a:fld>
             <a:endParaRPr lang="en-IE"/>
           </a:p>
@@ -3002,7 +1501,7 @@
           <a:p>
             <a:fld id="{C697B097-996D-432D-9C37-1E937D04D218}" type="datetimeFigureOut">
               <a:rPr lang="en-IE" smtClean="0"/>
-              <a:t>01/07/2021</a:t>
+              <a:t>14/07/2021</a:t>
             </a:fld>
             <a:endParaRPr lang="en-IE"/>
           </a:p>
@@ -3234,7 +1733,7 @@
           <a:p>
             <a:fld id="{C697B097-996D-432D-9C37-1E937D04D218}" type="datetimeFigureOut">
               <a:rPr lang="en-IE" smtClean="0"/>
-              <a:t>01/07/2021</a:t>
+              <a:t>14/07/2021</a:t>
             </a:fld>
             <a:endParaRPr lang="en-IE"/>
           </a:p>
@@ -3601,7 +2100,7 @@
           <a:p>
             <a:fld id="{C697B097-996D-432D-9C37-1E937D04D218}" type="datetimeFigureOut">
               <a:rPr lang="en-IE" smtClean="0"/>
-              <a:t>01/07/2021</a:t>
+              <a:t>14/07/2021</a:t>
             </a:fld>
             <a:endParaRPr lang="en-IE"/>
           </a:p>
@@ -3719,7 +2218,7 @@
           <a:p>
             <a:fld id="{C697B097-996D-432D-9C37-1E937D04D218}" type="datetimeFigureOut">
               <a:rPr lang="en-IE" smtClean="0"/>
-              <a:t>01/07/2021</a:t>
+              <a:t>14/07/2021</a:t>
             </a:fld>
             <a:endParaRPr lang="en-IE"/>
           </a:p>
@@ -3814,7 +2313,7 @@
           <a:p>
             <a:fld id="{C697B097-996D-432D-9C37-1E937D04D218}" type="datetimeFigureOut">
               <a:rPr lang="en-IE" smtClean="0"/>
-              <a:t>01/07/2021</a:t>
+              <a:t>14/07/2021</a:t>
             </a:fld>
             <a:endParaRPr lang="en-IE"/>
           </a:p>
@@ -4091,7 +2590,7 @@
           <a:p>
             <a:fld id="{C697B097-996D-432D-9C37-1E937D04D218}" type="datetimeFigureOut">
               <a:rPr lang="en-IE" smtClean="0"/>
-              <a:t>01/07/2021</a:t>
+              <a:t>14/07/2021</a:t>
             </a:fld>
             <a:endParaRPr lang="en-IE"/>
           </a:p>
@@ -4344,7 +2843,7 @@
           <a:p>
             <a:fld id="{C697B097-996D-432D-9C37-1E937D04D218}" type="datetimeFigureOut">
               <a:rPr lang="en-IE" smtClean="0"/>
-              <a:t>01/07/2021</a:t>
+              <a:t>14/07/2021</a:t>
             </a:fld>
             <a:endParaRPr lang="en-IE"/>
           </a:p>
@@ -4557,7 +3056,7 @@
           <a:p>
             <a:fld id="{C697B097-996D-432D-9C37-1E937D04D218}" type="datetimeFigureOut">
               <a:rPr lang="en-IE" smtClean="0"/>
-              <a:t>01/07/2021</a:t>
+              <a:t>14/07/2021</a:t>
             </a:fld>
             <a:endParaRPr lang="en-IE"/>
           </a:p>
@@ -4974,7 +3473,7 @@
         </p:nvSpPr>
         <p:spPr>
           <a:xfrm>
-            <a:off x="976226" y="290992"/>
+            <a:off x="1100051" y="681258"/>
             <a:ext cx="10058400" cy="3566160"/>
           </a:xfrm>
         </p:spPr>
@@ -4987,11 +3486,14 @@
             <a:pPr algn="l"/>
             <a:r>
               <a:rPr lang="en-IE" sz="4500" dirty="0" smtClean="0"/>
-              <a:t>Epidemic </a:t>
-            </a:r>
-            <a:r>
+              <a:t>Bayesian </a:t>
+            </a:r>
+            <a:br>
               <a:rPr lang="en-IE" sz="4500" dirty="0" smtClean="0"/>
-              <a:t>Modelling </a:t>
+            </a:br>
+            <a:r>
+              <a:rPr lang="en-IE" sz="4500" dirty="0" smtClean="0"/>
+              <a:t>Epidemic Modelling </a:t>
             </a:r>
             <a:endParaRPr lang="en-IE" sz="4500" dirty="0"/>
           </a:p>
@@ -5009,7 +3511,7 @@
         </p:nvSpPr>
         <p:spPr>
           <a:xfrm>
-            <a:off x="1038138" y="3949120"/>
+            <a:off x="1100051" y="4377485"/>
             <a:ext cx="9144000" cy="1655762"/>
           </a:xfrm>
         </p:spPr>
@@ -5107,22 +3609,241 @@
         </p:nvSpPr>
         <p:spPr>
           <a:xfrm>
-            <a:off x="537556" y="332914"/>
-            <a:ext cx="10515600" cy="1065320"/>
+            <a:off x="700147" y="172940"/>
+            <a:ext cx="10226950" cy="1104153"/>
           </a:xfrm>
         </p:spPr>
         <p:txBody>
-          <a:bodyPr/>
+          <a:bodyPr>
+            <a:normAutofit/>
+          </a:bodyPr>
           <a:lstStyle/>
           <a:p>
             <a:r>
-              <a:rPr lang="en-IE" dirty="0" smtClean="0"/>
-              <a:t>Super-Spreading Events Model</a:t>
-            </a:r>
-            <a:endParaRPr lang="en-IE" dirty="0"/>
+              <a:rPr lang="en-IE" sz="3000" dirty="0" smtClean="0"/>
+              <a:t>Results - Adaptive Monte Carlo</a:t>
+            </a:r>
+            <a:endParaRPr lang="en-IE" sz="3000" dirty="0"/>
           </a:p>
         </p:txBody>
       </p:sp>
+      <mc:AlternateContent xmlns:mc="http://schemas.openxmlformats.org/markup-compatibility/2006" xmlns:a14="http://schemas.microsoft.com/office/drawing/2010/main">
+        <mc:Choice Requires="a14">
+          <p:sp>
+            <p:nvSpPr>
+              <p:cNvPr id="11" name="TextBox 10"/>
+              <p:cNvSpPr txBox="1"/>
+              <p:nvPr/>
+            </p:nvSpPr>
+            <p:spPr>
+              <a:xfrm>
+                <a:off x="4604356" y="1155491"/>
+                <a:ext cx="3806721" cy="430887"/>
+              </a:xfrm>
+              <a:prstGeom prst="rect">
+                <a:avLst/>
+              </a:prstGeom>
+              <a:noFill/>
+            </p:spPr>
+            <p:txBody>
+              <a:bodyPr wrap="square" rtlCol="0">
+                <a:spAutoFit/>
+              </a:bodyPr>
+              <a:lstStyle/>
+              <a:p>
+                <a:pPr algn="ctr"/>
+                <a14:m>
+                  <m:oMath xmlns:m="http://schemas.openxmlformats.org/officeDocument/2006/math">
+                    <m:sSub>
+                      <m:sSubPr>
+                        <m:ctrlPr>
+                          <a:rPr lang="en-IE" sz="2200" b="1" i="1" smtClean="0">
+                            <a:solidFill>
+                              <a:srgbClr val="FFC000"/>
+                            </a:solidFill>
+                            <a:latin typeface="Cambria Math" panose="02040503050406030204" pitchFamily="18" charset="0"/>
+                          </a:rPr>
+                        </m:ctrlPr>
+                      </m:sSubPr>
+                      <m:e>
+                        <m:r>
+                          <a:rPr lang="en-IE" sz="2200" b="1" i="1" smtClean="0">
+                            <a:solidFill>
+                              <a:srgbClr val="FFC000"/>
+                            </a:solidFill>
+                            <a:latin typeface="Cambria Math" panose="02040503050406030204" pitchFamily="18" charset="0"/>
+                          </a:rPr>
+                          <m:t>𝑹</m:t>
+                        </m:r>
+                      </m:e>
+                      <m:sub>
+                        <m:r>
+                          <a:rPr lang="en-IE" sz="2200" b="1" i="1" smtClean="0">
+                            <a:solidFill>
+                              <a:srgbClr val="FFC000"/>
+                            </a:solidFill>
+                            <a:latin typeface="Cambria Math" panose="02040503050406030204" pitchFamily="18" charset="0"/>
+                          </a:rPr>
+                          <m:t>𝟎</m:t>
+                        </m:r>
+                      </m:sub>
+                    </m:sSub>
+                  </m:oMath>
+                </a14:m>
+                <a:r>
+                  <a:rPr lang="en-IE" sz="2200" b="1" dirty="0" smtClean="0">
+                    <a:solidFill>
+                      <a:srgbClr val="FFC000"/>
+                    </a:solidFill>
+                  </a:rPr>
+                  <a:t> of simulated data = 3.5 </a:t>
+                </a:r>
+                <a:endParaRPr lang="en-IE" sz="2200" b="1" dirty="0">
+                  <a:solidFill>
+                    <a:srgbClr val="FFC000"/>
+                  </a:solidFill>
+                </a:endParaRPr>
+              </a:p>
+            </p:txBody>
+          </p:sp>
+        </mc:Choice>
+        <mc:Fallback xmlns="">
+          <p:sp>
+            <p:nvSpPr>
+              <p:cNvPr id="11" name="TextBox 10"/>
+              <p:cNvSpPr txBox="1">
+                <a:spLocks noRot="1" noChangeAspect="1" noMove="1" noResize="1" noEditPoints="1" noAdjustHandles="1" noChangeArrowheads="1" noChangeShapeType="1" noTextEdit="1"/>
+              </p:cNvSpPr>
+              <p:nvPr/>
+            </p:nvSpPr>
+            <p:spPr>
+              <a:xfrm>
+                <a:off x="4604356" y="1155491"/>
+                <a:ext cx="3806721" cy="430887"/>
+              </a:xfrm>
+              <a:prstGeom prst="rect">
+                <a:avLst/>
+              </a:prstGeom>
+              <a:blipFill>
+                <a:blip r:embed="rId6"/>
+                <a:stretch>
+                  <a:fillRect t="-10000" b="-28571"/>
+                </a:stretch>
+              </a:blipFill>
+            </p:spPr>
+            <p:txBody>
+              <a:bodyPr/>
+              <a:lstStyle/>
+              <a:p>
+                <a:r>
+                  <a:rPr lang="en-IE">
+                    <a:noFill/>
+                  </a:rPr>
+                  <a:t> </a:t>
+                </a:r>
+              </a:p>
+            </p:txBody>
+          </p:sp>
+        </mc:Fallback>
+      </mc:AlternateContent>
+      <p:pic>
+        <p:nvPicPr>
+          <p:cNvPr id="12" name="Picture 11"/>
+          <p:cNvPicPr>
+            <a:picLocks noChangeAspect="1"/>
+          </p:cNvPicPr>
+          <p:nvPr/>
+        </p:nvPicPr>
+        <p:blipFill>
+          <a:blip r:embed="rId7"/>
+          <a:stretch>
+            <a:fillRect/>
+          </a:stretch>
+        </p:blipFill>
+        <p:spPr>
+          <a:xfrm>
+            <a:off x="135889" y="2326551"/>
+            <a:ext cx="3132543" cy="2622293"/>
+          </a:xfrm>
+          <a:prstGeom prst="rect">
+            <a:avLst/>
+          </a:prstGeom>
+        </p:spPr>
+      </p:pic>
+      <p:sp>
+        <p:nvSpPr>
+          <p:cNvPr id="9" name="Rectangle 8"/>
+          <p:cNvSpPr/>
+          <p:nvPr/>
+        </p:nvSpPr>
+        <p:spPr>
+          <a:xfrm>
+            <a:off x="135889" y="4117572"/>
+            <a:ext cx="3163818" cy="133004"/>
+          </a:xfrm>
+          <a:prstGeom prst="rect">
+            <a:avLst/>
+          </a:prstGeom>
+          <a:noFill/>
+          <a:ln w="19050">
+            <a:solidFill>
+              <a:srgbClr val="FFC000"/>
+            </a:solidFill>
+          </a:ln>
+        </p:spPr>
+        <p:style>
+          <a:lnRef idx="2">
+            <a:schemeClr val="accent1">
+              <a:shade val="50000"/>
+            </a:schemeClr>
+          </a:lnRef>
+          <a:fillRef idx="1">
+            <a:schemeClr val="accent1"/>
+          </a:fillRef>
+          <a:effectRef idx="0">
+            <a:schemeClr val="accent1"/>
+          </a:effectRef>
+          <a:fontRef idx="minor">
+            <a:schemeClr val="lt1"/>
+          </a:fontRef>
+        </p:style>
+        <p:txBody>
+          <a:bodyPr rtlCol="0" anchor="ctr"/>
+          <a:lstStyle/>
+          <a:p>
+            <a:pPr algn="ctr"/>
+            <a:endParaRPr lang="en-IE">
+              <a:solidFill>
+                <a:srgbClr val="FFC000"/>
+              </a:solidFill>
+            </a:endParaRPr>
+          </a:p>
+        </p:txBody>
+      </p:sp>
+      <p:pic>
+        <p:nvPicPr>
+          <p:cNvPr id="5" name="Picture 4"/>
+          <p:cNvPicPr>
+            <a:picLocks noChangeAspect="1"/>
+          </p:cNvPicPr>
+          <p:nvPr/>
+        </p:nvPicPr>
+        <p:blipFill>
+          <a:blip r:embed="rId8"/>
+          <a:stretch>
+            <a:fillRect/>
+          </a:stretch>
+        </p:blipFill>
+        <p:spPr>
+          <a:xfrm>
+            <a:off x="3772599" y="1687484"/>
+            <a:ext cx="4882097" cy="4860176"/>
+          </a:xfrm>
+          <a:prstGeom prst="rect">
+            <a:avLst/>
+          </a:prstGeom>
+        </p:spPr>
+      </p:pic>
       <p:pic>
         <p:nvPicPr>
           <p:cNvPr id="6" name="Picture 5"/>
@@ -5132,15 +3853,15 @@
           <p:nvPr/>
         </p:nvPicPr>
         <p:blipFill>
-          <a:blip r:embed="rId3"/>
+          <a:blip r:embed="rId9"/>
           <a:stretch>
             <a:fillRect/>
           </a:stretch>
         </p:blipFill>
         <p:spPr>
           <a:xfrm>
-            <a:off x="499455" y="1229277"/>
-            <a:ext cx="5785387" cy="5352495"/>
+            <a:off x="8962702" y="911412"/>
+            <a:ext cx="2688783" cy="2668101"/>
           </a:xfrm>
           <a:prstGeom prst="rect">
             <a:avLst/>
@@ -5149,46 +3870,22 @@
       </p:pic>
       <p:pic>
         <p:nvPicPr>
-          <p:cNvPr id="7" name="Picture 6"/>
+          <p:cNvPr id="16" name="Picture 15"/>
           <p:cNvPicPr>
             <a:picLocks noChangeAspect="1"/>
           </p:cNvPicPr>
           <p:nvPr/>
         </p:nvPicPr>
         <p:blipFill>
-          <a:blip r:embed="rId4"/>
+          <a:blip r:embed="rId10"/>
           <a:stretch>
             <a:fillRect/>
           </a:stretch>
         </p:blipFill>
         <p:spPr>
           <a:xfrm>
-            <a:off x="6462588" y="1466850"/>
-            <a:ext cx="5621764" cy="2101561"/>
-          </a:xfrm>
-          <a:prstGeom prst="rect">
-            <a:avLst/>
-          </a:prstGeom>
-        </p:spPr>
-      </p:pic>
-      <p:pic>
-        <p:nvPicPr>
-          <p:cNvPr id="10" name="Picture 9"/>
-          <p:cNvPicPr>
-            <a:picLocks noChangeAspect="1"/>
-          </p:cNvPicPr>
-          <p:nvPr/>
-        </p:nvPicPr>
-        <p:blipFill>
-          <a:blip r:embed="rId5"/>
-          <a:stretch>
-            <a:fillRect/>
-          </a:stretch>
-        </p:blipFill>
-        <p:spPr>
-          <a:xfrm>
-            <a:off x="6413430" y="3780835"/>
-            <a:ext cx="5720080" cy="1672227"/>
+            <a:off x="8962702" y="3579513"/>
+            <a:ext cx="2711883" cy="2787013"/>
           </a:xfrm>
           <a:prstGeom prst="rect">
             <a:avLst/>
@@ -5198,7 +3895,7 @@
     </p:spTree>
     <p:extLst>
       <p:ext uri="{BB962C8B-B14F-4D97-AF65-F5344CB8AC3E}">
-        <p14:creationId xmlns:p14="http://schemas.microsoft.com/office/powerpoint/2010/main" val="3947154926"/>
+        <p14:creationId xmlns:p14="http://schemas.microsoft.com/office/powerpoint/2010/main" val="1697719587"/>
       </p:ext>
     </p:extLst>
   </p:cSld>
@@ -5262,7 +3959,31 @@
       </p:sp>
       <p:pic>
         <p:nvPicPr>
-          <p:cNvPr id="11" name="Picture 10"/>
+          <p:cNvPr id="6" name="Picture 5"/>
+          <p:cNvPicPr>
+            <a:picLocks noChangeAspect="1"/>
+          </p:cNvPicPr>
+          <p:nvPr/>
+        </p:nvPicPr>
+        <p:blipFill>
+          <a:blip r:embed="rId2"/>
+          <a:stretch>
+            <a:fillRect/>
+          </a:stretch>
+        </p:blipFill>
+        <p:spPr>
+          <a:xfrm>
+            <a:off x="537556" y="1318298"/>
+            <a:ext cx="5674300" cy="5249720"/>
+          </a:xfrm>
+          <a:prstGeom prst="rect">
+            <a:avLst/>
+          </a:prstGeom>
+        </p:spPr>
+      </p:pic>
+      <p:pic>
+        <p:nvPicPr>
+          <p:cNvPr id="7" name="Picture 6"/>
           <p:cNvPicPr>
             <a:picLocks noChangeAspect="1"/>
           </p:cNvPicPr>
@@ -5276,8 +3997,8 @@
         </p:blipFill>
         <p:spPr>
           <a:xfrm>
-            <a:off x="598516" y="1296066"/>
-            <a:ext cx="3939128" cy="1945898"/>
+            <a:off x="6551293" y="1398234"/>
+            <a:ext cx="5525037" cy="2065402"/>
           </a:xfrm>
           <a:prstGeom prst="rect">
             <a:avLst/>
@@ -5286,7 +4007,7 @@
       </p:pic>
       <p:pic>
         <p:nvPicPr>
-          <p:cNvPr id="4" name="Picture 3"/>
+          <p:cNvPr id="10" name="Picture 9"/>
           <p:cNvPicPr>
             <a:picLocks noChangeAspect="1"/>
           </p:cNvPicPr>
@@ -5300,32 +4021,8 @@
         </p:blipFill>
         <p:spPr>
           <a:xfrm>
-            <a:off x="186518" y="3330372"/>
-            <a:ext cx="5569842" cy="670820"/>
-          </a:xfrm>
-          <a:prstGeom prst="rect">
-            <a:avLst/>
-          </a:prstGeom>
-        </p:spPr>
-      </p:pic>
-      <p:pic>
-        <p:nvPicPr>
-          <p:cNvPr id="9" name="Picture 8"/>
-          <p:cNvPicPr>
-            <a:picLocks noChangeAspect="1"/>
-          </p:cNvPicPr>
-          <p:nvPr/>
-        </p:nvPicPr>
-        <p:blipFill>
-          <a:blip r:embed="rId5"/>
-          <a:stretch>
-            <a:fillRect/>
-          </a:stretch>
-        </p:blipFill>
-        <p:spPr>
-          <a:xfrm>
-            <a:off x="6010275" y="1171495"/>
-            <a:ext cx="5729286" cy="4729242"/>
+            <a:off x="6594764" y="3623673"/>
+            <a:ext cx="5538745" cy="1619215"/>
           </a:xfrm>
           <a:prstGeom prst="rect">
             <a:avLst/>
@@ -5335,7 +4032,7 @@
     </p:spTree>
     <p:extLst>
       <p:ext uri="{BB962C8B-B14F-4D97-AF65-F5344CB8AC3E}">
-        <p14:creationId xmlns:p14="http://schemas.microsoft.com/office/powerpoint/2010/main" val="1739864612"/>
+        <p14:creationId xmlns:p14="http://schemas.microsoft.com/office/powerpoint/2010/main" val="3947154926"/>
       </p:ext>
     </p:extLst>
   </p:cSld>
@@ -5379,26 +4076,78 @@
             <p:ph type="title"/>
           </p:nvPr>
         </p:nvSpPr>
-        <p:spPr/>
+        <p:spPr>
+          <a:xfrm>
+            <a:off x="1110242" y="86395"/>
+            <a:ext cx="10226950" cy="1104153"/>
+          </a:xfrm>
+        </p:spPr>
         <p:txBody>
-          <a:bodyPr/>
+          <a:bodyPr>
+            <a:normAutofit/>
+          </a:bodyPr>
           <a:lstStyle/>
           <a:p>
-            <a:r>
-              <a:rPr lang="en-IE" dirty="0" smtClean="0"/>
-              <a:t>Future </a:t>
-            </a:r>
-            <a:r>
-              <a:rPr lang="en-IE" dirty="0" smtClean="0"/>
-              <a:t>Directions</a:t>
-            </a:r>
-            <a:endParaRPr lang="en-IE" dirty="0"/>
+            <a:pPr algn="ctr"/>
+            <a:r>
+              <a:rPr lang="en-IE" sz="3000" dirty="0" smtClean="0"/>
+              <a:t>Super-Spreading Events Simulation</a:t>
+            </a:r>
+            <a:endParaRPr lang="en-IE" sz="3000" dirty="0"/>
           </a:p>
         </p:txBody>
       </p:sp>
+      <p:pic>
+        <p:nvPicPr>
+          <p:cNvPr id="7" name="Picture 6"/>
+          <p:cNvPicPr>
+            <a:picLocks noChangeAspect="1"/>
+          </p:cNvPicPr>
+          <p:nvPr/>
+        </p:nvPicPr>
+        <p:blipFill>
+          <a:blip r:embed="rId2"/>
+          <a:stretch>
+            <a:fillRect/>
+          </a:stretch>
+        </p:blipFill>
+        <p:spPr>
+          <a:xfrm>
+            <a:off x="5764051" y="1799616"/>
+            <a:ext cx="5806665" cy="4740767"/>
+          </a:xfrm>
+          <a:prstGeom prst="rect">
+            <a:avLst/>
+          </a:prstGeom>
+        </p:spPr>
+      </p:pic>
+      <p:pic>
+        <p:nvPicPr>
+          <p:cNvPr id="13" name="Picture 12"/>
+          <p:cNvPicPr>
+            <a:picLocks noChangeAspect="1"/>
+          </p:cNvPicPr>
+          <p:nvPr/>
+        </p:nvPicPr>
+        <p:blipFill>
+          <a:blip r:embed="rId3"/>
+          <a:stretch>
+            <a:fillRect/>
+          </a:stretch>
+        </p:blipFill>
+        <p:spPr>
+          <a:xfrm>
+            <a:off x="0" y="1799616"/>
+            <a:ext cx="5698063" cy="4572448"/>
+          </a:xfrm>
+          <a:prstGeom prst="rect">
+            <a:avLst/>
+          </a:prstGeom>
+        </p:spPr>
+      </p:pic>
       <p:sp>
         <p:nvSpPr>
-          <p:cNvPr id="3" name="Content Placeholder 2"/>
+          <p:cNvPr id="6" name="Content Placeholder 2"/>
           <p:cNvSpPr>
             <a:spLocks noGrp="1"/>
           </p:cNvSpPr>
@@ -5408,192 +4157,17 @@
         </p:nvSpPr>
         <p:spPr>
           <a:xfrm>
-            <a:off x="838200" y="1398234"/>
-            <a:ext cx="10515600" cy="4614493"/>
+            <a:off x="664580" y="1286682"/>
+            <a:ext cx="10515600" cy="416800"/>
           </a:xfrm>
         </p:spPr>
         <p:txBody>
           <a:bodyPr/>
           <a:lstStyle/>
           <a:p>
-            <a:pPr marL="514350" indent="-514350">
-              <a:buFont typeface="+mj-lt"/>
-              <a:buAutoNum type="romanLcPeriod"/>
-            </a:pPr>
-            <a:r>
-              <a:rPr lang="en-IE" sz="2300" dirty="0" smtClean="0"/>
-              <a:t>Super-spreading events model</a:t>
-            </a:r>
-          </a:p>
-          <a:p>
-            <a:pPr marL="971550" lvl="1" indent="-514350">
-              <a:buFont typeface="+mj-lt"/>
-              <a:buAutoNum type="romanLcPeriod"/>
-            </a:pPr>
-            <a:r>
-              <a:rPr lang="en-IE" sz="2000" dirty="0"/>
-              <a:t>Investigate effect of model parameters on </a:t>
-            </a:r>
-            <a:r>
-              <a:rPr lang="en-IE" sz="2000" dirty="0" smtClean="0"/>
-              <a:t>pandemic</a:t>
-            </a:r>
-          </a:p>
-          <a:p>
-            <a:pPr marL="971550" lvl="1" indent="-514350">
-              <a:buFont typeface="+mj-lt"/>
-              <a:buAutoNum type="romanLcPeriod"/>
-            </a:pPr>
-            <a:r>
-              <a:rPr lang="en-IE" sz="2000" dirty="0"/>
-              <a:t>I</a:t>
-            </a:r>
-            <a:r>
-              <a:rPr lang="en-IE" sz="2000" dirty="0" smtClean="0"/>
-              <a:t>nfer model parameters via MCMC </a:t>
-            </a:r>
-          </a:p>
-          <a:p>
-            <a:pPr marL="514350" indent="-514350">
-              <a:buFont typeface="+mj-lt"/>
-              <a:buAutoNum type="romanLcPeriod"/>
-            </a:pPr>
-            <a:r>
-              <a:rPr lang="en-IE" sz="2300" dirty="0" smtClean="0"/>
-              <a:t>Super-spreading individuals </a:t>
-            </a:r>
-            <a:endParaRPr lang="en-IE" sz="2300" dirty="0" smtClean="0"/>
-          </a:p>
-          <a:p>
-            <a:pPr marL="514350" indent="-514350">
-              <a:buFont typeface="+mj-lt"/>
-              <a:buAutoNum type="romanLcPeriod"/>
-            </a:pPr>
-            <a:r>
-              <a:rPr lang="en-IE" sz="2300" dirty="0" smtClean="0"/>
-              <a:t>Model Checking, Influence &amp; Diagnostics</a:t>
-            </a:r>
-          </a:p>
-          <a:p>
-            <a:pPr lvl="1"/>
-            <a:r>
-              <a:rPr lang="en-IE" sz="2100" dirty="0" smtClean="0"/>
-              <a:t>Influence of individual events &amp; individuals </a:t>
-            </a:r>
-          </a:p>
-          <a:p>
-            <a:pPr lvl="1"/>
-            <a:r>
-              <a:rPr lang="en-IE" sz="2100" dirty="0" smtClean="0"/>
-              <a:t>Influence of time within epidemic on data &amp; model </a:t>
-            </a:r>
-            <a:endParaRPr lang="en-IE" sz="2100" dirty="0" smtClean="0"/>
-          </a:p>
-          <a:p>
-            <a:pPr lvl="1"/>
-            <a:r>
-              <a:rPr lang="en-IE" sz="2100" dirty="0" smtClean="0"/>
-              <a:t>Importance sampling – reweight posterior with point removed</a:t>
-            </a:r>
-          </a:p>
-          <a:p>
-            <a:pPr marL="514350" indent="-514350">
-              <a:buFont typeface="+mj-lt"/>
-              <a:buAutoNum type="romanLcPeriod"/>
-            </a:pPr>
-            <a:r>
-              <a:rPr lang="en-IE" sz="2300" dirty="0" smtClean="0"/>
-              <a:t>Integration </a:t>
-            </a:r>
-            <a:r>
-              <a:rPr lang="en-IE" sz="2300" dirty="0" smtClean="0"/>
-              <a:t>with </a:t>
-            </a:r>
-            <a:r>
-              <a:rPr lang="en-IE" sz="2300" dirty="0" smtClean="0"/>
-              <a:t>Data</a:t>
-            </a:r>
-          </a:p>
-          <a:p>
-            <a:pPr marL="971550" lvl="1" indent="-514350">
-              <a:buFont typeface="+mj-lt"/>
-              <a:buAutoNum type="romanLcPeriod"/>
-            </a:pPr>
-            <a:r>
-              <a:rPr lang="en-IE" sz="2100" dirty="0" smtClean="0"/>
-              <a:t>Contract tracing data (</a:t>
-            </a:r>
-            <a:r>
-              <a:rPr lang="en-IE" sz="2100" dirty="0" err="1" smtClean="0"/>
-              <a:t>inc</a:t>
-            </a:r>
-            <a:r>
-              <a:rPr lang="en-IE" sz="2100" dirty="0" smtClean="0"/>
-              <a:t> super-spreading events)</a:t>
-            </a:r>
-          </a:p>
-          <a:p>
-            <a:pPr marL="971550" lvl="1" indent="-514350">
-              <a:buFont typeface="+mj-lt"/>
-              <a:buAutoNum type="romanLcPeriod"/>
-            </a:pPr>
-            <a:r>
-              <a:rPr lang="en-IE" sz="2100" dirty="0" smtClean="0"/>
-              <a:t>Spatial data </a:t>
-            </a:r>
-            <a:endParaRPr lang="en-IE" sz="2100" dirty="0" smtClean="0"/>
-          </a:p>
-        </p:txBody>
-      </p:sp>
-      <p:sp>
-        <p:nvSpPr>
-          <p:cNvPr id="4" name="TextBox 3"/>
-          <p:cNvSpPr txBox="1"/>
-          <p:nvPr/>
-        </p:nvSpPr>
-        <p:spPr>
-          <a:xfrm>
-            <a:off x="0" y="6334780"/>
-            <a:ext cx="7758113" cy="523220"/>
-          </a:xfrm>
-          <a:prstGeom prst="rect">
-            <a:avLst/>
-          </a:prstGeom>
-          <a:noFill/>
-        </p:spPr>
-        <p:txBody>
-          <a:bodyPr wrap="square" rtlCol="0">
-            <a:spAutoFit/>
-          </a:bodyPr>
-          <a:lstStyle/>
-          <a:p>
-            <a:r>
-              <a:rPr lang="en-GB" sz="1000" dirty="0" smtClean="0"/>
-              <a:t>*Lau</a:t>
-            </a:r>
-            <a:r>
-              <a:rPr lang="en-GB" sz="1000" dirty="0"/>
-              <a:t>, Max SY, et al. "New model diagnostics for </a:t>
-            </a:r>
-            <a:r>
-              <a:rPr lang="en-GB" sz="1000" dirty="0" err="1"/>
-              <a:t>spatio</a:t>
-            </a:r>
-            <a:r>
-              <a:rPr lang="en-GB" sz="1000" dirty="0"/>
-              <a:t>-temporal systems in epidemiology and ecology." </a:t>
-            </a:r>
-            <a:r>
-              <a:rPr lang="en-GB" sz="1000" i="1" dirty="0"/>
-              <a:t>Journal of The Royal Society Interface</a:t>
-            </a:r>
-            <a:r>
-              <a:rPr lang="en-GB" sz="1000" dirty="0"/>
-              <a:t> 11.93 (2014): 20131093</a:t>
-            </a:r>
-            <a:r>
-              <a:rPr lang="en-GB" dirty="0"/>
-              <a:t>.</a:t>
+            <a:r>
+              <a:rPr lang="en-IE" dirty="0" smtClean="0"/>
+              <a:t>Parameter values :</a:t>
             </a:r>
             <a:endParaRPr lang="en-IE" dirty="0"/>
           </a:p>
@@ -5602,7 +4176,7 @@
     </p:spTree>
     <p:extLst>
       <p:ext uri="{BB962C8B-B14F-4D97-AF65-F5344CB8AC3E}">
-        <p14:creationId xmlns:p14="http://schemas.microsoft.com/office/powerpoint/2010/main" val="146095422"/>
+        <p14:creationId xmlns:p14="http://schemas.microsoft.com/office/powerpoint/2010/main" val="3174655090"/>
       </p:ext>
     </p:extLst>
   </p:cSld>
@@ -5643,6 +4217,113 @@
             <a:spLocks noGrp="1"/>
           </p:cNvSpPr>
           <p:nvPr>
+            <p:ph type="title"/>
+          </p:nvPr>
+        </p:nvSpPr>
+        <p:spPr/>
+        <p:txBody>
+          <a:bodyPr/>
+          <a:lstStyle/>
+          <a:p>
+            <a:r>
+              <a:rPr lang="en-IE" dirty="0" smtClean="0"/>
+              <a:t>Possible Future Directions</a:t>
+            </a:r>
+            <a:endParaRPr lang="en-IE" dirty="0"/>
+          </a:p>
+        </p:txBody>
+      </p:sp>
+      <p:sp>
+        <p:nvSpPr>
+          <p:cNvPr id="3" name="Content Placeholder 2"/>
+          <p:cNvSpPr>
+            <a:spLocks noGrp="1"/>
+          </p:cNvSpPr>
+          <p:nvPr>
+            <p:ph idx="1"/>
+          </p:nvPr>
+        </p:nvSpPr>
+        <p:spPr/>
+        <p:txBody>
+          <a:bodyPr/>
+          <a:lstStyle/>
+          <a:p>
+            <a:pPr marL="514350" indent="-514350">
+              <a:buFont typeface="+mj-lt"/>
+              <a:buAutoNum type="romanLcPeriod"/>
+            </a:pPr>
+            <a:r>
+              <a:rPr lang="en-IE" dirty="0" smtClean="0"/>
+              <a:t>Further develop super-spreading events &amp; super-spreaders</a:t>
+            </a:r>
+          </a:p>
+          <a:p>
+            <a:pPr marL="514350" indent="-514350">
+              <a:buFont typeface="+mj-lt"/>
+              <a:buAutoNum type="romanLcPeriod"/>
+            </a:pPr>
+            <a:r>
+              <a:rPr lang="en-IE" dirty="0" smtClean="0"/>
+              <a:t>Integration with Data</a:t>
+            </a:r>
+          </a:p>
+          <a:p>
+            <a:pPr marL="514350" indent="-514350">
+              <a:buFont typeface="+mj-lt"/>
+              <a:buAutoNum type="romanLcPeriod"/>
+            </a:pPr>
+            <a:r>
+              <a:rPr lang="en-IE" dirty="0" smtClean="0"/>
+              <a:t>Model Checking/Influence </a:t>
+            </a:r>
+            <a:endParaRPr lang="en-IE" dirty="0"/>
+          </a:p>
+        </p:txBody>
+      </p:sp>
+    </p:spTree>
+    <p:extLst>
+      <p:ext uri="{BB962C8B-B14F-4D97-AF65-F5344CB8AC3E}">
+        <p14:creationId xmlns:p14="http://schemas.microsoft.com/office/powerpoint/2010/main" val="146095422"/>
+      </p:ext>
+    </p:extLst>
+  </p:cSld>
+  <p:clrMapOvr>
+    <a:masterClrMapping/>
+  </p:clrMapOvr>
+  <p:timing>
+    <p:tnLst>
+      <p:par>
+        <p:cTn id="1" dur="indefinite" restart="never" nodeType="tmRoot"/>
+      </p:par>
+    </p:tnLst>
+  </p:timing>
+</p:sld>
+</file>
+
+<file path=ppt/slides/slide14.xml><?xml version="1.0" encoding="utf-8"?>
+<p:sld xmlns:a="http://schemas.openxmlformats.org/drawingml/2006/main" xmlns:r="http://schemas.openxmlformats.org/officeDocument/2006/relationships" xmlns:p="http://schemas.openxmlformats.org/presentationml/2006/main">
+  <p:cSld>
+    <p:spTree>
+      <p:nvGrpSpPr>
+        <p:cNvPr id="1" name=""/>
+        <p:cNvGrpSpPr/>
+        <p:nvPr/>
+      </p:nvGrpSpPr>
+      <p:grpSpPr>
+        <a:xfrm>
+          <a:off x="0" y="0"/>
+          <a:ext cx="0" cy="0"/>
+          <a:chOff x="0" y="0"/>
+          <a:chExt cx="0" cy="0"/>
+        </a:xfrm>
+      </p:grpSpPr>
+      <p:sp>
+        <p:nvSpPr>
+          <p:cNvPr id="2" name="Title 1"/>
+          <p:cNvSpPr>
+            <a:spLocks noGrp="1"/>
+          </p:cNvSpPr>
+          <p:nvPr>
             <p:ph type="ctrTitle"/>
           </p:nvPr>
         </p:nvSpPr>
@@ -5661,7 +4342,7 @@
             <a:pPr algn="l"/>
             <a:r>
               <a:rPr lang="en-IE" sz="4500" dirty="0" smtClean="0"/>
-              <a:t>Thank you for listening.</a:t>
+              <a:t>Thank you for listening!</a:t>
             </a:r>
             <a:endParaRPr lang="en-IE" sz="4500" dirty="0"/>
           </a:p>
@@ -5727,8 +4408,8 @@
           </a:p>
         </p:txBody>
       </p:sp>
-      <mc:AlternateContent xmlns:mc="http://schemas.openxmlformats.org/markup-compatibility/2006">
-        <mc:Choice xmlns:a14="http://schemas.microsoft.com/office/drawing/2010/main" Requires="a14">
+      <mc:AlternateContent xmlns:mc="http://schemas.openxmlformats.org/markup-compatibility/2006" xmlns:a14="http://schemas.microsoft.com/office/drawing/2010/main">
+        <mc:Choice Requires="a14">
           <p:sp>
             <p:nvSpPr>
               <p:cNvPr id="3" name="Content Placeholder 2"/>
@@ -5739,36 +4420,23 @@
                 <p:ph idx="1"/>
               </p:nvPr>
             </p:nvSpPr>
-            <p:spPr>
-              <a:xfrm>
-                <a:off x="762000" y="1248145"/>
-                <a:ext cx="10515600" cy="4614493"/>
-              </a:xfrm>
-            </p:spPr>
+            <p:spPr/>
             <p:txBody>
               <a:bodyPr/>
               <a:lstStyle/>
               <a:p>
-                <a:pPr marL="0" indent="0">
-                  <a:buNone/>
-                </a:pPr>
-                <a:endParaRPr lang="en-IE" dirty="0" smtClean="0"/>
-              </a:p>
-              <a:p>
-                <a:pPr marL="514350" indent="-514350">
-                  <a:buFont typeface="+mj-lt"/>
-                  <a:buAutoNum type="romanLcPeriod"/>
-                </a:pPr>
                 <a:r>
                   <a:rPr lang="en-IE" dirty="0" smtClean="0"/>
-                  <a:t>Baseline Model </a:t>
+                  <a:t>Overview/Introduction</a:t>
                 </a:r>
               </a:p>
               <a:p>
-                <a:pPr marL="514350" indent="-514350">
-                  <a:buFont typeface="+mj-lt"/>
-                  <a:buAutoNum type="romanLcPeriod"/>
-                </a:pPr>
+                <a:r>
+                  <a:rPr lang="en-IE" dirty="0" smtClean="0"/>
+                  <a:t>Model </a:t>
+                </a:r>
+              </a:p>
+              <a:p>
                 <a:r>
                   <a:rPr lang="en-IE" dirty="0"/>
                   <a:t>Simulations </a:t>
@@ -5776,21 +4444,6 @@
                 <a:endParaRPr lang="en-IE" dirty="0" smtClean="0"/>
               </a:p>
               <a:p>
-                <a:pPr marL="514350" indent="-514350">
-                  <a:buFont typeface="+mj-lt"/>
-                  <a:buAutoNum type="romanLcPeriod"/>
-                </a:pPr>
-                <a:r>
-                  <a:rPr lang="en-IE" smtClean="0"/>
-                  <a:t>Bayesian model </a:t>
-                </a:r>
-                <a:endParaRPr lang="en-IE" dirty="0" smtClean="0"/>
-              </a:p>
-              <a:p>
-                <a:pPr marL="514350" indent="-514350">
-                  <a:buFont typeface="+mj-lt"/>
-                  <a:buAutoNum type="romanLcPeriod"/>
-                </a:pPr>
                 <a:r>
                   <a:rPr lang="en-IE" dirty="0" smtClean="0"/>
                   <a:t>MCMC Inference for </a:t>
@@ -5827,89 +4480,40 @@
                 <a:endParaRPr lang="en-IE" dirty="0" smtClean="0"/>
               </a:p>
               <a:p>
-                <a:pPr marL="514350" indent="-514350">
-                  <a:buFont typeface="+mj-lt"/>
-                  <a:buAutoNum type="romanLcPeriod"/>
-                </a:pPr>
                 <a:r>
                   <a:rPr lang="en-IE" dirty="0" smtClean="0"/>
-                  <a:t>Simple Adaptive Monte Carlo </a:t>
+                  <a:t>Modified Monte Carlo</a:t>
                 </a:r>
-                <a:r>
-                  <a:rPr lang="en-IE" dirty="0"/>
-                  <a:t>for </a:t>
-                </a:r>
-                <a14:m>
-                  <m:oMath xmlns:m="http://schemas.openxmlformats.org/officeDocument/2006/math">
-                    <m:sSub>
-                      <m:sSubPr>
-                        <m:ctrlPr>
-                          <a:rPr lang="en-IE" i="1">
-                            <a:latin typeface="Cambria Math" panose="02040503050406030204" pitchFamily="18" charset="0"/>
-                          </a:rPr>
-                        </m:ctrlPr>
-                      </m:sSubPr>
-                      <m:e>
-                        <m:r>
-                          <a:rPr lang="en-IE" i="1">
-                            <a:latin typeface="Cambria Math" panose="02040503050406030204" pitchFamily="18" charset="0"/>
-                          </a:rPr>
-                          <m:t>𝑅</m:t>
-                        </m:r>
-                      </m:e>
-                      <m:sub>
-                        <m:r>
-                          <a:rPr lang="en-IE" i="1">
-                            <a:latin typeface="Cambria Math" panose="02040503050406030204" pitchFamily="18" charset="0"/>
-                          </a:rPr>
-                          <m:t>0</m:t>
-                        </m:r>
-                      </m:sub>
-                    </m:sSub>
-                  </m:oMath>
-                </a14:m>
-                <a:endParaRPr lang="en-IE" dirty="0" smtClean="0"/>
               </a:p>
               <a:p>
-                <a:pPr marL="514350" indent="-514350">
-                  <a:buFont typeface="+mj-lt"/>
-                  <a:buAutoNum type="romanLcPeriod"/>
-                </a:pPr>
                 <a:r>
                   <a:rPr lang="en-IE" dirty="0" smtClean="0"/>
-                  <a:t>MCMC Results </a:t>
+                  <a:t>Results </a:t>
                 </a:r>
-                <a:endParaRPr lang="en-IE" dirty="0" smtClean="0"/>
               </a:p>
               <a:p>
-                <a:pPr marL="514350" indent="-514350">
-                  <a:buFont typeface="+mj-lt"/>
-                  <a:buAutoNum type="romanLcPeriod"/>
-                </a:pPr>
                 <a:r>
                   <a:rPr lang="en-IE" dirty="0" smtClean="0"/>
                   <a:t>Super spreading Model</a:t>
                 </a:r>
               </a:p>
               <a:p>
-                <a:pPr marL="514350" indent="-514350">
-                  <a:buFont typeface="+mj-lt"/>
-                  <a:buAutoNum type="romanLcPeriod"/>
-                </a:pPr>
                 <a:r>
                   <a:rPr lang="en-IE" dirty="0" smtClean="0"/>
-                  <a:t>Future </a:t>
+                  <a:t>Results?</a:t>
                 </a:r>
+              </a:p>
+              <a:p>
                 <a:r>
                   <a:rPr lang="en-IE" dirty="0" smtClean="0"/>
-                  <a:t>Directions </a:t>
+                  <a:t>Possible Future Directions </a:t>
                 </a:r>
                 <a:endParaRPr lang="en-IE" dirty="0"/>
               </a:p>
             </p:txBody>
           </p:sp>
         </mc:Choice>
-        <mc:Fallback>
+        <mc:Fallback xmlns="">
           <p:sp>
             <p:nvSpPr>
               <p:cNvPr id="3" name="Content Placeholder 2"/>
@@ -5921,14 +4525,10 @@
               </p:nvPr>
             </p:nvSpPr>
             <p:spPr>
-              <a:xfrm>
-                <a:off x="762000" y="1248145"/>
-                <a:ext cx="10515600" cy="4614493"/>
-              </a:xfrm>
               <a:blipFill>
-                <a:blip r:embed="rId3"/>
+                <a:blip r:embed="rId2"/>
                 <a:stretch>
-                  <a:fillRect l="-696"/>
+                  <a:fillRect l="-696" t="-1585"/>
                 </a:stretch>
               </a:blipFill>
             </p:spPr>
@@ -6000,16 +4600,16 @@
           <a:lstStyle/>
           <a:p>
             <a:r>
-              <a:rPr lang="en-IE" b="1" dirty="0" smtClean="0"/>
-              <a:t>Model </a:t>
-            </a:r>
-            <a:endParaRPr lang="en-IE" b="1" dirty="0"/>
+              <a:rPr lang="en-IE" dirty="0" smtClean="0"/>
+              <a:t>Introduction</a:t>
+            </a:r>
+            <a:endParaRPr lang="en-IE" dirty="0"/>
           </a:p>
         </p:txBody>
       </p:sp>
       <p:sp>
         <p:nvSpPr>
-          <p:cNvPr id="3" name="Content Placeholder 2"/>
+          <p:cNvPr id="4" name="Content Placeholder 3"/>
           <p:cNvSpPr>
             <a:spLocks noGrp="1"/>
           </p:cNvSpPr>
@@ -6017,263 +4617,23 @@
             <p:ph idx="1"/>
           </p:nvPr>
         </p:nvSpPr>
-        <p:spPr>
-          <a:xfrm>
-            <a:off x="838200" y="1257670"/>
-            <a:ext cx="10515600" cy="4614493"/>
-          </a:xfrm>
-        </p:spPr>
+        <p:spPr/>
         <p:txBody>
           <a:bodyPr/>
           <a:lstStyle/>
           <a:p>
             <a:r>
-              <a:rPr lang="en-IE" sz="2000" dirty="0" smtClean="0"/>
-              <a:t>Discrete time model with Branching process characteristics </a:t>
-            </a:r>
-          </a:p>
-          <a:p>
-            <a:r>
-              <a:rPr lang="en-IE" sz="2000" dirty="0" smtClean="0"/>
-              <a:t>Unique model characteristic; </a:t>
-            </a:r>
-            <a:r>
-              <a:rPr lang="en-IE" sz="2000" b="1" dirty="0" smtClean="0">
-                <a:solidFill>
-                  <a:srgbClr val="FFC000"/>
-                </a:solidFill>
-              </a:rPr>
-              <a:t>Time-varying infectivity </a:t>
-            </a:r>
-          </a:p>
-          <a:p>
-            <a:pPr marL="0" indent="0">
-              <a:buNone/>
-            </a:pPr>
-            <a:endParaRPr lang="en-IE" dirty="0" smtClean="0"/>
+              <a:rPr lang="en-IE" dirty="0" smtClean="0"/>
+              <a:t>Importance/use of epidemic modelling</a:t>
+            </a:r>
+            <a:endParaRPr lang="en-IE" dirty="0"/>
           </a:p>
         </p:txBody>
       </p:sp>
-      <p:pic>
-        <p:nvPicPr>
-          <p:cNvPr id="6" name="Picture 5"/>
-          <p:cNvPicPr>
-            <a:picLocks noChangeAspect="1"/>
-          </p:cNvPicPr>
-          <p:nvPr/>
-        </p:nvPicPr>
-        <p:blipFill>
-          <a:blip r:embed="rId3"/>
-          <a:stretch>
-            <a:fillRect/>
-          </a:stretch>
-        </p:blipFill>
-        <p:spPr>
-          <a:xfrm>
-            <a:off x="6046517" y="2201935"/>
-            <a:ext cx="5702138" cy="3827648"/>
-          </a:xfrm>
-          <a:prstGeom prst="rect">
-            <a:avLst/>
-          </a:prstGeom>
-        </p:spPr>
-      </p:pic>
-      <mc:AlternateContent xmlns:mc="http://schemas.openxmlformats.org/markup-compatibility/2006">
-        <mc:Choice xmlns:a14="http://schemas.microsoft.com/office/drawing/2010/main" Requires="a14">
-          <p:sp>
-            <p:nvSpPr>
-              <p:cNvPr id="36" name="Rectangle 35"/>
-              <p:cNvSpPr/>
-              <p:nvPr/>
-            </p:nvSpPr>
-            <p:spPr>
-              <a:xfrm>
-                <a:off x="965401" y="5330092"/>
-                <a:ext cx="4875675" cy="784830"/>
-              </a:xfrm>
-              <a:prstGeom prst="rect">
-                <a:avLst/>
-              </a:prstGeom>
-            </p:spPr>
-            <p:txBody>
-              <a:bodyPr wrap="square">
-                <a:spAutoFit/>
-              </a:bodyPr>
-              <a:lstStyle/>
-              <a:p>
-                <a14:m>
-                  <m:oMath xmlns:m="http://schemas.openxmlformats.org/officeDocument/2006/math">
-                    <m:sSub>
-                      <m:sSubPr>
-                        <m:ctrlPr>
-                          <a:rPr lang="en-IE" sz="1500" b="1" i="1" smtClean="0">
-                            <a:solidFill>
-                              <a:srgbClr val="FFC000"/>
-                            </a:solidFill>
-                            <a:latin typeface="Cambria Math" panose="02040503050406030204" pitchFamily="18" charset="0"/>
-                            <a:ea typeface="Cambria Math" panose="02040503050406030204" pitchFamily="18" charset="0"/>
-                          </a:rPr>
-                        </m:ctrlPr>
-                      </m:sSubPr>
-                      <m:e>
-                        <m:r>
-                          <a:rPr lang="en-IE" sz="1500" b="1" i="1">
-                            <a:solidFill>
-                              <a:srgbClr val="FFC000"/>
-                            </a:solidFill>
-                            <a:latin typeface="Cambria Math" panose="02040503050406030204" pitchFamily="18" charset="0"/>
-                            <a:ea typeface="Cambria Math" panose="02040503050406030204" pitchFamily="18" charset="0"/>
-                          </a:rPr>
-                          <m:t>𝝀</m:t>
-                        </m:r>
-                      </m:e>
-                      <m:sub>
-                        <m:r>
-                          <a:rPr lang="en-IE" sz="1500" b="1" i="1">
-                            <a:solidFill>
-                              <a:srgbClr val="FFC000"/>
-                            </a:solidFill>
-                            <a:latin typeface="Cambria Math" panose="02040503050406030204" pitchFamily="18" charset="0"/>
-                            <a:ea typeface="Cambria Math" panose="02040503050406030204" pitchFamily="18" charset="0"/>
-                          </a:rPr>
-                          <m:t>𝒕</m:t>
-                        </m:r>
-                      </m:sub>
-                    </m:sSub>
-                  </m:oMath>
-                </a14:m>
-                <a:r>
-                  <a:rPr lang="en-IE" sz="1500" b="1" dirty="0">
-                    <a:solidFill>
-                      <a:srgbClr val="FFC000"/>
-                    </a:solidFill>
-                  </a:rPr>
-                  <a:t> </a:t>
-                </a:r>
-                <a:r>
-                  <a:rPr lang="en-IE" sz="1500" b="1" dirty="0" smtClean="0">
-                    <a:solidFill>
-                      <a:srgbClr val="FFC000"/>
-                    </a:solidFill>
-                  </a:rPr>
-                  <a:t>represents </a:t>
-                </a:r>
-                <a:r>
-                  <a:rPr lang="en-IE" sz="1500" b="1" dirty="0">
-                    <a:solidFill>
-                      <a:srgbClr val="FFC000"/>
-                    </a:solidFill>
-                  </a:rPr>
-                  <a:t>the ‘infectious pressure’ of the entire population, </a:t>
-                </a:r>
-                <a:r>
-                  <a:rPr lang="en-IE" sz="1500" b="1" dirty="0" err="1" smtClean="0">
-                    <a:solidFill>
-                      <a:srgbClr val="FFC000"/>
-                    </a:solidFill>
-                  </a:rPr>
-                  <a:t>i.e</a:t>
-                </a:r>
-                <a:r>
-                  <a:rPr lang="en-IE" sz="1500" b="1" dirty="0" smtClean="0">
-                    <a:solidFill>
-                      <a:srgbClr val="FFC000"/>
-                    </a:solidFill>
-                  </a:rPr>
-                  <a:t> </a:t>
-                </a:r>
-                <a:r>
-                  <a:rPr lang="en-IE" sz="1500" b="1" dirty="0">
-                    <a:solidFill>
-                      <a:srgbClr val="FFC000"/>
-                    </a:solidFill>
-                  </a:rPr>
-                  <a:t>the sum of the infectiousness curve of </a:t>
-                </a:r>
-                <a:r>
-                  <a:rPr lang="en-IE" sz="1500" b="1" dirty="0" smtClean="0">
-                    <a:solidFill>
-                      <a:srgbClr val="FFC000"/>
-                    </a:solidFill>
-                  </a:rPr>
-                  <a:t>all individuals</a:t>
-                </a:r>
-                <a:endParaRPr lang="en-IE" sz="1500" b="1" dirty="0">
-                  <a:solidFill>
-                    <a:srgbClr val="FFC000"/>
-                  </a:solidFill>
-                </a:endParaRPr>
-              </a:p>
-            </p:txBody>
-          </p:sp>
-        </mc:Choice>
-        <mc:Fallback>
-          <p:sp>
-            <p:nvSpPr>
-              <p:cNvPr id="36" name="Rectangle 35"/>
-              <p:cNvSpPr>
-                <a:spLocks noRot="1" noChangeAspect="1" noMove="1" noResize="1" noEditPoints="1" noAdjustHandles="1" noChangeArrowheads="1" noChangeShapeType="1" noTextEdit="1"/>
-              </p:cNvSpPr>
-              <p:nvPr/>
-            </p:nvSpPr>
-            <p:spPr>
-              <a:xfrm>
-                <a:off x="965401" y="5330092"/>
-                <a:ext cx="4875675" cy="784830"/>
-              </a:xfrm>
-              <a:prstGeom prst="rect">
-                <a:avLst/>
-              </a:prstGeom>
-              <a:blipFill>
-                <a:blip r:embed="rId4"/>
-                <a:stretch>
-                  <a:fillRect l="-500" t="-1550" b="-7752"/>
-                </a:stretch>
-              </a:blipFill>
-            </p:spPr>
-            <p:txBody>
-              <a:bodyPr/>
-              <a:lstStyle/>
-              <a:p>
-                <a:r>
-                  <a:rPr lang="en-IE">
-                    <a:noFill/>
-                  </a:rPr>
-                  <a:t> </a:t>
-                </a:r>
-              </a:p>
-            </p:txBody>
-          </p:sp>
-        </mc:Fallback>
-      </mc:AlternateContent>
-      <p:pic>
-        <p:nvPicPr>
-          <p:cNvPr id="39" name="Picture 38"/>
-          <p:cNvPicPr>
-            <a:picLocks noChangeAspect="1"/>
-          </p:cNvPicPr>
-          <p:nvPr/>
-        </p:nvPicPr>
-        <p:blipFill>
-          <a:blip r:embed="rId5"/>
-          <a:stretch>
-            <a:fillRect/>
-          </a:stretch>
-        </p:blipFill>
-        <p:spPr>
-          <a:xfrm>
-            <a:off x="1053377" y="2108551"/>
-            <a:ext cx="4914900" cy="3263334"/>
-          </a:xfrm>
-          <a:prstGeom prst="rect">
-            <a:avLst/>
-          </a:prstGeom>
-        </p:spPr>
-      </p:pic>
     </p:spTree>
     <p:extLst>
       <p:ext uri="{BB962C8B-B14F-4D97-AF65-F5344CB8AC3E}">
-        <p14:creationId xmlns:p14="http://schemas.microsoft.com/office/powerpoint/2010/main" val="920450518"/>
+        <p14:creationId xmlns:p14="http://schemas.microsoft.com/office/powerpoint/2010/main" val="3091502264"/>
       </p:ext>
     </p:extLst>
   </p:cSld>
@@ -6324,64 +4684,881 @@
           <a:p>
             <a:r>
               <a:rPr lang="en-IE" dirty="0" smtClean="0"/>
-              <a:t>Simulations of Epidemics</a:t>
+              <a:t>Model </a:t>
             </a:r>
             <a:endParaRPr lang="en-IE" dirty="0"/>
           </a:p>
         </p:txBody>
       </p:sp>
-      <p:pic>
-        <p:nvPicPr>
-          <p:cNvPr id="9" name="Picture 8"/>
-          <p:cNvPicPr>
-            <a:picLocks noChangeAspect="1"/>
-          </p:cNvPicPr>
-          <p:nvPr/>
-        </p:nvPicPr>
-        <p:blipFill>
-          <a:blip r:embed="rId3"/>
-          <a:stretch>
-            <a:fillRect/>
-          </a:stretch>
-        </p:blipFill>
-        <p:spPr>
-          <a:xfrm>
-            <a:off x="90488" y="1265083"/>
-            <a:ext cx="5845465" cy="4588029"/>
-          </a:xfrm>
-          <a:prstGeom prst="rect">
-            <a:avLst/>
-          </a:prstGeom>
-        </p:spPr>
-      </p:pic>
-      <p:pic>
-        <p:nvPicPr>
-          <p:cNvPr id="14" name="Picture 13"/>
-          <p:cNvPicPr>
-            <a:picLocks noChangeAspect="1"/>
-          </p:cNvPicPr>
-          <p:nvPr/>
-        </p:nvPicPr>
-        <p:blipFill>
-          <a:blip r:embed="rId4"/>
-          <a:stretch>
-            <a:fillRect/>
-          </a:stretch>
-        </p:blipFill>
-        <p:spPr>
-          <a:xfrm>
-            <a:off x="6096000" y="1398234"/>
-            <a:ext cx="5948363" cy="4625714"/>
-          </a:xfrm>
-          <a:prstGeom prst="rect">
-            <a:avLst/>
-          </a:prstGeom>
-        </p:spPr>
-      </p:pic>
+      <mc:AlternateContent xmlns:mc="http://schemas.openxmlformats.org/markup-compatibility/2006" xmlns:a14="http://schemas.microsoft.com/office/drawing/2010/main">
+        <mc:Choice Requires="a14">
+          <p:sp>
+            <p:nvSpPr>
+              <p:cNvPr id="3" name="Content Placeholder 2"/>
+              <p:cNvSpPr>
+                <a:spLocks noGrp="1"/>
+              </p:cNvSpPr>
+              <p:nvPr>
+                <p:ph idx="1"/>
+              </p:nvPr>
+            </p:nvSpPr>
+            <p:spPr/>
+            <p:txBody>
+              <a:bodyPr/>
+              <a:lstStyle/>
+              <a:p>
+                <a:r>
+                  <a:rPr lang="en-IE" dirty="0" smtClean="0"/>
+                  <a:t>Discrete time model with branching process characteristics (Start with one infected)</a:t>
+                </a:r>
+              </a:p>
+              <a:p>
+                <a:r>
+                  <a:rPr lang="en-IE" dirty="0" smtClean="0"/>
+                  <a:t>Unique model characteristic; </a:t>
+                </a:r>
+                <a:r>
+                  <a:rPr lang="en-IE" b="1" dirty="0" smtClean="0"/>
+                  <a:t>Time-varying infectivity </a:t>
+                </a:r>
+              </a:p>
+              <a:p>
+                <a:r>
+                  <a:rPr lang="en-IE" dirty="0" smtClean="0"/>
+                  <a:t>Let </a:t>
+                </a:r>
+                <a14:m>
+                  <m:oMath xmlns:m="http://schemas.openxmlformats.org/officeDocument/2006/math">
+                    <m:sSub>
+                      <m:sSubPr>
+                        <m:ctrlPr>
+                          <a:rPr lang="en-IE" b="0" i="1" smtClean="0">
+                            <a:latin typeface="Cambria Math" panose="02040503050406030204" pitchFamily="18" charset="0"/>
+                          </a:rPr>
+                        </m:ctrlPr>
+                      </m:sSubPr>
+                      <m:e>
+                        <m:r>
+                          <a:rPr lang="en-IE" b="0" i="1" smtClean="0">
+                            <a:latin typeface="Cambria Math" panose="02040503050406030204" pitchFamily="18" charset="0"/>
+                          </a:rPr>
+                          <m:t>𝑥</m:t>
+                        </m:r>
+                      </m:e>
+                      <m:sub>
+                        <m:r>
+                          <a:rPr lang="en-IE" b="0" i="1" smtClean="0">
+                            <a:latin typeface="Cambria Math" panose="02040503050406030204" pitchFamily="18" charset="0"/>
+                          </a:rPr>
+                          <m:t>𝑡</m:t>
+                        </m:r>
+                      </m:sub>
+                    </m:sSub>
+                  </m:oMath>
+                </a14:m>
+                <a:r>
+                  <a:rPr lang="en-IE" dirty="0" smtClean="0"/>
+                  <a:t>  = Number of infected in the epidemic</a:t>
+                </a:r>
+              </a:p>
+              <a:p>
+                <a14:m>
+                  <m:oMath xmlns:m="http://schemas.openxmlformats.org/officeDocument/2006/math">
+                    <m:sSub>
+                      <m:sSubPr>
+                        <m:ctrlPr>
+                          <a:rPr lang="en-IE" b="0" i="1" smtClean="0">
+                            <a:latin typeface="Cambria Math" panose="02040503050406030204" pitchFamily="18" charset="0"/>
+                          </a:rPr>
+                        </m:ctrlPr>
+                      </m:sSubPr>
+                      <m:e>
+                        <m:r>
+                          <a:rPr lang="en-IE" b="0" i="1" smtClean="0">
+                            <a:latin typeface="Cambria Math" panose="02040503050406030204" pitchFamily="18" charset="0"/>
+                          </a:rPr>
+                          <m:t>𝑥</m:t>
+                        </m:r>
+                      </m:e>
+                      <m:sub>
+                        <m:r>
+                          <a:rPr lang="en-IE" b="0" i="1" smtClean="0">
+                            <a:latin typeface="Cambria Math" panose="02040503050406030204" pitchFamily="18" charset="0"/>
+                          </a:rPr>
+                          <m:t>𝑡</m:t>
+                        </m:r>
+                      </m:sub>
+                    </m:sSub>
+                    <m:r>
+                      <a:rPr lang="en-IE" b="0" i="1" smtClean="0">
+                        <a:latin typeface="Cambria Math" panose="02040503050406030204" pitchFamily="18" charset="0"/>
+                      </a:rPr>
+                      <m:t> ~ </m:t>
+                    </m:r>
+                    <m:r>
+                      <a:rPr lang="en-IE" b="0" i="1" smtClean="0">
+                        <a:latin typeface="Cambria Math" panose="02040503050406030204" pitchFamily="18" charset="0"/>
+                      </a:rPr>
+                      <m:t>𝑃𝑜𝑖𝑠𝑠𝑜𝑛</m:t>
+                    </m:r>
+                    <m:r>
+                      <a:rPr lang="en-IE" b="0" i="1" smtClean="0">
+                        <a:latin typeface="Cambria Math" panose="02040503050406030204" pitchFamily="18" charset="0"/>
+                      </a:rPr>
+                      <m:t>(</m:t>
+                    </m:r>
+                    <m:r>
+                      <a:rPr lang="en-IE" b="0" i="1" smtClean="0">
+                        <a:latin typeface="Cambria Math" panose="02040503050406030204" pitchFamily="18" charset="0"/>
+                      </a:rPr>
+                      <m:t>𝑟</m:t>
+                    </m:r>
+                    <m:r>
+                      <a:rPr lang="en-IE" b="0" i="1" smtClean="0">
+                        <a:latin typeface="Cambria Math" panose="02040503050406030204" pitchFamily="18" charset="0"/>
+                      </a:rPr>
+                      <m:t>0 ∙ </m:t>
+                    </m:r>
+                    <m:sSub>
+                      <m:sSubPr>
+                        <m:ctrlPr>
+                          <a:rPr lang="en-IE" b="0" i="1" smtClean="0">
+                            <a:latin typeface="Cambria Math" panose="02040503050406030204" pitchFamily="18" charset="0"/>
+                            <a:ea typeface="Cambria Math" panose="02040503050406030204" pitchFamily="18" charset="0"/>
+                          </a:rPr>
+                        </m:ctrlPr>
+                      </m:sSubPr>
+                      <m:e>
+                        <m:r>
+                          <a:rPr lang="en-IE" b="0" i="1" smtClean="0">
+                            <a:latin typeface="Cambria Math" panose="02040503050406030204" pitchFamily="18" charset="0"/>
+                            <a:ea typeface="Cambria Math" panose="02040503050406030204" pitchFamily="18" charset="0"/>
+                          </a:rPr>
+                          <m:t>𝜆</m:t>
+                        </m:r>
+                      </m:e>
+                      <m:sub>
+                        <m:r>
+                          <a:rPr lang="en-IE" b="0" i="1" smtClean="0">
+                            <a:latin typeface="Cambria Math" panose="02040503050406030204" pitchFamily="18" charset="0"/>
+                            <a:ea typeface="Cambria Math" panose="02040503050406030204" pitchFamily="18" charset="0"/>
+                          </a:rPr>
+                          <m:t>𝑡</m:t>
+                        </m:r>
+                      </m:sub>
+                    </m:sSub>
+                    <m:r>
+                      <a:rPr lang="en-IE" b="0" i="1" smtClean="0">
+                        <a:latin typeface="Cambria Math" panose="02040503050406030204" pitchFamily="18" charset="0"/>
+                        <a:ea typeface="Cambria Math" panose="02040503050406030204" pitchFamily="18" charset="0"/>
+                      </a:rPr>
+                      <m:t>)</m:t>
+                    </m:r>
+                  </m:oMath>
+                </a14:m>
+                <a:endParaRPr lang="en-IE" dirty="0" smtClean="0"/>
+              </a:p>
+              <a:p>
+                <a14:m>
+                  <m:oMath xmlns:m="http://schemas.openxmlformats.org/officeDocument/2006/math">
+                    <m:r>
+                      <a:rPr lang="en-IE" i="1" smtClean="0">
+                        <a:latin typeface="Cambria Math" panose="02040503050406030204" pitchFamily="18" charset="0"/>
+                        <a:ea typeface="Cambria Math" panose="02040503050406030204" pitchFamily="18" charset="0"/>
+                      </a:rPr>
+                      <m:t>ℙ</m:t>
+                    </m:r>
+                    <m:d>
+                      <m:dPr>
+                        <m:ctrlPr>
+                          <a:rPr lang="en-IE" b="0" i="1" smtClean="0">
+                            <a:latin typeface="Cambria Math" panose="02040503050406030204" pitchFamily="18" charset="0"/>
+                            <a:ea typeface="Cambria Math" panose="02040503050406030204" pitchFamily="18" charset="0"/>
+                          </a:rPr>
+                        </m:ctrlPr>
+                      </m:dPr>
+                      <m:e>
+                        <m:sSub>
+                          <m:sSubPr>
+                            <m:ctrlPr>
+                              <a:rPr lang="en-IE" b="0" i="1" smtClean="0">
+                                <a:latin typeface="Cambria Math" panose="02040503050406030204" pitchFamily="18" charset="0"/>
+                                <a:ea typeface="Cambria Math" panose="02040503050406030204" pitchFamily="18" charset="0"/>
+                              </a:rPr>
+                            </m:ctrlPr>
+                          </m:sSubPr>
+                          <m:e>
+                            <m:r>
+                              <a:rPr lang="en-IE" b="0" i="1" smtClean="0">
+                                <a:latin typeface="Cambria Math" panose="02040503050406030204" pitchFamily="18" charset="0"/>
+                                <a:ea typeface="Cambria Math" panose="02040503050406030204" pitchFamily="18" charset="0"/>
+                              </a:rPr>
+                              <m:t>𝑥</m:t>
+                            </m:r>
+                          </m:e>
+                          <m:sub>
+                            <m:r>
+                              <a:rPr lang="en-IE" b="0" i="1" smtClean="0">
+                                <a:latin typeface="Cambria Math" panose="02040503050406030204" pitchFamily="18" charset="0"/>
+                                <a:ea typeface="Cambria Math" panose="02040503050406030204" pitchFamily="18" charset="0"/>
+                              </a:rPr>
+                              <m:t>𝑡</m:t>
+                            </m:r>
+                          </m:sub>
+                        </m:sSub>
+                      </m:e>
+                    </m:d>
+                    <m:r>
+                      <a:rPr lang="en-IE" b="0" i="1" smtClean="0">
+                        <a:latin typeface="Cambria Math" panose="02040503050406030204" pitchFamily="18" charset="0"/>
+                        <a:ea typeface="Cambria Math" panose="02040503050406030204" pitchFamily="18" charset="0"/>
+                      </a:rPr>
+                      <m:t>=</m:t>
+                    </m:r>
+                    <m:f>
+                      <m:fPr>
+                        <m:ctrlPr>
+                          <a:rPr lang="en-IE" b="0" i="1" smtClean="0">
+                            <a:latin typeface="Cambria Math" panose="02040503050406030204" pitchFamily="18" charset="0"/>
+                            <a:ea typeface="Cambria Math" panose="02040503050406030204" pitchFamily="18" charset="0"/>
+                          </a:rPr>
+                        </m:ctrlPr>
+                      </m:fPr>
+                      <m:num>
+                        <m:sSup>
+                          <m:sSupPr>
+                            <m:ctrlPr>
+                              <a:rPr lang="en-IE" i="1" smtClean="0">
+                                <a:latin typeface="Cambria Math" panose="02040503050406030204" pitchFamily="18" charset="0"/>
+                                <a:ea typeface="Cambria Math" panose="02040503050406030204" pitchFamily="18" charset="0"/>
+                              </a:rPr>
+                            </m:ctrlPr>
+                          </m:sSupPr>
+                          <m:e>
+                            <m:r>
+                              <a:rPr lang="en-IE" i="1">
+                                <a:latin typeface="Cambria Math" panose="02040503050406030204" pitchFamily="18" charset="0"/>
+                              </a:rPr>
+                              <m:t>(</m:t>
+                            </m:r>
+                            <m:r>
+                              <a:rPr lang="en-IE" i="1">
+                                <a:latin typeface="Cambria Math" panose="02040503050406030204" pitchFamily="18" charset="0"/>
+                              </a:rPr>
+                              <m:t>𝑟</m:t>
+                            </m:r>
+                            <m:r>
+                              <a:rPr lang="en-IE" i="1">
+                                <a:latin typeface="Cambria Math" panose="02040503050406030204" pitchFamily="18" charset="0"/>
+                              </a:rPr>
+                              <m:t>0 ∙ </m:t>
+                            </m:r>
+                            <m:sSub>
+                              <m:sSubPr>
+                                <m:ctrlPr>
+                                  <a:rPr lang="en-IE" i="1">
+                                    <a:latin typeface="Cambria Math" panose="02040503050406030204" pitchFamily="18" charset="0"/>
+                                    <a:ea typeface="Cambria Math" panose="02040503050406030204" pitchFamily="18" charset="0"/>
+                                  </a:rPr>
+                                </m:ctrlPr>
+                              </m:sSubPr>
+                              <m:e>
+                                <m:r>
+                                  <a:rPr lang="en-IE" i="1">
+                                    <a:latin typeface="Cambria Math" panose="02040503050406030204" pitchFamily="18" charset="0"/>
+                                    <a:ea typeface="Cambria Math" panose="02040503050406030204" pitchFamily="18" charset="0"/>
+                                  </a:rPr>
+                                  <m:t>𝜆</m:t>
+                                </m:r>
+                              </m:e>
+                              <m:sub>
+                                <m:r>
+                                  <a:rPr lang="en-IE" i="1">
+                                    <a:latin typeface="Cambria Math" panose="02040503050406030204" pitchFamily="18" charset="0"/>
+                                    <a:ea typeface="Cambria Math" panose="02040503050406030204" pitchFamily="18" charset="0"/>
+                                  </a:rPr>
+                                  <m:t>𝑡</m:t>
+                                </m:r>
+                              </m:sub>
+                            </m:sSub>
+                            <m:r>
+                              <a:rPr lang="en-IE" i="1">
+                                <a:latin typeface="Cambria Math" panose="02040503050406030204" pitchFamily="18" charset="0"/>
+                                <a:ea typeface="Cambria Math" panose="02040503050406030204" pitchFamily="18" charset="0"/>
+                              </a:rPr>
+                              <m:t>)</m:t>
+                            </m:r>
+                          </m:e>
+                          <m:sup>
+                            <m:sSub>
+                              <m:sSubPr>
+                                <m:ctrlPr>
+                                  <a:rPr lang="en-IE" b="0" i="1" smtClean="0">
+                                    <a:latin typeface="Cambria Math" panose="02040503050406030204" pitchFamily="18" charset="0"/>
+                                    <a:ea typeface="Cambria Math" panose="02040503050406030204" pitchFamily="18" charset="0"/>
+                                  </a:rPr>
+                                </m:ctrlPr>
+                              </m:sSubPr>
+                              <m:e>
+                                <m:r>
+                                  <a:rPr lang="en-IE" b="0" i="1" smtClean="0">
+                                    <a:latin typeface="Cambria Math" panose="02040503050406030204" pitchFamily="18" charset="0"/>
+                                    <a:ea typeface="Cambria Math" panose="02040503050406030204" pitchFamily="18" charset="0"/>
+                                  </a:rPr>
+                                  <m:t>𝑥</m:t>
+                                </m:r>
+                              </m:e>
+                              <m:sub>
+                                <m:r>
+                                  <a:rPr lang="en-IE" b="0" i="1" smtClean="0">
+                                    <a:latin typeface="Cambria Math" panose="02040503050406030204" pitchFamily="18" charset="0"/>
+                                    <a:ea typeface="Cambria Math" panose="02040503050406030204" pitchFamily="18" charset="0"/>
+                                  </a:rPr>
+                                  <m:t>𝑡</m:t>
+                                </m:r>
+                              </m:sub>
+                            </m:sSub>
+                          </m:sup>
+                        </m:sSup>
+                        <m:r>
+                          <m:rPr>
+                            <m:nor/>
+                          </m:rPr>
+                          <a:rPr lang="en-IE" dirty="0"/>
+                          <m:t> </m:t>
+                        </m:r>
+                        <m:r>
+                          <m:rPr>
+                            <m:sty m:val="p"/>
+                          </m:rPr>
+                          <a:rPr lang="en-IE">
+                            <a:latin typeface="Cambria Math" panose="02040503050406030204" pitchFamily="18" charset="0"/>
+                            <a:ea typeface="Cambria Math" panose="02040503050406030204" pitchFamily="18" charset="0"/>
+                          </a:rPr>
+                          <m:t>exp</m:t>
+                        </m:r>
+                        <m:r>
+                          <a:rPr lang="en-IE" i="1">
+                            <a:latin typeface="Cambria Math" panose="02040503050406030204" pitchFamily="18" charset="0"/>
+                            <a:ea typeface="Cambria Math" panose="02040503050406030204" pitchFamily="18" charset="0"/>
+                          </a:rPr>
+                          <m:t>⁡(</m:t>
+                        </m:r>
+                        <m:r>
+                          <a:rPr lang="en-IE" i="1">
+                            <a:latin typeface="Cambria Math" panose="02040503050406030204" pitchFamily="18" charset="0"/>
+                          </a:rPr>
+                          <m:t>𝑟</m:t>
+                        </m:r>
+                        <m:r>
+                          <a:rPr lang="en-IE" i="1">
+                            <a:latin typeface="Cambria Math" panose="02040503050406030204" pitchFamily="18" charset="0"/>
+                          </a:rPr>
+                          <m:t>0 ∙ </m:t>
+                        </m:r>
+                        <m:sSub>
+                          <m:sSubPr>
+                            <m:ctrlPr>
+                              <a:rPr lang="en-IE" i="1">
+                                <a:latin typeface="Cambria Math" panose="02040503050406030204" pitchFamily="18" charset="0"/>
+                                <a:ea typeface="Cambria Math" panose="02040503050406030204" pitchFamily="18" charset="0"/>
+                              </a:rPr>
+                            </m:ctrlPr>
+                          </m:sSubPr>
+                          <m:e>
+                            <m:r>
+                              <a:rPr lang="en-IE" i="1">
+                                <a:latin typeface="Cambria Math" panose="02040503050406030204" pitchFamily="18" charset="0"/>
+                                <a:ea typeface="Cambria Math" panose="02040503050406030204" pitchFamily="18" charset="0"/>
+                              </a:rPr>
+                              <m:t>𝜆</m:t>
+                            </m:r>
+                          </m:e>
+                          <m:sub>
+                            <m:r>
+                              <a:rPr lang="en-IE" i="1">
+                                <a:latin typeface="Cambria Math" panose="02040503050406030204" pitchFamily="18" charset="0"/>
+                                <a:ea typeface="Cambria Math" panose="02040503050406030204" pitchFamily="18" charset="0"/>
+                              </a:rPr>
+                              <m:t>𝑡</m:t>
+                            </m:r>
+                          </m:sub>
+                        </m:sSub>
+                        <m:r>
+                          <a:rPr lang="en-IE" i="1">
+                            <a:latin typeface="Cambria Math" panose="02040503050406030204" pitchFamily="18" charset="0"/>
+                            <a:ea typeface="Cambria Math" panose="02040503050406030204" pitchFamily="18" charset="0"/>
+                          </a:rPr>
+                          <m:t>)</m:t>
+                        </m:r>
+                      </m:num>
+                      <m:den>
+                        <m:sSub>
+                          <m:sSubPr>
+                            <m:ctrlPr>
+                              <a:rPr lang="en-IE" b="0" i="1" smtClean="0">
+                                <a:latin typeface="Cambria Math" panose="02040503050406030204" pitchFamily="18" charset="0"/>
+                                <a:ea typeface="Cambria Math" panose="02040503050406030204" pitchFamily="18" charset="0"/>
+                              </a:rPr>
+                            </m:ctrlPr>
+                          </m:sSubPr>
+                          <m:e>
+                            <m:r>
+                              <a:rPr lang="en-IE" b="0" i="1" smtClean="0">
+                                <a:latin typeface="Cambria Math" panose="02040503050406030204" pitchFamily="18" charset="0"/>
+                                <a:ea typeface="Cambria Math" panose="02040503050406030204" pitchFamily="18" charset="0"/>
+                              </a:rPr>
+                              <m:t>𝑥</m:t>
+                            </m:r>
+                          </m:e>
+                          <m:sub>
+                            <m:r>
+                              <a:rPr lang="en-IE" b="0" i="1" smtClean="0">
+                                <a:latin typeface="Cambria Math" panose="02040503050406030204" pitchFamily="18" charset="0"/>
+                                <a:ea typeface="Cambria Math" panose="02040503050406030204" pitchFamily="18" charset="0"/>
+                              </a:rPr>
+                              <m:t>𝑡</m:t>
+                            </m:r>
+                          </m:sub>
+                        </m:sSub>
+                        <m:r>
+                          <a:rPr lang="en-IE" b="0" i="1" smtClean="0">
+                            <a:latin typeface="Cambria Math" panose="02040503050406030204" pitchFamily="18" charset="0"/>
+                            <a:ea typeface="Cambria Math" panose="02040503050406030204" pitchFamily="18" charset="0"/>
+                          </a:rPr>
+                          <m:t>!</m:t>
+                        </m:r>
+                      </m:den>
+                    </m:f>
+                  </m:oMath>
+                </a14:m>
+                <a:endParaRPr lang="en-IE" b="0" dirty="0" smtClean="0">
+                  <a:ea typeface="Cambria Math" panose="02040503050406030204" pitchFamily="18" charset="0"/>
+                </a:endParaRPr>
+              </a:p>
+              <a:p>
+                <a:pPr marL="0" indent="0">
+                  <a:buNone/>
+                </a:pPr>
+                <a:r>
+                  <a:rPr lang="en-IE" dirty="0" smtClean="0"/>
+                  <a:t>    With </a:t>
+                </a:r>
+              </a:p>
+              <a:p>
+                <a14:m>
+                  <m:oMath xmlns:m="http://schemas.openxmlformats.org/officeDocument/2006/math">
+                    <m:sSub>
+                      <m:sSubPr>
+                        <m:ctrlPr>
+                          <a:rPr lang="en-IE" i="1">
+                            <a:latin typeface="Cambria Math" panose="02040503050406030204" pitchFamily="18" charset="0"/>
+                            <a:ea typeface="Cambria Math" panose="02040503050406030204" pitchFamily="18" charset="0"/>
+                          </a:rPr>
+                        </m:ctrlPr>
+                      </m:sSubPr>
+                      <m:e>
+                        <m:r>
+                          <a:rPr lang="en-IE" i="1">
+                            <a:latin typeface="Cambria Math" panose="02040503050406030204" pitchFamily="18" charset="0"/>
+                            <a:ea typeface="Cambria Math" panose="02040503050406030204" pitchFamily="18" charset="0"/>
+                          </a:rPr>
+                          <m:t>𝜆</m:t>
+                        </m:r>
+                      </m:e>
+                      <m:sub>
+                        <m:r>
+                          <a:rPr lang="en-IE" i="1">
+                            <a:latin typeface="Cambria Math" panose="02040503050406030204" pitchFamily="18" charset="0"/>
+                            <a:ea typeface="Cambria Math" panose="02040503050406030204" pitchFamily="18" charset="0"/>
+                          </a:rPr>
+                          <m:t>𝑡</m:t>
+                        </m:r>
+                      </m:sub>
+                    </m:sSub>
+                  </m:oMath>
+                </a14:m>
+                <a:r>
+                  <a:rPr lang="en-IE" dirty="0" smtClean="0"/>
+                  <a:t> representing the ‘infectious pressure’ of the entire population, </a:t>
+                </a:r>
+              </a:p>
+              <a:p>
+                <a:pPr marL="0" indent="0">
+                  <a:buNone/>
+                </a:pPr>
+                <a:r>
+                  <a:rPr lang="en-IE" dirty="0"/>
+                  <a:t> </a:t>
+                </a:r>
+                <a:r>
+                  <a:rPr lang="en-IE" dirty="0" smtClean="0"/>
+                  <a:t>    </a:t>
+                </a:r>
+                <a:r>
+                  <a:rPr lang="en-IE" dirty="0" err="1" smtClean="0"/>
+                  <a:t>i.e</a:t>
+                </a:r>
+                <a:r>
+                  <a:rPr lang="en-IE" dirty="0" smtClean="0"/>
+                  <a:t> the sum of the infectiousness curve of each individual;</a:t>
+                </a:r>
+                <a:endParaRPr lang="en-IE" dirty="0"/>
+              </a:p>
+              <a:p>
+                <a14:m>
+                  <m:oMath xmlns:m="http://schemas.openxmlformats.org/officeDocument/2006/math">
+                    <m:sSub>
+                      <m:sSubPr>
+                        <m:ctrlPr>
+                          <a:rPr lang="en-IE" i="1">
+                            <a:latin typeface="Cambria Math" panose="02040503050406030204" pitchFamily="18" charset="0"/>
+                            <a:ea typeface="Cambria Math" panose="02040503050406030204" pitchFamily="18" charset="0"/>
+                          </a:rPr>
+                        </m:ctrlPr>
+                      </m:sSubPr>
+                      <m:e>
+                        <m:r>
+                          <a:rPr lang="en-IE" i="1">
+                            <a:latin typeface="Cambria Math" panose="02040503050406030204" pitchFamily="18" charset="0"/>
+                            <a:ea typeface="Cambria Math" panose="02040503050406030204" pitchFamily="18" charset="0"/>
+                          </a:rPr>
+                          <m:t>𝜆</m:t>
+                        </m:r>
+                      </m:e>
+                      <m:sub>
+                        <m:r>
+                          <a:rPr lang="en-IE" i="1">
+                            <a:latin typeface="Cambria Math" panose="02040503050406030204" pitchFamily="18" charset="0"/>
+                            <a:ea typeface="Cambria Math" panose="02040503050406030204" pitchFamily="18" charset="0"/>
+                          </a:rPr>
+                          <m:t>𝑡</m:t>
+                        </m:r>
+                      </m:sub>
+                    </m:sSub>
+                    <m:r>
+                      <a:rPr lang="en-IE" b="0" i="1" smtClean="0">
+                        <a:latin typeface="Cambria Math" panose="02040503050406030204" pitchFamily="18" charset="0"/>
+                        <a:ea typeface="Cambria Math" panose="02040503050406030204" pitchFamily="18" charset="0"/>
+                      </a:rPr>
+                      <m:t>=</m:t>
+                    </m:r>
+                    <m:nary>
+                      <m:naryPr>
+                        <m:chr m:val="∑"/>
+                        <m:ctrlPr>
+                          <a:rPr lang="en-IE" b="0" i="1" smtClean="0">
+                            <a:latin typeface="Cambria Math" panose="02040503050406030204" pitchFamily="18" charset="0"/>
+                            <a:ea typeface="Cambria Math" panose="02040503050406030204" pitchFamily="18" charset="0"/>
+                          </a:rPr>
+                        </m:ctrlPr>
+                      </m:naryPr>
+                      <m:sub>
+                        <m:r>
+                          <m:rPr>
+                            <m:brk m:alnAt="23"/>
+                          </m:rPr>
+                          <a:rPr lang="en-IE" b="0" i="1" smtClean="0">
+                            <a:latin typeface="Cambria Math" panose="02040503050406030204" pitchFamily="18" charset="0"/>
+                            <a:ea typeface="Cambria Math" panose="02040503050406030204" pitchFamily="18" charset="0"/>
+                          </a:rPr>
+                          <m:t>𝑖</m:t>
+                        </m:r>
+                        <m:r>
+                          <a:rPr lang="en-IE" b="0" i="1" smtClean="0">
+                            <a:latin typeface="Cambria Math" panose="02040503050406030204" pitchFamily="18" charset="0"/>
+                            <a:ea typeface="Cambria Math" panose="02040503050406030204" pitchFamily="18" charset="0"/>
+                          </a:rPr>
+                          <m:t>=1</m:t>
+                        </m:r>
+                      </m:sub>
+                      <m:sup>
+                        <m:r>
+                          <a:rPr lang="en-IE" b="0" i="1" smtClean="0">
+                            <a:latin typeface="Cambria Math" panose="02040503050406030204" pitchFamily="18" charset="0"/>
+                            <a:ea typeface="Cambria Math" panose="02040503050406030204" pitchFamily="18" charset="0"/>
+                          </a:rPr>
+                          <m:t>𝑡</m:t>
+                        </m:r>
+                        <m:r>
+                          <a:rPr lang="en-IE" b="0" i="1" smtClean="0">
+                            <a:latin typeface="Cambria Math" panose="02040503050406030204" pitchFamily="18" charset="0"/>
+                            <a:ea typeface="Cambria Math" panose="02040503050406030204" pitchFamily="18" charset="0"/>
+                          </a:rPr>
+                          <m:t>−1</m:t>
+                        </m:r>
+                      </m:sup>
+                      <m:e>
+                        <m:sSub>
+                          <m:sSubPr>
+                            <m:ctrlPr>
+                              <a:rPr lang="en-IE" b="0" i="1" smtClean="0">
+                                <a:latin typeface="Cambria Math" panose="02040503050406030204" pitchFamily="18" charset="0"/>
+                                <a:ea typeface="Cambria Math" panose="02040503050406030204" pitchFamily="18" charset="0"/>
+                              </a:rPr>
+                            </m:ctrlPr>
+                          </m:sSubPr>
+                          <m:e>
+                            <m:r>
+                              <a:rPr lang="en-IE" b="0" i="1" smtClean="0">
+                                <a:latin typeface="Cambria Math" panose="02040503050406030204" pitchFamily="18" charset="0"/>
+                                <a:ea typeface="Cambria Math" panose="02040503050406030204" pitchFamily="18" charset="0"/>
+                              </a:rPr>
+                              <m:t>𝑥</m:t>
+                            </m:r>
+                          </m:e>
+                          <m:sub>
+                            <m:r>
+                              <a:rPr lang="en-IE" b="0" i="1" smtClean="0">
+                                <a:latin typeface="Cambria Math" panose="02040503050406030204" pitchFamily="18" charset="0"/>
+                                <a:ea typeface="Cambria Math" panose="02040503050406030204" pitchFamily="18" charset="0"/>
+                              </a:rPr>
+                              <m:t>𝑖</m:t>
+                            </m:r>
+                          </m:sub>
+                        </m:sSub>
+                        <m:r>
+                          <a:rPr lang="en-IE" b="0" i="1" smtClean="0">
+                            <a:latin typeface="Cambria Math" panose="02040503050406030204" pitchFamily="18" charset="0"/>
+                            <a:ea typeface="Cambria Math" panose="02040503050406030204" pitchFamily="18" charset="0"/>
+                          </a:rPr>
+                          <m:t> ∙(</m:t>
+                        </m:r>
+                        <m:r>
+                          <m:rPr>
+                            <m:sty m:val="p"/>
+                          </m:rPr>
+                          <a:rPr lang="el-GR" b="0" i="1" smtClean="0">
+                            <a:latin typeface="Cambria Math" panose="02040503050406030204" pitchFamily="18" charset="0"/>
+                            <a:ea typeface="Cambria Math" panose="02040503050406030204" pitchFamily="18" charset="0"/>
+                          </a:rPr>
+                          <m:t>Γ</m:t>
+                        </m:r>
+                        <m:d>
+                          <m:dPr>
+                            <m:ctrlPr>
+                              <a:rPr lang="en-IE" b="0" i="1" smtClean="0">
+                                <a:latin typeface="Cambria Math" panose="02040503050406030204" pitchFamily="18" charset="0"/>
+                                <a:ea typeface="Cambria Math" panose="02040503050406030204" pitchFamily="18" charset="0"/>
+                              </a:rPr>
+                            </m:ctrlPr>
+                          </m:dPr>
+                          <m:e>
+                            <m:d>
+                              <m:dPr>
+                                <m:ctrlPr>
+                                  <a:rPr lang="en-IE" b="0" i="1" smtClean="0">
+                                    <a:latin typeface="Cambria Math" panose="02040503050406030204" pitchFamily="18" charset="0"/>
+                                    <a:ea typeface="Cambria Math" panose="02040503050406030204" pitchFamily="18" charset="0"/>
+                                  </a:rPr>
+                                </m:ctrlPr>
+                              </m:dPr>
+                              <m:e>
+                                <m:r>
+                                  <a:rPr lang="en-IE" b="0" i="1" smtClean="0">
+                                    <a:latin typeface="Cambria Math" panose="02040503050406030204" pitchFamily="18" charset="0"/>
+                                    <a:ea typeface="Cambria Math" panose="02040503050406030204" pitchFamily="18" charset="0"/>
+                                  </a:rPr>
+                                  <m:t>𝑡</m:t>
+                                </m:r>
+                                <m:r>
+                                  <a:rPr lang="en-IE" b="0" i="1" smtClean="0">
+                                    <a:latin typeface="Cambria Math" panose="02040503050406030204" pitchFamily="18" charset="0"/>
+                                    <a:ea typeface="Cambria Math" panose="02040503050406030204" pitchFamily="18" charset="0"/>
+                                  </a:rPr>
+                                  <m:t>−</m:t>
+                                </m:r>
+                                <m:r>
+                                  <a:rPr lang="en-IE" b="0" i="1" smtClean="0">
+                                    <a:latin typeface="Cambria Math" panose="02040503050406030204" pitchFamily="18" charset="0"/>
+                                    <a:ea typeface="Cambria Math" panose="02040503050406030204" pitchFamily="18" charset="0"/>
+                                  </a:rPr>
+                                  <m:t>𝑖</m:t>
+                                </m:r>
+                              </m:e>
+                            </m:d>
+                            <m:r>
+                              <a:rPr lang="en-IE" b="0" i="1" smtClean="0">
+                                <a:latin typeface="Cambria Math" panose="02040503050406030204" pitchFamily="18" charset="0"/>
+                                <a:ea typeface="Cambria Math" panose="02040503050406030204" pitchFamily="18" charset="0"/>
+                              </a:rPr>
+                              <m:t>;</m:t>
+                            </m:r>
+                            <m:r>
+                              <a:rPr lang="en-IE" b="0" i="1" smtClean="0">
+                                <a:latin typeface="Cambria Math" panose="02040503050406030204" pitchFamily="18" charset="0"/>
+                                <a:ea typeface="Cambria Math" panose="02040503050406030204" pitchFamily="18" charset="0"/>
+                              </a:rPr>
+                              <m:t>𝑘</m:t>
+                            </m:r>
+                            <m:r>
+                              <a:rPr lang="en-IE" b="0" i="1" smtClean="0">
+                                <a:latin typeface="Cambria Math" panose="02040503050406030204" pitchFamily="18" charset="0"/>
+                                <a:ea typeface="Cambria Math" panose="02040503050406030204" pitchFamily="18" charset="0"/>
+                              </a:rPr>
+                              <m:t>, </m:t>
+                            </m:r>
+                            <m:r>
+                              <a:rPr lang="en-IE" b="0" i="1" smtClean="0">
+                                <a:latin typeface="Cambria Math" panose="02040503050406030204" pitchFamily="18" charset="0"/>
+                                <a:ea typeface="Cambria Math" panose="02040503050406030204" pitchFamily="18" charset="0"/>
+                              </a:rPr>
+                              <m:t>𝜃</m:t>
+                            </m:r>
+                          </m:e>
+                        </m:d>
+                        <m:r>
+                          <a:rPr lang="en-IE" b="0" i="1" smtClean="0">
+                            <a:latin typeface="Cambria Math" panose="02040503050406030204" pitchFamily="18" charset="0"/>
+                            <a:ea typeface="Cambria Math" panose="02040503050406030204" pitchFamily="18" charset="0"/>
+                          </a:rPr>
+                          <m:t> −</m:t>
+                        </m:r>
+                        <m:r>
+                          <m:rPr>
+                            <m:sty m:val="p"/>
+                          </m:rPr>
+                          <a:rPr lang="el-GR" i="1">
+                            <a:latin typeface="Cambria Math" panose="02040503050406030204" pitchFamily="18" charset="0"/>
+                            <a:ea typeface="Cambria Math" panose="02040503050406030204" pitchFamily="18" charset="0"/>
+                          </a:rPr>
+                          <m:t>Γ</m:t>
+                        </m:r>
+                        <m:r>
+                          <a:rPr lang="en-IE" b="0" i="1" smtClean="0">
+                            <a:latin typeface="Cambria Math" panose="02040503050406030204" pitchFamily="18" charset="0"/>
+                            <a:ea typeface="Cambria Math" panose="02040503050406030204" pitchFamily="18" charset="0"/>
+                          </a:rPr>
+                          <m:t>(</m:t>
+                        </m:r>
+                        <m:d>
+                          <m:dPr>
+                            <m:ctrlPr>
+                              <a:rPr lang="en-IE" b="0" i="1" smtClean="0">
+                                <a:latin typeface="Cambria Math" panose="02040503050406030204" pitchFamily="18" charset="0"/>
+                                <a:ea typeface="Cambria Math" panose="02040503050406030204" pitchFamily="18" charset="0"/>
+                              </a:rPr>
+                            </m:ctrlPr>
+                          </m:dPr>
+                          <m:e>
+                            <m:r>
+                              <a:rPr lang="en-IE" b="0" i="1" smtClean="0">
+                                <a:latin typeface="Cambria Math" panose="02040503050406030204" pitchFamily="18" charset="0"/>
+                                <a:ea typeface="Cambria Math" panose="02040503050406030204" pitchFamily="18" charset="0"/>
+                              </a:rPr>
+                              <m:t>𝑡</m:t>
+                            </m:r>
+                            <m:r>
+                              <a:rPr lang="en-IE" b="0" i="1" smtClean="0">
+                                <a:latin typeface="Cambria Math" panose="02040503050406030204" pitchFamily="18" charset="0"/>
+                                <a:ea typeface="Cambria Math" panose="02040503050406030204" pitchFamily="18" charset="0"/>
+                              </a:rPr>
+                              <m:t>−</m:t>
+                            </m:r>
+                            <m:r>
+                              <a:rPr lang="en-IE" b="0" i="1" smtClean="0">
+                                <a:latin typeface="Cambria Math" panose="02040503050406030204" pitchFamily="18" charset="0"/>
+                                <a:ea typeface="Cambria Math" panose="02040503050406030204" pitchFamily="18" charset="0"/>
+                              </a:rPr>
+                              <m:t>𝑖</m:t>
+                            </m:r>
+                            <m:r>
+                              <a:rPr lang="en-IE" b="0" i="1" smtClean="0">
+                                <a:latin typeface="Cambria Math" panose="02040503050406030204" pitchFamily="18" charset="0"/>
+                                <a:ea typeface="Cambria Math" panose="02040503050406030204" pitchFamily="18" charset="0"/>
+                              </a:rPr>
+                              <m:t>−1</m:t>
+                            </m:r>
+                          </m:e>
+                        </m:d>
+                        <m:r>
+                          <a:rPr lang="en-IE" b="0" i="1" smtClean="0">
+                            <a:latin typeface="Cambria Math" panose="02040503050406030204" pitchFamily="18" charset="0"/>
+                            <a:ea typeface="Cambria Math" panose="02040503050406030204" pitchFamily="18" charset="0"/>
+                          </a:rPr>
+                          <m:t>;</m:t>
+                        </m:r>
+                        <m:r>
+                          <a:rPr lang="en-IE" b="0" i="1" smtClean="0">
+                            <a:latin typeface="Cambria Math" panose="02040503050406030204" pitchFamily="18" charset="0"/>
+                            <a:ea typeface="Cambria Math" panose="02040503050406030204" pitchFamily="18" charset="0"/>
+                          </a:rPr>
+                          <m:t>𝑘</m:t>
+                        </m:r>
+                        <m:r>
+                          <a:rPr lang="en-IE" b="0" i="1" smtClean="0">
+                            <a:latin typeface="Cambria Math" panose="02040503050406030204" pitchFamily="18" charset="0"/>
+                            <a:ea typeface="Cambria Math" panose="02040503050406030204" pitchFamily="18" charset="0"/>
+                          </a:rPr>
+                          <m:t>,</m:t>
+                        </m:r>
+                        <m:r>
+                          <a:rPr lang="en-IE" i="1">
+                            <a:latin typeface="Cambria Math" panose="02040503050406030204" pitchFamily="18" charset="0"/>
+                            <a:ea typeface="Cambria Math" panose="02040503050406030204" pitchFamily="18" charset="0"/>
+                          </a:rPr>
+                          <m:t>𝜃</m:t>
+                        </m:r>
+                        <m:r>
+                          <m:rPr>
+                            <m:nor/>
+                          </m:rPr>
+                          <a:rPr lang="en-IE" dirty="0"/>
+                          <m:t> </m:t>
+                        </m:r>
+                        <m:r>
+                          <a:rPr lang="en-IE" b="0" i="1" dirty="0" smtClean="0">
+                            <a:latin typeface="Cambria Math" panose="02040503050406030204" pitchFamily="18" charset="0"/>
+                          </a:rPr>
+                          <m:t>)</m:t>
+                        </m:r>
+                      </m:e>
+                    </m:nary>
+                  </m:oMath>
+                </a14:m>
+                <a:endParaRPr lang="en-IE" dirty="0" smtClean="0"/>
+              </a:p>
+            </p:txBody>
+          </p:sp>
+        </mc:Choice>
+        <mc:Fallback xmlns="">
+          <p:sp>
+            <p:nvSpPr>
+              <p:cNvPr id="3" name="Content Placeholder 2"/>
+              <p:cNvSpPr>
+                <a:spLocks noGrp="1" noRot="1" noChangeAspect="1" noMove="1" noResize="1" noEditPoints="1" noAdjustHandles="1" noChangeArrowheads="1" noChangeShapeType="1" noTextEdit="1"/>
+              </p:cNvSpPr>
+              <p:nvPr>
+                <p:ph idx="1"/>
+              </p:nvPr>
+            </p:nvSpPr>
+            <p:spPr>
+              <a:blipFill>
+                <a:blip r:embed="rId2"/>
+                <a:stretch>
+                  <a:fillRect l="-696" t="-1585" r="-174" b="-5416"/>
+                </a:stretch>
+              </a:blipFill>
+            </p:spPr>
+            <p:txBody>
+              <a:bodyPr/>
+              <a:lstStyle/>
+              <a:p>
+                <a:r>
+                  <a:rPr lang="en-IE">
+                    <a:noFill/>
+                  </a:rPr>
+                  <a:t> </a:t>
+                </a:r>
+              </a:p>
+            </p:txBody>
+          </p:sp>
+        </mc:Fallback>
+      </mc:AlternateContent>
     </p:spTree>
     <p:extLst>
       <p:ext uri="{BB962C8B-B14F-4D97-AF65-F5344CB8AC3E}">
-        <p14:creationId xmlns:p14="http://schemas.microsoft.com/office/powerpoint/2010/main" val="670217177"/>
+        <p14:creationId xmlns:p14="http://schemas.microsoft.com/office/powerpoint/2010/main" val="3720049693"/>
       </p:ext>
     </p:extLst>
   </p:cSld>
@@ -6432,15 +5609,86 @@
           <a:p>
             <a:r>
               <a:rPr lang="en-IE" dirty="0" smtClean="0"/>
-              <a:t>Simulations of Epidemics</a:t>
+              <a:t>Model </a:t>
             </a:r>
             <a:endParaRPr lang="en-IE" dirty="0"/>
+          </a:p>
+        </p:txBody>
+      </p:sp>
+      <p:sp>
+        <p:nvSpPr>
+          <p:cNvPr id="3" name="Content Placeholder 2"/>
+          <p:cNvSpPr>
+            <a:spLocks noGrp="1"/>
+          </p:cNvSpPr>
+          <p:nvPr>
+            <p:ph idx="1"/>
+          </p:nvPr>
+        </p:nvSpPr>
+        <p:spPr>
+          <a:xfrm>
+            <a:off x="838200" y="1257670"/>
+            <a:ext cx="10515600" cy="4614493"/>
+          </a:xfrm>
+        </p:spPr>
+        <p:txBody>
+          <a:bodyPr/>
+          <a:lstStyle/>
+          <a:p>
+            <a:r>
+              <a:rPr lang="en-IE" sz="2000" dirty="0" smtClean="0"/>
+              <a:t>Discrete time model with Branching process characteristics </a:t>
+            </a:r>
+          </a:p>
+          <a:p>
+            <a:r>
+              <a:rPr lang="en-IE" sz="2000" dirty="0" smtClean="0"/>
+              <a:t>Unique model characteristic; </a:t>
+            </a:r>
+            <a:r>
+              <a:rPr lang="en-IE" sz="2000" b="1" dirty="0" smtClean="0">
+                <a:solidFill>
+                  <a:srgbClr val="FFC000"/>
+                </a:solidFill>
+              </a:rPr>
+              <a:t>Time-varying infectivity </a:t>
+            </a:r>
+          </a:p>
+          <a:p>
+            <a:pPr marL="0" indent="0">
+              <a:buNone/>
+            </a:pPr>
+            <a:endParaRPr lang="en-IE" dirty="0" smtClean="0"/>
           </a:p>
         </p:txBody>
       </p:sp>
       <p:pic>
         <p:nvPicPr>
-          <p:cNvPr id="9" name="Picture 8"/>
+          <p:cNvPr id="5" name="Picture 4"/>
+          <p:cNvPicPr>
+            <a:picLocks noChangeAspect="1"/>
+          </p:cNvPicPr>
+          <p:nvPr/>
+        </p:nvPicPr>
+        <p:blipFill>
+          <a:blip r:embed="rId2"/>
+          <a:stretch>
+            <a:fillRect/>
+          </a:stretch>
+        </p:blipFill>
+        <p:spPr>
+          <a:xfrm>
+            <a:off x="965401" y="2240203"/>
+            <a:ext cx="4953915" cy="3284989"/>
+          </a:xfrm>
+          <a:prstGeom prst="rect">
+            <a:avLst/>
+          </a:prstGeom>
+        </p:spPr>
+      </p:pic>
+      <p:pic>
+        <p:nvPicPr>
+          <p:cNvPr id="6" name="Picture 5"/>
           <p:cNvPicPr>
             <a:picLocks noChangeAspect="1"/>
           </p:cNvPicPr>
@@ -6454,56 +5702,8 @@
         </p:blipFill>
         <p:spPr>
           <a:xfrm>
-            <a:off x="90488" y="1265083"/>
-            <a:ext cx="5845465" cy="4588029"/>
-          </a:xfrm>
-          <a:prstGeom prst="rect">
-            <a:avLst/>
-          </a:prstGeom>
-        </p:spPr>
-      </p:pic>
-      <p:pic>
-        <p:nvPicPr>
-          <p:cNvPr id="14" name="Picture 13"/>
-          <p:cNvPicPr>
-            <a:picLocks noChangeAspect="1"/>
-          </p:cNvPicPr>
-          <p:nvPr/>
-        </p:nvPicPr>
-        <p:blipFill>
-          <a:blip r:embed="rId4"/>
-          <a:stretch>
-            <a:fillRect/>
-          </a:stretch>
-        </p:blipFill>
-        <p:spPr>
-          <a:xfrm>
-            <a:off x="6096000" y="1398234"/>
-            <a:ext cx="5948363" cy="4625714"/>
-          </a:xfrm>
-          <a:prstGeom prst="rect">
-            <a:avLst/>
-          </a:prstGeom>
-        </p:spPr>
-      </p:pic>
-      <p:pic>
-        <p:nvPicPr>
-          <p:cNvPr id="3" name="Picture 2"/>
-          <p:cNvPicPr>
-            <a:picLocks noChangeAspect="1"/>
-          </p:cNvPicPr>
-          <p:nvPr/>
-        </p:nvPicPr>
-        <p:blipFill>
-          <a:blip r:embed="rId5"/>
-          <a:stretch>
-            <a:fillRect/>
-          </a:stretch>
-        </p:blipFill>
-        <p:spPr>
-          <a:xfrm>
-            <a:off x="6374608" y="4488320"/>
-            <a:ext cx="2695573" cy="1988680"/>
+            <a:off x="6046517" y="2201935"/>
+            <a:ext cx="5702138" cy="3827648"/>
           </a:xfrm>
           <a:prstGeom prst="rect">
             <a:avLst/>
@@ -6513,7 +5713,7 @@
     </p:spTree>
     <p:extLst>
       <p:ext uri="{BB962C8B-B14F-4D97-AF65-F5344CB8AC3E}">
-        <p14:creationId xmlns:p14="http://schemas.microsoft.com/office/powerpoint/2010/main" val="557708859"/>
+        <p14:creationId xmlns:p14="http://schemas.microsoft.com/office/powerpoint/2010/main" val="920450518"/>
       </p:ext>
     </p:extLst>
   </p:cSld>
@@ -6547,8 +5747,116 @@
           <a:chExt cx="0" cy="0"/>
         </a:xfrm>
       </p:grpSpPr>
-      <mc:AlternateContent xmlns:mc="http://schemas.openxmlformats.org/markup-compatibility/2006">
-        <mc:Choice xmlns:a14="http://schemas.microsoft.com/office/drawing/2010/main" Requires="a14">
+      <p:sp>
+        <p:nvSpPr>
+          <p:cNvPr id="2" name="Title 1"/>
+          <p:cNvSpPr>
+            <a:spLocks noGrp="1"/>
+          </p:cNvSpPr>
+          <p:nvPr>
+            <p:ph type="title"/>
+          </p:nvPr>
+        </p:nvSpPr>
+        <p:spPr/>
+        <p:txBody>
+          <a:bodyPr/>
+          <a:lstStyle/>
+          <a:p>
+            <a:r>
+              <a:rPr lang="en-IE" dirty="0" smtClean="0"/>
+              <a:t>Simulations of Epidemics</a:t>
+            </a:r>
+            <a:endParaRPr lang="en-IE" dirty="0"/>
+          </a:p>
+        </p:txBody>
+      </p:sp>
+      <p:pic>
+        <p:nvPicPr>
+          <p:cNvPr id="6" name="Picture 5"/>
+          <p:cNvPicPr>
+            <a:picLocks noChangeAspect="1"/>
+          </p:cNvPicPr>
+          <p:nvPr/>
+        </p:nvPicPr>
+        <p:blipFill>
+          <a:blip r:embed="rId2"/>
+          <a:stretch>
+            <a:fillRect/>
+          </a:stretch>
+        </p:blipFill>
+        <p:spPr>
+          <a:xfrm>
+            <a:off x="-11575" y="1226916"/>
+            <a:ext cx="5821324" cy="3716711"/>
+          </a:xfrm>
+          <a:prstGeom prst="rect">
+            <a:avLst/>
+          </a:prstGeom>
+        </p:spPr>
+      </p:pic>
+      <p:pic>
+        <p:nvPicPr>
+          <p:cNvPr id="7" name="Picture 6"/>
+          <p:cNvPicPr>
+            <a:picLocks noChangeAspect="1"/>
+          </p:cNvPicPr>
+          <p:nvPr/>
+        </p:nvPicPr>
+        <p:blipFill>
+          <a:blip r:embed="rId3"/>
+          <a:stretch>
+            <a:fillRect/>
+          </a:stretch>
+        </p:blipFill>
+        <p:spPr>
+          <a:xfrm>
+            <a:off x="5916920" y="2818435"/>
+            <a:ext cx="6217207" cy="4039565"/>
+          </a:xfrm>
+          <a:prstGeom prst="rect">
+            <a:avLst/>
+          </a:prstGeom>
+        </p:spPr>
+      </p:pic>
+    </p:spTree>
+    <p:extLst>
+      <p:ext uri="{BB962C8B-B14F-4D97-AF65-F5344CB8AC3E}">
+        <p14:creationId xmlns:p14="http://schemas.microsoft.com/office/powerpoint/2010/main" val="670217177"/>
+      </p:ext>
+    </p:extLst>
+  </p:cSld>
+  <p:clrMapOvr>
+    <a:masterClrMapping/>
+  </p:clrMapOvr>
+  <p:timing>
+    <p:tnLst>
+      <p:par>
+        <p:cTn id="1" dur="indefinite" restart="never" nodeType="tmRoot"/>
+      </p:par>
+    </p:tnLst>
+  </p:timing>
+</p:sld>
+</file>
+
+<file path=ppt/slides/slide7.xml><?xml version="1.0" encoding="utf-8"?>
+<p:sld xmlns:a="http://schemas.openxmlformats.org/drawingml/2006/main" xmlns:r="http://schemas.openxmlformats.org/officeDocument/2006/relationships" xmlns:p="http://schemas.openxmlformats.org/presentationml/2006/main">
+  <p:cSld>
+    <p:spTree>
+      <p:nvGrpSpPr>
+        <p:cNvPr id="1" name=""/>
+        <p:cNvGrpSpPr/>
+        <p:nvPr/>
+      </p:nvGrpSpPr>
+      <p:grpSpPr>
+        <a:xfrm>
+          <a:off x="0" y="0"/>
+          <a:ext cx="0" cy="0"/>
+          <a:chOff x="0" y="0"/>
+          <a:chExt cx="0" cy="0"/>
+        </a:xfrm>
+      </p:grpSpPr>
+      <mc:AlternateContent xmlns:mc="http://schemas.openxmlformats.org/markup-compatibility/2006" xmlns:a14="http://schemas.microsoft.com/office/drawing/2010/main">
+        <mc:Choice Requires="a14">
           <p:sp>
             <p:nvSpPr>
               <p:cNvPr id="2" name="Title 1"/>
@@ -6608,7 +5916,7 @@
             </p:txBody>
           </p:sp>
         </mc:Choice>
-        <mc:Fallback>
+        <mc:Fallback xmlns="">
           <p:sp>
             <p:nvSpPr>
               <p:cNvPr id="2" name="Title 1"/>
@@ -6621,7 +5929,7 @@
             </p:nvSpPr>
             <p:spPr>
               <a:blipFill>
-                <a:blip r:embed="rId3"/>
+                <a:blip r:embed="rId4"/>
                 <a:stretch>
                   <a:fillRect/>
                 </a:stretch>
@@ -6651,14 +5959,14 @@
           <p:nvPr/>
         </p:nvPicPr>
         <p:blipFill>
-          <a:blip r:embed="rId4"/>
+          <a:blip r:embed="rId5"/>
           <a:stretch>
             <a:fillRect/>
           </a:stretch>
         </p:blipFill>
         <p:spPr>
           <a:xfrm>
-            <a:off x="752561" y="1398234"/>
+            <a:off x="786938" y="1501230"/>
             <a:ext cx="5214851" cy="2684247"/>
           </a:xfrm>
           <a:prstGeom prst="rect">
@@ -6675,15 +5983,39 @@
           <p:nvPr/>
         </p:nvPicPr>
         <p:blipFill>
-          <a:blip r:embed="rId5"/>
+          <a:blip r:embed="rId6"/>
           <a:stretch>
             <a:fillRect/>
           </a:stretch>
         </p:blipFill>
         <p:spPr>
           <a:xfrm>
-            <a:off x="838200" y="4207921"/>
+            <a:off x="838200" y="4288473"/>
             <a:ext cx="2044324" cy="2150293"/>
+          </a:xfrm>
+          <a:prstGeom prst="rect">
+            <a:avLst/>
+          </a:prstGeom>
+        </p:spPr>
+      </p:pic>
+      <p:pic>
+        <p:nvPicPr>
+          <p:cNvPr id="7" name="Picture 6"/>
+          <p:cNvPicPr>
+            <a:picLocks noChangeAspect="1"/>
+          </p:cNvPicPr>
+          <p:nvPr/>
+        </p:nvPicPr>
+        <p:blipFill>
+          <a:blip r:embed="rId7"/>
+          <a:stretch>
+            <a:fillRect/>
+          </a:stretch>
+        </p:blipFill>
+        <p:spPr>
+          <a:xfrm>
+            <a:off x="6262547" y="1474124"/>
+            <a:ext cx="5492342" cy="3942224"/>
           </a:xfrm>
           <a:prstGeom prst="rect">
             <a:avLst/>
@@ -6754,8 +6086,8 @@
         </p:nvCxnSpPr>
         <p:spPr>
           <a:xfrm flipH="1" flipV="1">
-            <a:off x="2882524" y="5283068"/>
-            <a:ext cx="1678685" cy="670278"/>
+            <a:off x="2882524" y="5363620"/>
+            <a:ext cx="1678685" cy="589726"/>
           </a:xfrm>
           <a:prstGeom prst="straightConnector1">
             <a:avLst/>
@@ -6820,30 +6152,6 @@
           </a:fontRef>
         </p:style>
       </p:cxnSp>
-      <p:pic>
-        <p:nvPicPr>
-          <p:cNvPr id="17" name="Picture 16"/>
-          <p:cNvPicPr>
-            <a:picLocks noChangeAspect="1"/>
-          </p:cNvPicPr>
-          <p:nvPr/>
-        </p:nvPicPr>
-        <p:blipFill>
-          <a:blip r:embed="rId6"/>
-          <a:stretch>
-            <a:fillRect/>
-          </a:stretch>
-        </p:blipFill>
-        <p:spPr>
-          <a:xfrm>
-            <a:off x="6596063" y="1275804"/>
-            <a:ext cx="5386388" cy="4007264"/>
-          </a:xfrm>
-          <a:prstGeom prst="rect">
-            <a:avLst/>
-          </a:prstGeom>
-        </p:spPr>
-      </p:pic>
     </p:spTree>
     <p:extLst>
       <p:ext uri="{BB962C8B-B14F-4D97-AF65-F5344CB8AC3E}">
@@ -6864,7 +6172,7 @@
 </p:sld>
 </file>
 
-<file path=ppt/slides/slide7.xml><?xml version="1.0" encoding="utf-8"?>
+<file path=ppt/slides/slide8.xml><?xml version="1.0" encoding="utf-8"?>
 <p:sld xmlns:a="http://schemas.openxmlformats.org/drawingml/2006/main" xmlns:r="http://schemas.openxmlformats.org/officeDocument/2006/relationships" xmlns:p="http://schemas.openxmlformats.org/presentationml/2006/main">
   <p:cSld>
     <p:spTree>
@@ -6881,8 +6189,8 @@
           <a:chExt cx="0" cy="0"/>
         </a:xfrm>
       </p:grpSpPr>
-      <mc:AlternateContent xmlns:mc="http://schemas.openxmlformats.org/markup-compatibility/2006">
-        <mc:Choice xmlns:a14="http://schemas.microsoft.com/office/drawing/2010/main" Requires="a14">
+      <mc:AlternateContent xmlns:mc="http://schemas.openxmlformats.org/markup-compatibility/2006" xmlns:a14="http://schemas.microsoft.com/office/drawing/2010/main">
+        <mc:Choice Requires="a14">
           <p:sp>
             <p:nvSpPr>
               <p:cNvPr id="2" name="Title 1"/>
@@ -6936,7 +6244,7 @@
             </p:txBody>
           </p:sp>
         </mc:Choice>
-        <mc:Fallback>
+        <mc:Fallback xmlns="">
           <p:sp>
             <p:nvSpPr>
               <p:cNvPr id="2" name="Title 1"/>
@@ -6949,7 +6257,7 @@
             </p:nvSpPr>
             <p:spPr>
               <a:blipFill>
-                <a:blip r:embed="rId3"/>
+                <a:blip r:embed="rId2"/>
                 <a:stretch>
                   <a:fillRect l="-1507"/>
                 </a:stretch>
@@ -6970,8 +6278,8 @@
           </p:sp>
         </mc:Fallback>
       </mc:AlternateContent>
-      <mc:AlternateContent xmlns:mc="http://schemas.openxmlformats.org/markup-compatibility/2006">
-        <mc:Choice xmlns:a14="http://schemas.microsoft.com/office/drawing/2010/main" Requires="a14">
+      <mc:AlternateContent xmlns:mc="http://schemas.openxmlformats.org/markup-compatibility/2006" xmlns:a14="http://schemas.microsoft.com/office/drawing/2010/main">
+        <mc:Choice Requires="a14">
           <p:sp>
             <p:nvSpPr>
               <p:cNvPr id="3" name="Content Placeholder 2"/>
@@ -6997,18 +6305,9 @@
                   <a:t>     </a:t>
                 </a:r>
                 <a:r>
-                  <a:rPr lang="en-IE" b="1" i="1" dirty="0" smtClean="0">
-                    <a:solidFill>
-                      <a:srgbClr val="FFC000"/>
-                    </a:solidFill>
-                  </a:rPr>
+                  <a:rPr lang="en-IE" i="1" dirty="0" smtClean="0"/>
                   <a:t>Metropolis Algorithm </a:t>
                 </a:r>
-                <a:endParaRPr lang="en-IE" b="1" i="1" dirty="0" smtClean="0">
-                  <a:solidFill>
-                    <a:srgbClr val="FFC000"/>
-                  </a:solidFill>
-                </a:endParaRPr>
               </a:p>
               <a:p>
                 <a:r>
@@ -7020,7 +6319,7 @@
                     <m:sSubSup>
                       <m:sSubSupPr>
                         <m:ctrlPr>
-                          <a:rPr lang="en-IE" b="0" i="0" smtClean="0">
+                          <a:rPr lang="en-IE" b="0" i="1" smtClean="0">
                             <a:latin typeface="Cambria Math" panose="02040503050406030204" pitchFamily="18" charset="0"/>
                           </a:rPr>
                         </m:ctrlPr>
@@ -7054,7 +6353,7 @@
                 </a14:m>
                 <a:r>
                   <a:rPr lang="en-IE" dirty="0" smtClean="0"/>
-                  <a:t> = 0 iterate for t = 1, 2, … T</a:t>
+                  <a:t> = 0 iterate for t = 1, 2, … </a:t>
                 </a:r>
               </a:p>
               <a:p>
@@ -7064,11 +6363,7 @@
                 </a:pPr>
                 <a:r>
                   <a:rPr lang="en-IE" dirty="0" smtClean="0"/>
-                  <a:t>Draw </a:t>
-                </a:r>
-                <a:r>
-                  <a:rPr lang="en-IE" dirty="0" smtClean="0"/>
-                  <a:t> </a:t>
+                  <a:t>Draw  </a:t>
                 </a:r>
                 <a14:m>
                   <m:oMath xmlns:m="http://schemas.openxmlformats.org/officeDocument/2006/math">
@@ -8477,7 +7772,7 @@
             </p:txBody>
           </p:sp>
         </mc:Choice>
-        <mc:Fallback>
+        <mc:Fallback xmlns="">
           <p:sp>
             <p:nvSpPr>
               <p:cNvPr id="3" name="Content Placeholder 2"/>
@@ -8490,7 +7785,7 @@
             </p:nvSpPr>
             <p:spPr>
               <a:blipFill>
-                <a:blip r:embed="rId4"/>
+                <a:blip r:embed="rId3"/>
                 <a:stretch>
                   <a:fillRect l="-754" t="-1585"/>
                 </a:stretch>
@@ -8531,7 +7826,7 @@
 </p:sld>
 </file>
 
-<file path=ppt/slides/slide8.xml><?xml version="1.0" encoding="utf-8"?>
+<file path=ppt/slides/slide9.xml><?xml version="1.0" encoding="utf-8"?>
 <p:sld xmlns:a="http://schemas.openxmlformats.org/drawingml/2006/main" xmlns:r="http://schemas.openxmlformats.org/officeDocument/2006/relationships" xmlns:p="http://schemas.openxmlformats.org/presentationml/2006/main">
   <p:cSld>
     <p:spTree>
@@ -8571,8 +7866,8 @@
           </a:p>
         </p:txBody>
       </p:sp>
-      <mc:AlternateContent xmlns:mc="http://schemas.openxmlformats.org/markup-compatibility/2006">
-        <mc:Choice xmlns:a14="http://schemas.microsoft.com/office/drawing/2010/main" Requires="a14">
+      <mc:AlternateContent xmlns:mc="http://schemas.openxmlformats.org/markup-compatibility/2006" xmlns:a14="http://schemas.microsoft.com/office/drawing/2010/main">
+        <mc:Choice Requires="a14">
           <p:sp>
             <p:nvSpPr>
               <p:cNvPr id="3" name="Content Placeholder 2"/>
@@ -8583,12 +7878,7 @@
                 <p:ph idx="1"/>
               </p:nvPr>
             </p:nvSpPr>
-            <p:spPr>
-              <a:xfrm>
-                <a:off x="777240" y="1313088"/>
-                <a:ext cx="10515600" cy="4614493"/>
-              </a:xfrm>
-            </p:spPr>
+            <p:spPr/>
             <p:txBody>
               <a:bodyPr>
                 <a:normAutofit lnSpcReduction="10000"/>
@@ -8600,21 +7890,8 @@
                 </a:pPr>
                 <a:r>
                   <a:rPr lang="en-IE" i="1" dirty="0" smtClean="0"/>
-                  <a:t>     </a:t>
+                  <a:t>     Algorithm </a:t>
                 </a:r>
-                <a:r>
-                  <a:rPr lang="en-IE" b="1" i="1" dirty="0" smtClean="0">
-                    <a:solidFill>
-                      <a:srgbClr val="FFC000"/>
-                    </a:solidFill>
-                  </a:rPr>
-                  <a:t>Algorithm </a:t>
-                </a:r>
-                <a:endParaRPr lang="en-IE" b="1" i="1" dirty="0" smtClean="0">
-                  <a:solidFill>
-                    <a:srgbClr val="FFC000"/>
-                  </a:solidFill>
-                </a:endParaRPr>
               </a:p>
               <a:p>
                 <a:r>
@@ -8626,7 +7903,7 @@
                     <m:sSubSup>
                       <m:sSubSupPr>
                         <m:ctrlPr>
-                          <a:rPr lang="en-IE" b="0" i="0" smtClean="0">
+                          <a:rPr lang="en-IE" b="0" i="1" smtClean="0">
                             <a:latin typeface="Cambria Math" panose="02040503050406030204" pitchFamily="18" charset="0"/>
                           </a:rPr>
                         </m:ctrlPr>
@@ -8670,11 +7947,7 @@
                 </a:pPr>
                 <a:r>
                   <a:rPr lang="en-IE" dirty="0" smtClean="0"/>
-                  <a:t>Draw </a:t>
-                </a:r>
-                <a:r>
-                  <a:rPr lang="en-IE" dirty="0" smtClean="0"/>
-                  <a:t> </a:t>
+                  <a:t>Draw  </a:t>
                 </a:r>
                 <a14:m>
                   <m:oMath xmlns:m="http://schemas.openxmlformats.org/officeDocument/2006/math">
@@ -9303,13 +8576,7 @@
                               <a:rPr lang="en-IE" i="1">
                                 <a:latin typeface="Cambria Math" panose="02040503050406030204" pitchFamily="18" charset="0"/>
                               </a:rPr>
-                              <m:t>, </m:t>
-                            </m:r>
-                            <m:r>
-                              <a:rPr lang="en-IE" i="1">
-                                <a:latin typeface="Cambria Math" panose="02040503050406030204" pitchFamily="18" charset="0"/>
-                              </a:rPr>
-                              <m:t> </m:t>
+                              <m:t>,  </m:t>
                             </m:r>
                             <m:r>
                               <a:rPr lang="en-IE" i="1">
@@ -9386,21 +8653,7 @@
                             <a:latin typeface="Cambria Math" panose="02040503050406030204" pitchFamily="18" charset="0"/>
                             <a:ea typeface="Cambria Math" panose="02040503050406030204" pitchFamily="18" charset="0"/>
                           </a:rPr>
-                          <m:t>)</m:t>
-                        </m:r>
-                        <m:r>
-                          <a:rPr lang="en-IE" i="1">
-                            <a:latin typeface="Cambria Math" panose="02040503050406030204" pitchFamily="18" charset="0"/>
-                            <a:ea typeface="Cambria Math" panose="02040503050406030204" pitchFamily="18" charset="0"/>
-                          </a:rPr>
-                          <m:t>∙</m:t>
-                        </m:r>
-                        <m:r>
-                          <a:rPr lang="en-IE" i="1">
-                            <a:latin typeface="Cambria Math" panose="02040503050406030204" pitchFamily="18" charset="0"/>
-                            <a:ea typeface="Cambria Math" panose="02040503050406030204" pitchFamily="18" charset="0"/>
-                          </a:rPr>
-                          <m:t> </m:t>
+                          <m:t>)∙ </m:t>
                         </m:r>
                         <m:r>
                           <a:rPr lang="en-IE" i="1">
@@ -9615,14 +8868,7 @@
                             <a:latin typeface="Cambria Math" panose="02040503050406030204" pitchFamily="18" charset="0"/>
                             <a:ea typeface="Cambria Math" panose="02040503050406030204" pitchFamily="18" charset="0"/>
                           </a:rPr>
-                          <m:t>∙</m:t>
-                        </m:r>
-                        <m:r>
-                          <a:rPr lang="en-IE" i="1">
-                            <a:latin typeface="Cambria Math" panose="02040503050406030204" pitchFamily="18" charset="0"/>
-                            <a:ea typeface="Cambria Math" panose="02040503050406030204" pitchFamily="18" charset="0"/>
-                          </a:rPr>
-                          <m:t> </m:t>
+                          <m:t>∙ </m:t>
                         </m:r>
                         <m:r>
                           <a:rPr lang="en-IE" i="1">
@@ -10106,7 +9352,7 @@
                         <m:d>
                           <m:dPr>
                             <m:ctrlPr>
-                              <a:rPr lang="en-IE" b="0" smtClean="0">
+                              <a:rPr lang="en-IE" b="0" i="1" smtClean="0">
                                 <a:latin typeface="Cambria Math" panose="02040503050406030204" pitchFamily="18" charset="0"/>
                               </a:rPr>
                             </m:ctrlPr>
@@ -10194,7 +9440,7 @@
             </p:txBody>
           </p:sp>
         </mc:Choice>
-        <mc:Fallback>
+        <mc:Fallback xmlns="">
           <p:sp>
             <p:nvSpPr>
               <p:cNvPr id="3" name="Content Placeholder 2"/>
@@ -10206,12 +9452,8 @@
               </p:nvPr>
             </p:nvSpPr>
             <p:spPr>
-              <a:xfrm>
-                <a:off x="777240" y="1313088"/>
-                <a:ext cx="10515600" cy="4614493"/>
-              </a:xfrm>
               <a:blipFill>
-                <a:blip r:embed="rId3"/>
+                <a:blip r:embed="rId2"/>
                 <a:stretch>
                   <a:fillRect l="-754" t="-2246"/>
                 </a:stretch>
@@ -10236,354 +9478,6 @@
     <p:extLst>
       <p:ext uri="{BB962C8B-B14F-4D97-AF65-F5344CB8AC3E}">
         <p14:creationId xmlns:p14="http://schemas.microsoft.com/office/powerpoint/2010/main" val="265380526"/>
-      </p:ext>
-    </p:extLst>
-  </p:cSld>
-  <p:clrMapOvr>
-    <a:masterClrMapping/>
-  </p:clrMapOvr>
-  <p:timing>
-    <p:tnLst>
-      <p:par>
-        <p:cTn id="1" dur="indefinite" restart="never" nodeType="tmRoot"/>
-      </p:par>
-    </p:tnLst>
-  </p:timing>
-</p:sld>
-</file>
-
-<file path=ppt/slides/slide9.xml><?xml version="1.0" encoding="utf-8"?>
-<p:sld xmlns:a="http://schemas.openxmlformats.org/drawingml/2006/main" xmlns:r="http://schemas.openxmlformats.org/officeDocument/2006/relationships" xmlns:p="http://schemas.openxmlformats.org/presentationml/2006/main">
-  <p:cSld>
-    <p:spTree>
-      <p:nvGrpSpPr>
-        <p:cNvPr id="1" name=""/>
-        <p:cNvGrpSpPr/>
-        <p:nvPr/>
-      </p:nvGrpSpPr>
-      <p:grpSpPr>
-        <a:xfrm>
-          <a:off x="0" y="0"/>
-          <a:ext cx="0" cy="0"/>
-          <a:chOff x="0" y="0"/>
-          <a:chExt cx="0" cy="0"/>
-        </a:xfrm>
-      </p:grpSpPr>
-      <p:sp>
-        <p:nvSpPr>
-          <p:cNvPr id="2" name="Title 1"/>
-          <p:cNvSpPr>
-            <a:spLocks noGrp="1"/>
-          </p:cNvSpPr>
-          <p:nvPr>
-            <p:ph type="title"/>
-          </p:nvPr>
-        </p:nvSpPr>
-        <p:spPr>
-          <a:xfrm>
-            <a:off x="633472" y="266781"/>
-            <a:ext cx="10226950" cy="1104153"/>
-          </a:xfrm>
-        </p:spPr>
-        <p:txBody>
-          <a:bodyPr>
-            <a:normAutofit/>
-          </a:bodyPr>
-          <a:lstStyle/>
-          <a:p>
-            <a:r>
-              <a:rPr lang="en-IE" sz="3000" dirty="0" smtClean="0"/>
-              <a:t>Results - </a:t>
-            </a:r>
-            <a:r>
-              <a:rPr lang="en-IE" sz="3000" dirty="0" smtClean="0"/>
-              <a:t>Adaptive </a:t>
-            </a:r>
-            <a:r>
-              <a:rPr lang="en-IE" sz="3000" dirty="0" smtClean="0"/>
-              <a:t>Monte Carlo</a:t>
-            </a:r>
-            <a:endParaRPr lang="en-IE" sz="3000" dirty="0"/>
-          </a:p>
-        </p:txBody>
-      </p:sp>
-      <mc:AlternateContent xmlns:mc="http://schemas.openxmlformats.org/markup-compatibility/2006">
-        <mc:Choice xmlns:a14="http://schemas.microsoft.com/office/drawing/2010/main" Requires="a14">
-          <p:sp>
-            <p:nvSpPr>
-              <p:cNvPr id="11" name="TextBox 10"/>
-              <p:cNvSpPr txBox="1"/>
-              <p:nvPr/>
-            </p:nvSpPr>
-            <p:spPr>
-              <a:xfrm>
-                <a:off x="4604356" y="1155491"/>
-                <a:ext cx="3806721" cy="430887"/>
-              </a:xfrm>
-              <a:prstGeom prst="rect">
-                <a:avLst/>
-              </a:prstGeom>
-              <a:noFill/>
-            </p:spPr>
-            <p:txBody>
-              <a:bodyPr wrap="square" rtlCol="0">
-                <a:spAutoFit/>
-              </a:bodyPr>
-              <a:lstStyle/>
-              <a:p>
-                <a:pPr algn="ctr"/>
-                <a14:m>
-                  <m:oMath xmlns:m="http://schemas.openxmlformats.org/officeDocument/2006/math">
-                    <m:sSub>
-                      <m:sSubPr>
-                        <m:ctrlPr>
-                          <a:rPr lang="en-IE" sz="2200" b="1" i="1" smtClean="0">
-                            <a:solidFill>
-                              <a:srgbClr val="FFC000"/>
-                            </a:solidFill>
-                            <a:latin typeface="Cambria Math" panose="02040503050406030204" pitchFamily="18" charset="0"/>
-                          </a:rPr>
-                        </m:ctrlPr>
-                      </m:sSubPr>
-                      <m:e>
-                        <m:r>
-                          <a:rPr lang="en-IE" sz="2200" b="1" i="1" smtClean="0">
-                            <a:solidFill>
-                              <a:srgbClr val="FFC000"/>
-                            </a:solidFill>
-                            <a:latin typeface="Cambria Math" panose="02040503050406030204" pitchFamily="18" charset="0"/>
-                          </a:rPr>
-                          <m:t>𝑹</m:t>
-                        </m:r>
-                      </m:e>
-                      <m:sub>
-                        <m:r>
-                          <a:rPr lang="en-IE" sz="2200" b="1" i="1" smtClean="0">
-                            <a:solidFill>
-                              <a:srgbClr val="FFC000"/>
-                            </a:solidFill>
-                            <a:latin typeface="Cambria Math" panose="02040503050406030204" pitchFamily="18" charset="0"/>
-                          </a:rPr>
-                          <m:t>𝟎</m:t>
-                        </m:r>
-                      </m:sub>
-                    </m:sSub>
-                  </m:oMath>
-                </a14:m>
-                <a:r>
-                  <a:rPr lang="en-IE" sz="2200" b="1" dirty="0" smtClean="0">
-                    <a:solidFill>
-                      <a:srgbClr val="FFC000"/>
-                    </a:solidFill>
-                  </a:rPr>
-                  <a:t> of simulated data </a:t>
-                </a:r>
-                <a:r>
-                  <a:rPr lang="en-IE" sz="2200" b="1" dirty="0" smtClean="0">
-                    <a:solidFill>
-                      <a:srgbClr val="FFC000"/>
-                    </a:solidFill>
-                  </a:rPr>
-                  <a:t>= 3.5 </a:t>
-                </a:r>
-                <a:endParaRPr lang="en-IE" sz="2200" b="1" dirty="0">
-                  <a:solidFill>
-                    <a:srgbClr val="FFC000"/>
-                  </a:solidFill>
-                </a:endParaRPr>
-              </a:p>
-            </p:txBody>
-          </p:sp>
-        </mc:Choice>
-        <mc:Fallback>
-          <p:sp>
-            <p:nvSpPr>
-              <p:cNvPr id="11" name="TextBox 10"/>
-              <p:cNvSpPr txBox="1">
-                <a:spLocks noRot="1" noChangeAspect="1" noMove="1" noResize="1" noEditPoints="1" noAdjustHandles="1" noChangeArrowheads="1" noChangeShapeType="1" noTextEdit="1"/>
-              </p:cNvSpPr>
-              <p:nvPr/>
-            </p:nvSpPr>
-            <p:spPr>
-              <a:xfrm>
-                <a:off x="4604356" y="1155491"/>
-                <a:ext cx="3806721" cy="430887"/>
-              </a:xfrm>
-              <a:prstGeom prst="rect">
-                <a:avLst/>
-              </a:prstGeom>
-              <a:blipFill>
-                <a:blip r:embed="rId3"/>
-                <a:stretch>
-                  <a:fillRect t="-10000" b="-28571"/>
-                </a:stretch>
-              </a:blipFill>
-            </p:spPr>
-            <p:txBody>
-              <a:bodyPr/>
-              <a:lstStyle/>
-              <a:p>
-                <a:r>
-                  <a:rPr lang="en-IE">
-                    <a:noFill/>
-                  </a:rPr>
-                  <a:t> </a:t>
-                </a:r>
-              </a:p>
-            </p:txBody>
-          </p:sp>
-        </mc:Fallback>
-      </mc:AlternateContent>
-      <p:pic>
-        <p:nvPicPr>
-          <p:cNvPr id="12" name="Picture 11"/>
-          <p:cNvPicPr>
-            <a:picLocks noChangeAspect="1"/>
-          </p:cNvPicPr>
-          <p:nvPr/>
-        </p:nvPicPr>
-        <p:blipFill>
-          <a:blip r:embed="rId4"/>
-          <a:stretch>
-            <a:fillRect/>
-          </a:stretch>
-        </p:blipFill>
-        <p:spPr>
-          <a:xfrm>
-            <a:off x="300775" y="2326551"/>
-            <a:ext cx="3132543" cy="2622293"/>
-          </a:xfrm>
-          <a:prstGeom prst="rect">
-            <a:avLst/>
-          </a:prstGeom>
-        </p:spPr>
-      </p:pic>
-      <p:sp>
-        <p:nvSpPr>
-          <p:cNvPr id="9" name="Rectangle 8"/>
-          <p:cNvSpPr/>
-          <p:nvPr/>
-        </p:nvSpPr>
-        <p:spPr>
-          <a:xfrm>
-            <a:off x="300775" y="4117572"/>
-            <a:ext cx="3163818" cy="133004"/>
-          </a:xfrm>
-          <a:prstGeom prst="rect">
-            <a:avLst/>
-          </a:prstGeom>
-          <a:noFill/>
-          <a:ln w="19050">
-            <a:solidFill>
-              <a:srgbClr val="FFC000"/>
-            </a:solidFill>
-          </a:ln>
-        </p:spPr>
-        <p:style>
-          <a:lnRef idx="2">
-            <a:schemeClr val="accent1">
-              <a:shade val="50000"/>
-            </a:schemeClr>
-          </a:lnRef>
-          <a:fillRef idx="1">
-            <a:schemeClr val="accent1"/>
-          </a:fillRef>
-          <a:effectRef idx="0">
-            <a:schemeClr val="accent1"/>
-          </a:effectRef>
-          <a:fontRef idx="minor">
-            <a:schemeClr val="lt1"/>
-          </a:fontRef>
-        </p:style>
-        <p:txBody>
-          <a:bodyPr rtlCol="0" anchor="ctr"/>
-          <a:lstStyle/>
-          <a:p>
-            <a:pPr algn="ctr"/>
-            <a:endParaRPr lang="en-IE">
-              <a:solidFill>
-                <a:srgbClr val="FFC000"/>
-              </a:solidFill>
-            </a:endParaRPr>
-          </a:p>
-        </p:txBody>
-      </p:sp>
-      <p:pic>
-        <p:nvPicPr>
-          <p:cNvPr id="5" name="Picture 4"/>
-          <p:cNvPicPr>
-            <a:picLocks noChangeAspect="1"/>
-          </p:cNvPicPr>
-          <p:nvPr/>
-        </p:nvPicPr>
-        <p:blipFill>
-          <a:blip r:embed="rId5"/>
-          <a:stretch>
-            <a:fillRect/>
-          </a:stretch>
-        </p:blipFill>
-        <p:spPr>
-          <a:xfrm>
-            <a:off x="3639249" y="1687484"/>
-            <a:ext cx="4882097" cy="4860176"/>
-          </a:xfrm>
-          <a:prstGeom prst="rect">
-            <a:avLst/>
-          </a:prstGeom>
-        </p:spPr>
-      </p:pic>
-      <p:pic>
-        <p:nvPicPr>
-          <p:cNvPr id="6" name="Picture 5"/>
-          <p:cNvPicPr>
-            <a:picLocks noChangeAspect="1"/>
-          </p:cNvPicPr>
-          <p:nvPr/>
-        </p:nvPicPr>
-        <p:blipFill>
-          <a:blip r:embed="rId6"/>
-          <a:stretch>
-            <a:fillRect/>
-          </a:stretch>
-        </p:blipFill>
-        <p:spPr>
-          <a:xfrm>
-            <a:off x="8962702" y="911412"/>
-            <a:ext cx="2688783" cy="2668101"/>
-          </a:xfrm>
-          <a:prstGeom prst="rect">
-            <a:avLst/>
-          </a:prstGeom>
-        </p:spPr>
-      </p:pic>
-      <p:pic>
-        <p:nvPicPr>
-          <p:cNvPr id="16" name="Picture 15"/>
-          <p:cNvPicPr>
-            <a:picLocks noChangeAspect="1"/>
-          </p:cNvPicPr>
-          <p:nvPr/>
-        </p:nvPicPr>
-        <p:blipFill>
-          <a:blip r:embed="rId7"/>
-          <a:stretch>
-            <a:fillRect/>
-          </a:stretch>
-        </p:blipFill>
-        <p:spPr>
-          <a:xfrm>
-            <a:off x="8962702" y="3579513"/>
-            <a:ext cx="2711883" cy="2787013"/>
-          </a:xfrm>
-          <a:prstGeom prst="rect">
-            <a:avLst/>
-          </a:prstGeom>
-        </p:spPr>
-      </p:pic>
-    </p:spTree>
-    <p:extLst>
-      <p:ext uri="{BB962C8B-B14F-4D97-AF65-F5344CB8AC3E}">
-        <p14:creationId xmlns:p14="http://schemas.microsoft.com/office/powerpoint/2010/main" val="1697719587"/>
       </p:ext>
     </p:extLst>
   </p:cSld>

--- a/Mathematical_Models/cdt_presentation_thurs_july_8th.pptx
+++ b/Mathematical_Models/cdt_presentation_thurs_july_8th.pptx
@@ -5,7 +5,7 @@
     <p:sldMasterId id="2147483731" r:id="rId1"/>
   </p:sldMasterIdLst>
   <p:notesMasterIdLst>
-    <p:notesMasterId r:id="rId16"/>
+    <p:notesMasterId r:id="rId17"/>
   </p:notesMasterIdLst>
   <p:sldIdLst>
     <p:sldId id="256" r:id="rId2"/>
@@ -18,10 +18,11 @@
     <p:sldId id="289" r:id="rId9"/>
     <p:sldId id="299" r:id="rId10"/>
     <p:sldId id="298" r:id="rId11"/>
-    <p:sldId id="293" r:id="rId12"/>
-    <p:sldId id="297" r:id="rId13"/>
-    <p:sldId id="288" r:id="rId14"/>
-    <p:sldId id="301" r:id="rId15"/>
+    <p:sldId id="303" r:id="rId12"/>
+    <p:sldId id="293" r:id="rId13"/>
+    <p:sldId id="297" r:id="rId14"/>
+    <p:sldId id="288" r:id="rId15"/>
+    <p:sldId id="301" r:id="rId16"/>
   </p:sldIdLst>
   <p:sldSz cx="12192000" cy="6858000"/>
   <p:notesSz cx="6858000" cy="9144000"/>
@@ -210,7 +211,7 @@
           <a:p>
             <a:fld id="{8F7E32F0-930A-44E6-8941-235E88E9C716}" type="datetimeFigureOut">
               <a:rPr lang="en-IE" smtClean="0"/>
-              <a:t>14/07/2021</a:t>
+              <a:t>03/08/2021</a:t>
             </a:fld>
             <a:endParaRPr lang="en-IE"/>
           </a:p>
@@ -715,7 +716,7 @@
           <a:p>
             <a:fld id="{C697B097-996D-432D-9C37-1E937D04D218}" type="datetimeFigureOut">
               <a:rPr lang="en-IE" smtClean="0"/>
-              <a:t>14/07/2021</a:t>
+              <a:t>03/08/2021</a:t>
             </a:fld>
             <a:endParaRPr lang="en-IE"/>
           </a:p>
@@ -885,7 +886,7 @@
           <a:p>
             <a:fld id="{C697B097-996D-432D-9C37-1E937D04D218}" type="datetimeFigureOut">
               <a:rPr lang="en-IE" smtClean="0"/>
-              <a:t>14/07/2021</a:t>
+              <a:t>03/08/2021</a:t>
             </a:fld>
             <a:endParaRPr lang="en-IE"/>
           </a:p>
@@ -1065,7 +1066,7 @@
           <a:p>
             <a:fld id="{C697B097-996D-432D-9C37-1E937D04D218}" type="datetimeFigureOut">
               <a:rPr lang="en-IE" smtClean="0"/>
-              <a:t>14/07/2021</a:t>
+              <a:t>03/08/2021</a:t>
             </a:fld>
             <a:endParaRPr lang="en-IE"/>
           </a:p>
@@ -1255,7 +1256,7 @@
           <a:p>
             <a:fld id="{C697B097-996D-432D-9C37-1E937D04D218}" type="datetimeFigureOut">
               <a:rPr lang="en-IE" smtClean="0"/>
-              <a:t>14/07/2021</a:t>
+              <a:t>03/08/2021</a:t>
             </a:fld>
             <a:endParaRPr lang="en-IE"/>
           </a:p>
@@ -1501,7 +1502,7 @@
           <a:p>
             <a:fld id="{C697B097-996D-432D-9C37-1E937D04D218}" type="datetimeFigureOut">
               <a:rPr lang="en-IE" smtClean="0"/>
-              <a:t>14/07/2021</a:t>
+              <a:t>03/08/2021</a:t>
             </a:fld>
             <a:endParaRPr lang="en-IE"/>
           </a:p>
@@ -1733,7 +1734,7 @@
           <a:p>
             <a:fld id="{C697B097-996D-432D-9C37-1E937D04D218}" type="datetimeFigureOut">
               <a:rPr lang="en-IE" smtClean="0"/>
-              <a:t>14/07/2021</a:t>
+              <a:t>03/08/2021</a:t>
             </a:fld>
             <a:endParaRPr lang="en-IE"/>
           </a:p>
@@ -2100,7 +2101,7 @@
           <a:p>
             <a:fld id="{C697B097-996D-432D-9C37-1E937D04D218}" type="datetimeFigureOut">
               <a:rPr lang="en-IE" smtClean="0"/>
-              <a:t>14/07/2021</a:t>
+              <a:t>03/08/2021</a:t>
             </a:fld>
             <a:endParaRPr lang="en-IE"/>
           </a:p>
@@ -2218,7 +2219,7 @@
           <a:p>
             <a:fld id="{C697B097-996D-432D-9C37-1E937D04D218}" type="datetimeFigureOut">
               <a:rPr lang="en-IE" smtClean="0"/>
-              <a:t>14/07/2021</a:t>
+              <a:t>03/08/2021</a:t>
             </a:fld>
             <a:endParaRPr lang="en-IE"/>
           </a:p>
@@ -2313,7 +2314,7 @@
           <a:p>
             <a:fld id="{C697B097-996D-432D-9C37-1E937D04D218}" type="datetimeFigureOut">
               <a:rPr lang="en-IE" smtClean="0"/>
-              <a:t>14/07/2021</a:t>
+              <a:t>03/08/2021</a:t>
             </a:fld>
             <a:endParaRPr lang="en-IE"/>
           </a:p>
@@ -2590,7 +2591,7 @@
           <a:p>
             <a:fld id="{C697B097-996D-432D-9C37-1E937D04D218}" type="datetimeFigureOut">
               <a:rPr lang="en-IE" smtClean="0"/>
-              <a:t>14/07/2021</a:t>
+              <a:t>03/08/2021</a:t>
             </a:fld>
             <a:endParaRPr lang="en-IE"/>
           </a:p>
@@ -2843,7 +2844,7 @@
           <a:p>
             <a:fld id="{C697B097-996D-432D-9C37-1E937D04D218}" type="datetimeFigureOut">
               <a:rPr lang="en-IE" smtClean="0"/>
-              <a:t>14/07/2021</a:t>
+              <a:t>03/08/2021</a:t>
             </a:fld>
             <a:endParaRPr lang="en-IE"/>
           </a:p>
@@ -3056,7 +3057,7 @@
           <a:p>
             <a:fld id="{C697B097-996D-432D-9C37-1E937D04D218}" type="datetimeFigureOut">
               <a:rPr lang="en-IE" smtClean="0"/>
-              <a:t>14/07/2021</a:t>
+              <a:t>03/08/2021</a:t>
             </a:fld>
             <a:endParaRPr lang="en-IE"/>
           </a:p>
@@ -3941,6 +3942,370 @@
         </p:nvSpPr>
         <p:spPr>
           <a:xfrm>
+            <a:off x="700147" y="172940"/>
+            <a:ext cx="10226950" cy="1104153"/>
+          </a:xfrm>
+        </p:spPr>
+        <p:txBody>
+          <a:bodyPr>
+            <a:normAutofit/>
+          </a:bodyPr>
+          <a:lstStyle/>
+          <a:p>
+            <a:r>
+              <a:rPr lang="en-IE" sz="3000" dirty="0" smtClean="0"/>
+              <a:t>Results - Adaptive </a:t>
+            </a:r>
+            <a:r>
+              <a:rPr lang="en-IE" sz="3000" dirty="0" smtClean="0"/>
+              <a:t>Scaling Monte </a:t>
+            </a:r>
+            <a:r>
+              <a:rPr lang="en-IE" sz="3000" dirty="0" smtClean="0"/>
+              <a:t>Carlo</a:t>
+            </a:r>
+            <a:endParaRPr lang="en-IE" sz="3000" dirty="0"/>
+          </a:p>
+        </p:txBody>
+      </p:sp>
+      <mc:AlternateContent xmlns:mc="http://schemas.openxmlformats.org/markup-compatibility/2006" xmlns:a14="http://schemas.microsoft.com/office/drawing/2010/main">
+        <mc:Choice Requires="a14">
+          <p:sp>
+            <p:nvSpPr>
+              <p:cNvPr id="11" name="TextBox 10"/>
+              <p:cNvSpPr txBox="1"/>
+              <p:nvPr/>
+            </p:nvSpPr>
+            <p:spPr>
+              <a:xfrm>
+                <a:off x="4604356" y="1155491"/>
+                <a:ext cx="3806721" cy="430887"/>
+              </a:xfrm>
+              <a:prstGeom prst="rect">
+                <a:avLst/>
+              </a:prstGeom>
+              <a:noFill/>
+            </p:spPr>
+            <p:txBody>
+              <a:bodyPr wrap="square" rtlCol="0">
+                <a:spAutoFit/>
+              </a:bodyPr>
+              <a:lstStyle/>
+              <a:p>
+                <a:pPr algn="ctr"/>
+                <a14:m>
+                  <m:oMath xmlns:m="http://schemas.openxmlformats.org/officeDocument/2006/math">
+                    <m:sSub>
+                      <m:sSubPr>
+                        <m:ctrlPr>
+                          <a:rPr lang="en-IE" sz="2200" b="1" i="1" smtClean="0">
+                            <a:solidFill>
+                              <a:srgbClr val="FFC000"/>
+                            </a:solidFill>
+                            <a:latin typeface="Cambria Math" panose="02040503050406030204" pitchFamily="18" charset="0"/>
+                          </a:rPr>
+                        </m:ctrlPr>
+                      </m:sSubPr>
+                      <m:e>
+                        <m:r>
+                          <a:rPr lang="en-IE" sz="2200" b="1" i="1" smtClean="0">
+                            <a:solidFill>
+                              <a:srgbClr val="FFC000"/>
+                            </a:solidFill>
+                            <a:latin typeface="Cambria Math" panose="02040503050406030204" pitchFamily="18" charset="0"/>
+                          </a:rPr>
+                          <m:t>𝑹</m:t>
+                        </m:r>
+                      </m:e>
+                      <m:sub>
+                        <m:r>
+                          <a:rPr lang="en-IE" sz="2200" b="1" i="1" smtClean="0">
+                            <a:solidFill>
+                              <a:srgbClr val="FFC000"/>
+                            </a:solidFill>
+                            <a:latin typeface="Cambria Math" panose="02040503050406030204" pitchFamily="18" charset="0"/>
+                          </a:rPr>
+                          <m:t>𝟎</m:t>
+                        </m:r>
+                      </m:sub>
+                    </m:sSub>
+                  </m:oMath>
+                </a14:m>
+                <a:r>
+                  <a:rPr lang="en-IE" sz="2200" b="1" dirty="0" smtClean="0">
+                    <a:solidFill>
+                      <a:srgbClr val="FFC000"/>
+                    </a:solidFill>
+                  </a:rPr>
+                  <a:t> of simulated data = 3.5 </a:t>
+                </a:r>
+                <a:endParaRPr lang="en-IE" sz="2200" b="1" dirty="0">
+                  <a:solidFill>
+                    <a:srgbClr val="FFC000"/>
+                  </a:solidFill>
+                </a:endParaRPr>
+              </a:p>
+            </p:txBody>
+          </p:sp>
+        </mc:Choice>
+        <mc:Fallback xmlns="">
+          <p:sp>
+            <p:nvSpPr>
+              <p:cNvPr id="11" name="TextBox 10"/>
+              <p:cNvSpPr txBox="1">
+                <a:spLocks noRot="1" noChangeAspect="1" noMove="1" noResize="1" noEditPoints="1" noAdjustHandles="1" noChangeArrowheads="1" noChangeShapeType="1" noTextEdit="1"/>
+              </p:cNvSpPr>
+              <p:nvPr/>
+            </p:nvSpPr>
+            <p:spPr>
+              <a:xfrm>
+                <a:off x="4604356" y="1155491"/>
+                <a:ext cx="3806721" cy="430887"/>
+              </a:xfrm>
+              <a:prstGeom prst="rect">
+                <a:avLst/>
+              </a:prstGeom>
+              <a:blipFill>
+                <a:blip r:embed="rId6"/>
+                <a:stretch>
+                  <a:fillRect t="-10000" b="-28571"/>
+                </a:stretch>
+              </a:blipFill>
+            </p:spPr>
+            <p:txBody>
+              <a:bodyPr/>
+              <a:lstStyle/>
+              <a:p>
+                <a:r>
+                  <a:rPr lang="en-IE">
+                    <a:noFill/>
+                  </a:rPr>
+                  <a:t> </a:t>
+                </a:r>
+              </a:p>
+            </p:txBody>
+          </p:sp>
+        </mc:Fallback>
+      </mc:AlternateContent>
+      <p:pic>
+        <p:nvPicPr>
+          <p:cNvPr id="12" name="Picture 11"/>
+          <p:cNvPicPr>
+            <a:picLocks noChangeAspect="1"/>
+          </p:cNvPicPr>
+          <p:nvPr/>
+        </p:nvPicPr>
+        <p:blipFill>
+          <a:blip r:embed="rId7"/>
+          <a:stretch>
+            <a:fillRect/>
+          </a:stretch>
+        </p:blipFill>
+        <p:spPr>
+          <a:xfrm>
+            <a:off x="135889" y="2326551"/>
+            <a:ext cx="3132543" cy="2622293"/>
+          </a:xfrm>
+          <a:prstGeom prst="rect">
+            <a:avLst/>
+          </a:prstGeom>
+        </p:spPr>
+      </p:pic>
+      <p:sp>
+        <p:nvSpPr>
+          <p:cNvPr id="9" name="Rectangle 8"/>
+          <p:cNvSpPr/>
+          <p:nvPr/>
+        </p:nvSpPr>
+        <p:spPr>
+          <a:xfrm>
+            <a:off x="135889" y="4117572"/>
+            <a:ext cx="3163818" cy="133004"/>
+          </a:xfrm>
+          <a:prstGeom prst="rect">
+            <a:avLst/>
+          </a:prstGeom>
+          <a:noFill/>
+          <a:ln w="19050">
+            <a:solidFill>
+              <a:srgbClr val="FFC000"/>
+            </a:solidFill>
+          </a:ln>
+        </p:spPr>
+        <p:style>
+          <a:lnRef idx="2">
+            <a:schemeClr val="accent1">
+              <a:shade val="50000"/>
+            </a:schemeClr>
+          </a:lnRef>
+          <a:fillRef idx="1">
+            <a:schemeClr val="accent1"/>
+          </a:fillRef>
+          <a:effectRef idx="0">
+            <a:schemeClr val="accent1"/>
+          </a:effectRef>
+          <a:fontRef idx="minor">
+            <a:schemeClr val="lt1"/>
+          </a:fontRef>
+        </p:style>
+        <p:txBody>
+          <a:bodyPr rtlCol="0" anchor="ctr"/>
+          <a:lstStyle/>
+          <a:p>
+            <a:pPr algn="ctr"/>
+            <a:endParaRPr lang="en-IE">
+              <a:solidFill>
+                <a:srgbClr val="FFC000"/>
+              </a:solidFill>
+            </a:endParaRPr>
+          </a:p>
+        </p:txBody>
+      </p:sp>
+      <p:pic>
+        <p:nvPicPr>
+          <p:cNvPr id="5" name="Picture 4"/>
+          <p:cNvPicPr>
+            <a:picLocks noChangeAspect="1"/>
+          </p:cNvPicPr>
+          <p:nvPr/>
+        </p:nvPicPr>
+        <p:blipFill>
+          <a:blip r:embed="rId8"/>
+          <a:stretch>
+            <a:fillRect/>
+          </a:stretch>
+        </p:blipFill>
+        <p:spPr>
+          <a:xfrm>
+            <a:off x="3772599" y="1687484"/>
+            <a:ext cx="4882097" cy="4860176"/>
+          </a:xfrm>
+          <a:prstGeom prst="rect">
+            <a:avLst/>
+          </a:prstGeom>
+        </p:spPr>
+      </p:pic>
+      <p:pic>
+        <p:nvPicPr>
+          <p:cNvPr id="6" name="Picture 5"/>
+          <p:cNvPicPr>
+            <a:picLocks noChangeAspect="1"/>
+          </p:cNvPicPr>
+          <p:nvPr/>
+        </p:nvPicPr>
+        <p:blipFill>
+          <a:blip r:embed="rId9"/>
+          <a:stretch>
+            <a:fillRect/>
+          </a:stretch>
+        </p:blipFill>
+        <p:spPr>
+          <a:xfrm>
+            <a:off x="8962702" y="911412"/>
+            <a:ext cx="2688783" cy="2668101"/>
+          </a:xfrm>
+          <a:prstGeom prst="rect">
+            <a:avLst/>
+          </a:prstGeom>
+        </p:spPr>
+      </p:pic>
+      <p:pic>
+        <p:nvPicPr>
+          <p:cNvPr id="16" name="Picture 15"/>
+          <p:cNvPicPr>
+            <a:picLocks noChangeAspect="1"/>
+          </p:cNvPicPr>
+          <p:nvPr/>
+        </p:nvPicPr>
+        <p:blipFill>
+          <a:blip r:embed="rId10"/>
+          <a:stretch>
+            <a:fillRect/>
+          </a:stretch>
+        </p:blipFill>
+        <p:spPr>
+          <a:xfrm>
+            <a:off x="8962702" y="3579513"/>
+            <a:ext cx="2711883" cy="2787013"/>
+          </a:xfrm>
+          <a:prstGeom prst="rect">
+            <a:avLst/>
+          </a:prstGeom>
+        </p:spPr>
+      </p:pic>
+      <p:pic>
+        <p:nvPicPr>
+          <p:cNvPr id="3" name="Picture 2"/>
+          <p:cNvPicPr>
+            <a:picLocks noChangeAspect="1"/>
+          </p:cNvPicPr>
+          <p:nvPr/>
+        </p:nvPicPr>
+        <p:blipFill>
+          <a:blip r:embed="rId11"/>
+          <a:stretch>
+            <a:fillRect/>
+          </a:stretch>
+        </p:blipFill>
+        <p:spPr>
+          <a:xfrm>
+            <a:off x="-1932214" y="1370934"/>
+            <a:ext cx="6124010" cy="4907319"/>
+          </a:xfrm>
+          <a:prstGeom prst="rect">
+            <a:avLst/>
+          </a:prstGeom>
+        </p:spPr>
+      </p:pic>
+    </p:spTree>
+    <p:extLst>
+      <p:ext uri="{BB962C8B-B14F-4D97-AF65-F5344CB8AC3E}">
+        <p14:creationId xmlns:p14="http://schemas.microsoft.com/office/powerpoint/2010/main" val="729019392"/>
+      </p:ext>
+    </p:extLst>
+  </p:cSld>
+  <p:clrMapOvr>
+    <a:masterClrMapping/>
+  </p:clrMapOvr>
+  <p:timing>
+    <p:tnLst>
+      <p:par>
+        <p:cTn id="1" dur="indefinite" restart="never" nodeType="tmRoot"/>
+      </p:par>
+    </p:tnLst>
+  </p:timing>
+</p:sld>
+</file>
+
+<file path=ppt/slides/slide12.xml><?xml version="1.0" encoding="utf-8"?>
+<p:sld xmlns:a="http://schemas.openxmlformats.org/drawingml/2006/main" xmlns:r="http://schemas.openxmlformats.org/officeDocument/2006/relationships" xmlns:p="http://schemas.openxmlformats.org/presentationml/2006/main">
+  <p:cSld>
+    <p:spTree>
+      <p:nvGrpSpPr>
+        <p:cNvPr id="1" name=""/>
+        <p:cNvGrpSpPr/>
+        <p:nvPr/>
+      </p:nvGrpSpPr>
+      <p:grpSpPr>
+        <a:xfrm>
+          <a:off x="0" y="0"/>
+          <a:ext cx="0" cy="0"/>
+          <a:chOff x="0" y="0"/>
+          <a:chExt cx="0" cy="0"/>
+        </a:xfrm>
+      </p:grpSpPr>
+      <p:sp>
+        <p:nvSpPr>
+          <p:cNvPr id="2" name="Title 1"/>
+          <p:cNvSpPr>
+            <a:spLocks noGrp="1"/>
+          </p:cNvSpPr>
+          <p:nvPr>
+            <p:ph type="title"/>
+          </p:nvPr>
+        </p:nvSpPr>
+        <p:spPr>
+          <a:xfrm>
             <a:off x="537556" y="332914"/>
             <a:ext cx="10515600" cy="1065320"/>
           </a:xfrm>
@@ -4049,7 +4414,7 @@
 </p:sld>
 </file>
 
-<file path=ppt/slides/slide12.xml><?xml version="1.0" encoding="utf-8"?>
+<file path=ppt/slides/slide13.xml><?xml version="1.0" encoding="utf-8"?>
 <p:sld xmlns:a="http://schemas.openxmlformats.org/drawingml/2006/main" xmlns:r="http://schemas.openxmlformats.org/officeDocument/2006/relationships" xmlns:p="http://schemas.openxmlformats.org/presentationml/2006/main">
   <p:cSld>
     <p:spTree>
@@ -4193,7 +4558,7 @@
 </p:sld>
 </file>
 
-<file path=ppt/slides/slide13.xml><?xml version="1.0" encoding="utf-8"?>
+<file path=ppt/slides/slide14.xml><?xml version="1.0" encoding="utf-8"?>
 <p:sld xmlns:a="http://schemas.openxmlformats.org/drawingml/2006/main" xmlns:r="http://schemas.openxmlformats.org/officeDocument/2006/relationships" xmlns:p="http://schemas.openxmlformats.org/presentationml/2006/main">
   <p:cSld>
     <p:spTree>
@@ -4300,7 +4665,7 @@
 </p:sld>
 </file>
 
-<file path=ppt/slides/slide14.xml><?xml version="1.0" encoding="utf-8"?>
+<file path=ppt/slides/slide15.xml><?xml version="1.0" encoding="utf-8"?>
 <p:sld xmlns:a="http://schemas.openxmlformats.org/drawingml/2006/main" xmlns:r="http://schemas.openxmlformats.org/officeDocument/2006/relationships" xmlns:p="http://schemas.openxmlformats.org/presentationml/2006/main">
   <p:cSld>
     <p:spTree>
@@ -4690,8 +5055,8 @@
           </a:p>
         </p:txBody>
       </p:sp>
-      <mc:AlternateContent xmlns:mc="http://schemas.openxmlformats.org/markup-compatibility/2006" xmlns:a14="http://schemas.microsoft.com/office/drawing/2010/main">
-        <mc:Choice Requires="a14">
+      <mc:AlternateContent xmlns:mc="http://schemas.openxmlformats.org/markup-compatibility/2006">
+        <mc:Choice xmlns:a14="http://schemas.microsoft.com/office/drawing/2010/main" Requires="a14">
           <p:sp>
             <p:nvSpPr>
               <p:cNvPr id="3" name="Content Placeholder 2"/>
@@ -4758,8 +5123,17 @@
                 </a14:m>
                 <a:r>
                   <a:rPr lang="en-IE" dirty="0" smtClean="0"/>
-                  <a:t>  = Number of infected in the epidemic</a:t>
+                  <a:t>  = Number of infected in the </a:t>
                 </a:r>
+                <a:r>
+                  <a:rPr lang="en-IE" dirty="0" smtClean="0"/>
+                  <a:t>epidemic at time </a:t>
+                </a:r>
+                <a:r>
+                  <a:rPr lang="en-IE" i="1" dirty="0" smtClean="0"/>
+                  <a:t>t</a:t>
+                </a:r>
+                <a:endParaRPr lang="en-IE" dirty="0" smtClean="0"/>
               </a:p>
               <a:p>
                 <a14:m>
@@ -5521,7 +5895,7 @@
             </p:txBody>
           </p:sp>
         </mc:Choice>
-        <mc:Fallback xmlns="">
+        <mc:Fallback>
           <p:sp>
             <p:nvSpPr>
               <p:cNvPr id="3" name="Content Placeholder 2"/>
@@ -6031,7 +6405,7 @@
         <p:spPr>
           <a:xfrm>
             <a:off x="4561209" y="5630180"/>
-            <a:ext cx="3402676" cy="646331"/>
+            <a:ext cx="3402676" cy="923330"/>
           </a:xfrm>
           <a:prstGeom prst="rect">
             <a:avLst/>
@@ -6057,6 +6431,19 @@
               </a:rPr>
               <a:t>Closed form </a:t>
             </a:r>
+            <a:r>
+              <a:rPr lang="en-IE" b="1" dirty="0" smtClean="0">
+                <a:solidFill>
+                  <a:srgbClr val="FFC000"/>
+                </a:solidFill>
+              </a:rPr>
+              <a:t>– WRONG – SEE LATEXT REPORT</a:t>
+            </a:r>
+            <a:endParaRPr lang="en-IE" b="1" dirty="0" smtClean="0">
+              <a:solidFill>
+                <a:srgbClr val="FFC000"/>
+              </a:solidFill>
+            </a:endParaRPr>
           </a:p>
           <a:p>
             <a:r>
@@ -6087,7 +6474,7 @@
         <p:spPr>
           <a:xfrm flipH="1" flipV="1">
             <a:off x="2882524" y="5363620"/>
-            <a:ext cx="1678685" cy="589726"/>
+            <a:ext cx="1678685" cy="728225"/>
           </a:xfrm>
           <a:prstGeom prst="straightConnector1">
             <a:avLst/>
@@ -6125,7 +6512,7 @@
         <p:spPr>
           <a:xfrm flipV="1">
             <a:off x="7963885" y="5416348"/>
-            <a:ext cx="454137" cy="536998"/>
+            <a:ext cx="454137" cy="675497"/>
           </a:xfrm>
           <a:prstGeom prst="straightConnector1">
             <a:avLst/>
